--- a/October2025/Zeynep_Poster_v10.pptx
+++ b/October2025/Zeynep_Poster_v10.pptx
@@ -415,426 +415,6 @@
 </p:handoutMaster>
 </file>
 
-<file path=ppt/ink/ink1.xml><?xml version="1.0" encoding="utf-8"?>
-<inkml:ink xmlns:inkml="http://www.w3.org/2003/InkML">
-  <inkml:definitions>
-    <inkml:context xml:id="ctx0">
-      <inkml:inkSource xml:id="inkSrc0">
-        <inkml:traceFormat>
-          <inkml:channel name="X" type="integer" min="-2.14748E9" max="2.14748E9" units="cm"/>
-          <inkml:channel name="Y" type="integer" min="-2.14748E9" max="2.14748E9" units="cm"/>
-          <inkml:channel name="F" type="integer" max="32767" units="dev"/>
-        </inkml:traceFormat>
-        <inkml:channelProperties>
-          <inkml:channelProperty channel="X" name="resolution" value="1000" units="1/cm"/>
-          <inkml:channelProperty channel="Y" name="resolution" value="1000" units="1/cm"/>
-          <inkml:channelProperty channel="F" name="resolution" value="0" units="1/dev"/>
-        </inkml:channelProperties>
-      </inkml:inkSource>
-      <inkml:timestamp xml:id="ts0" timeString="2025-06-09T08:10:27.024"/>
-    </inkml:context>
-    <inkml:brush xml:id="br0">
-      <inkml:brushProperty name="width" value="0.035" units="cm"/>
-      <inkml:brushProperty name="height" value="0.035" units="cm"/>
-      <inkml:brushProperty name="color" value="#004F8B"/>
-    </inkml:brush>
-  </inkml:definitions>
-  <inkml:trace contextRef="#ctx0" brushRef="#br0">116 1 24575,'-2'0'0,"-5"0"0,-3 0 0,0 2 0,1 5 0,3 3 0,2 3 0,2 2 0,-2 1 0,0 1 0,-2 1 0,0-1 0,-2 0 0,-3 0 0,2 0 0,1-3 0,2 8 0,3-1-8191</inkml:trace>
-</inkml:ink>
-</file>
-
-<file path=ppt/ink/ink10.xml><?xml version="1.0" encoding="utf-8"?>
-<inkml:ink xmlns:inkml="http://www.w3.org/2003/InkML">
-  <inkml:definitions>
-    <inkml:context xml:id="ctx0">
-      <inkml:inkSource xml:id="inkSrc0">
-        <inkml:traceFormat>
-          <inkml:channel name="X" type="integer" min="-2.14748E9" max="2.14748E9" units="cm"/>
-          <inkml:channel name="Y" type="integer" min="-2.14748E9" max="2.14748E9" units="cm"/>
-          <inkml:channel name="F" type="integer" max="32767" units="dev"/>
-        </inkml:traceFormat>
-        <inkml:channelProperties>
-          <inkml:channelProperty channel="X" name="resolution" value="1000" units="1/cm"/>
-          <inkml:channelProperty channel="Y" name="resolution" value="1000" units="1/cm"/>
-          <inkml:channelProperty channel="F" name="resolution" value="0" units="1/dev"/>
-        </inkml:channelProperties>
-      </inkml:inkSource>
-      <inkml:timestamp xml:id="ts0" timeString="2025-06-09T08:10:52.112"/>
-    </inkml:context>
-    <inkml:brush xml:id="br0">
-      <inkml:brushProperty name="width" value="0.035" units="cm"/>
-      <inkml:brushProperty name="height" value="0.035" units="cm"/>
-      <inkml:brushProperty name="color" value="#004F8B"/>
-    </inkml:brush>
-  </inkml:definitions>
-  <inkml:trace contextRef="#ctx0" brushRef="#br0">1 119 24575,'0'-6'0,"3"-5"0,4 0 0,0-5 0,3-3 0,0 0 0,0-1 0,-1 4-8191</inkml:trace>
-</inkml:ink>
-</file>
-
-<file path=ppt/ink/ink11.xml><?xml version="1.0" encoding="utf-8"?>
-<inkml:ink xmlns:inkml="http://www.w3.org/2003/InkML">
-  <inkml:definitions>
-    <inkml:context xml:id="ctx0">
-      <inkml:inkSource xml:id="inkSrc0">
-        <inkml:traceFormat>
-          <inkml:channel name="X" type="integer" min="-2.14748E9" max="2.14748E9" units="cm"/>
-          <inkml:channel name="Y" type="integer" min="-2.14748E9" max="2.14748E9" units="cm"/>
-          <inkml:channel name="F" type="integer" max="32767" units="dev"/>
-        </inkml:traceFormat>
-        <inkml:channelProperties>
-          <inkml:channelProperty channel="X" name="resolution" value="1000" units="1/cm"/>
-          <inkml:channelProperty channel="Y" name="resolution" value="1000" units="1/cm"/>
-          <inkml:channelProperty channel="F" name="resolution" value="0" units="1/dev"/>
-        </inkml:channelProperties>
-      </inkml:inkSource>
-      <inkml:timestamp xml:id="ts0" timeString="2025-06-09T08:10:53.611"/>
-    </inkml:context>
-    <inkml:brush xml:id="br0">
-      <inkml:brushProperty name="width" value="0.035" units="cm"/>
-      <inkml:brushProperty name="height" value="0.035" units="cm"/>
-      <inkml:brushProperty name="color" value="#004F8B"/>
-    </inkml:brush>
-  </inkml:definitions>
-  <inkml:trace contextRef="#ctx0" brushRef="#br0">36 0 24575,'-6'0'0,"-2"3"0,1 4 0,1 7 0,2 4 0,1 1 0,1-1-8191</inkml:trace>
-</inkml:ink>
-</file>
-
-<file path=ppt/ink/ink12.xml><?xml version="1.0" encoding="utf-8"?>
-<inkml:ink xmlns:inkml="http://www.w3.org/2003/InkML">
-  <inkml:definitions>
-    <inkml:context xml:id="ctx0">
-      <inkml:inkSource xml:id="inkSrc0">
-        <inkml:traceFormat>
-          <inkml:channel name="X" type="integer" min="-2.14748E9" max="2.14748E9" units="cm"/>
-          <inkml:channel name="Y" type="integer" min="-2.14748E9" max="2.14748E9" units="cm"/>
-          <inkml:channel name="F" type="integer" max="32767" units="dev"/>
-        </inkml:traceFormat>
-        <inkml:channelProperties>
-          <inkml:channelProperty channel="X" name="resolution" value="1000" units="1/cm"/>
-          <inkml:channelProperty channel="Y" name="resolution" value="1000" units="1/cm"/>
-          <inkml:channelProperty channel="F" name="resolution" value="0" units="1/dev"/>
-        </inkml:channelProperties>
-      </inkml:inkSource>
-      <inkml:timestamp xml:id="ts0" timeString="2025-06-09T08:10:55.651"/>
-    </inkml:context>
-    <inkml:brush xml:id="br0">
-      <inkml:brushProperty name="width" value="0.035" units="cm"/>
-      <inkml:brushProperty name="height" value="0.035" units="cm"/>
-      <inkml:brushProperty name="color" value="#004F8B"/>
-    </inkml:brush>
-  </inkml:definitions>
-  <inkml:trace contextRef="#ctx0" brushRef="#br0">123 1 24575,'-9'0'0,"-9"0"0,-4 3 0,-2 4 0,-2 4 0,2 0-8191</inkml:trace>
-</inkml:ink>
-</file>
-
-<file path=ppt/ink/ink13.xml><?xml version="1.0" encoding="utf-8"?>
-<inkml:ink xmlns:inkml="http://www.w3.org/2003/InkML">
-  <inkml:definitions>
-    <inkml:context xml:id="ctx0">
-      <inkml:inkSource xml:id="inkSrc0">
-        <inkml:traceFormat>
-          <inkml:channel name="X" type="integer" min="-2.14748E9" max="2.14748E9" units="cm"/>
-          <inkml:channel name="Y" type="integer" min="-2.14748E9" max="2.14748E9" units="cm"/>
-          <inkml:channel name="F" type="integer" max="32767" units="dev"/>
-        </inkml:traceFormat>
-        <inkml:channelProperties>
-          <inkml:channelProperty channel="X" name="resolution" value="1000" units="1/cm"/>
-          <inkml:channelProperty channel="Y" name="resolution" value="1000" units="1/cm"/>
-          <inkml:channelProperty channel="F" name="resolution" value="0" units="1/dev"/>
-        </inkml:channelProperties>
-      </inkml:inkSource>
-      <inkml:timestamp xml:id="ts0" timeString="2025-06-09T08:10:57.263"/>
-    </inkml:context>
-    <inkml:brush xml:id="br0">
-      <inkml:brushProperty name="width" value="0.035" units="cm"/>
-      <inkml:brushProperty name="height" value="0.035" units="cm"/>
-      <inkml:brushProperty name="color" value="#004F8B"/>
-    </inkml:brush>
-  </inkml:definitions>
-  <inkml:trace contextRef="#ctx0" brushRef="#br0">47 0 24575,'-3'0'0,"-4"0"0,-3 0 0,-1 3 0,2 4 0,2 1-8191</inkml:trace>
-</inkml:ink>
-</file>
-
-<file path=ppt/ink/ink14.xml><?xml version="1.0" encoding="utf-8"?>
-<inkml:ink xmlns:inkml="http://www.w3.org/2003/InkML">
-  <inkml:definitions>
-    <inkml:context xml:id="ctx0">
-      <inkml:inkSource xml:id="inkSrc0">
-        <inkml:traceFormat>
-          <inkml:channel name="X" type="integer" min="-2.14748E9" max="2.14748E9" units="cm"/>
-          <inkml:channel name="Y" type="integer" min="-2.14748E9" max="2.14748E9" units="cm"/>
-          <inkml:channel name="F" type="integer" max="32767" units="dev"/>
-        </inkml:traceFormat>
-        <inkml:channelProperties>
-          <inkml:channelProperty channel="X" name="resolution" value="1000" units="1/cm"/>
-          <inkml:channelProperty channel="Y" name="resolution" value="1000" units="1/cm"/>
-          <inkml:channelProperty channel="F" name="resolution" value="0" units="1/dev"/>
-        </inkml:channelProperties>
-      </inkml:inkSource>
-      <inkml:timestamp xml:id="ts0" timeString="2025-06-09T08:11:21.040"/>
-    </inkml:context>
-    <inkml:brush xml:id="br0">
-      <inkml:brushProperty name="width" value="0.035" units="cm"/>
-      <inkml:brushProperty name="height" value="0.035" units="cm"/>
-      <inkml:brushProperty name="color" value="#003E6C"/>
-    </inkml:brush>
-  </inkml:definitions>
-  <inkml:trace contextRef="#ctx0" brushRef="#br0">85 1 24575,'-6'0'0,"-2"3"0,-2 1 0,0 5 0,1 5 0,3 3 0,3 2 0,1-1 0,1 2 0,1-2 0,-3 1 0,-3-4 0,-4-4 0,-1-4-8191</inkml:trace>
-</inkml:ink>
-</file>
-
-<file path=ppt/ink/ink15.xml><?xml version="1.0" encoding="utf-8"?>
-<inkml:ink xmlns:inkml="http://www.w3.org/2003/InkML">
-  <inkml:definitions>
-    <inkml:context xml:id="ctx0">
-      <inkml:inkSource xml:id="inkSrc0">
-        <inkml:traceFormat>
-          <inkml:channel name="X" type="integer" min="-2.14748E9" max="2.14748E9" units="cm"/>
-          <inkml:channel name="Y" type="integer" min="-2.14748E9" max="2.14748E9" units="cm"/>
-          <inkml:channel name="F" type="integer" max="32767" units="dev"/>
-        </inkml:traceFormat>
-        <inkml:channelProperties>
-          <inkml:channelProperty channel="X" name="resolution" value="1000" units="1/cm"/>
-          <inkml:channelProperty channel="Y" name="resolution" value="1000" units="1/cm"/>
-          <inkml:channelProperty channel="F" name="resolution" value="0" units="1/dev"/>
-        </inkml:channelProperties>
-      </inkml:inkSource>
-      <inkml:timestamp xml:id="ts0" timeString="2025-06-09T08:11:22.390"/>
-    </inkml:context>
-    <inkml:brush xml:id="br0">
-      <inkml:brushProperty name="width" value="0.035" units="cm"/>
-      <inkml:brushProperty name="height" value="0.035" units="cm"/>
-      <inkml:brushProperty name="color" value="#003E6C"/>
-    </inkml:brush>
-  </inkml:definitions>
-  <inkml:trace contextRef="#ctx0" brushRef="#br0">0 0 24575,'0'3'0,"0"4"0,0 4 0,0 3 0,0 2 0,0 1 0,0 2 0,0-1 0,0 0 0,0 1 0,0-1 0,0 0 0,0-4-8191</inkml:trace>
-</inkml:ink>
-</file>
-
-<file path=ppt/ink/ink2.xml><?xml version="1.0" encoding="utf-8"?>
-<inkml:ink xmlns:inkml="http://www.w3.org/2003/InkML">
-  <inkml:definitions>
-    <inkml:context xml:id="ctx0">
-      <inkml:inkSource xml:id="inkSrc0">
-        <inkml:traceFormat>
-          <inkml:channel name="X" type="integer" min="-2.14748E9" max="2.14748E9" units="cm"/>
-          <inkml:channel name="Y" type="integer" min="-2.14748E9" max="2.14748E9" units="cm"/>
-          <inkml:channel name="F" type="integer" max="32767" units="dev"/>
-        </inkml:traceFormat>
-        <inkml:channelProperties>
-          <inkml:channelProperty channel="X" name="resolution" value="1000" units="1/cm"/>
-          <inkml:channelProperty channel="Y" name="resolution" value="1000" units="1/cm"/>
-          <inkml:channelProperty channel="F" name="resolution" value="0" units="1/dev"/>
-        </inkml:channelProperties>
-      </inkml:inkSource>
-      <inkml:timestamp xml:id="ts0" timeString="2025-06-09T08:10:05.965"/>
-    </inkml:context>
-    <inkml:brush xml:id="br0">
-      <inkml:brushProperty name="width" value="0.035" units="cm"/>
-      <inkml:brushProperty name="height" value="0.035" units="cm"/>
-      <inkml:brushProperty name="color" value="#004F8B"/>
-    </inkml:brush>
-  </inkml:definitions>
-  <inkml:trace contextRef="#ctx0" brushRef="#br0">100 0 24575,'-2'0'0,"-5"0"0,-3 0 0,0 3 0,-2 1 0,2 3 0,3 2 0,-1 0 0,1 2 0,-1-2 0,1 1 0,2 2 0,1 1 0,2-2-8191</inkml:trace>
-</inkml:ink>
-</file>
-
-<file path=ppt/ink/ink3.xml><?xml version="1.0" encoding="utf-8"?>
-<inkml:ink xmlns:inkml="http://www.w3.org/2003/InkML">
-  <inkml:definitions>
-    <inkml:context xml:id="ctx0">
-      <inkml:inkSource xml:id="inkSrc0">
-        <inkml:traceFormat>
-          <inkml:channel name="X" type="integer" min="-2.14748E9" max="2.14748E9" units="cm"/>
-          <inkml:channel name="Y" type="integer" min="-2.14748E9" max="2.14748E9" units="cm"/>
-          <inkml:channel name="F" type="integer" max="32767" units="dev"/>
-        </inkml:traceFormat>
-        <inkml:channelProperties>
-          <inkml:channelProperty channel="X" name="resolution" value="1000" units="1/cm"/>
-          <inkml:channelProperty channel="Y" name="resolution" value="1000" units="1/cm"/>
-          <inkml:channelProperty channel="F" name="resolution" value="0" units="1/dev"/>
-        </inkml:channelProperties>
-      </inkml:inkSource>
-      <inkml:timestamp xml:id="ts0" timeString="2025-06-09T08:10:08.601"/>
-    </inkml:context>
-    <inkml:brush xml:id="br0">
-      <inkml:brushProperty name="width" value="0.035" units="cm"/>
-      <inkml:brushProperty name="height" value="0.035" units="cm"/>
-      <inkml:brushProperty name="color" value="#004F8B"/>
-    </inkml:brush>
-  </inkml:definitions>
-  <inkml:trace contextRef="#ctx0" brushRef="#br0">150 0 24575,'-2'0'0,"0"1"0,0-1 0,0 0 0,0 1 0,0-1 0,0 1 0,0-1 0,1 1 0,-1 0 0,0 0 0,0 0 0,1 0 0,-1 0 0,1 0 0,-1 0 0,1 1 0,-1-1 0,1 1 0,0-1 0,-1 1 0,1-1 0,0 1 0,-1 1 0,-18 50 0,3-8 0,14-41 0,0 1 0,0-1 0,-1 0 0,1-1 0,-1 1 0,0-1 0,0 1 0,0-1 0,-8 5 0,3-2 0,-6 12-1365,10-8-5461</inkml:trace>
-</inkml:ink>
-</file>
-
-<file path=ppt/ink/ink4.xml><?xml version="1.0" encoding="utf-8"?>
-<inkml:ink xmlns:inkml="http://www.w3.org/2003/InkML">
-  <inkml:definitions>
-    <inkml:context xml:id="ctx0">
-      <inkml:inkSource xml:id="inkSrc0">
-        <inkml:traceFormat>
-          <inkml:channel name="X" type="integer" min="-2.14748E9" max="2.14748E9" units="cm"/>
-          <inkml:channel name="Y" type="integer" min="-2.14748E9" max="2.14748E9" units="cm"/>
-          <inkml:channel name="F" type="integer" max="32767" units="dev"/>
-        </inkml:traceFormat>
-        <inkml:channelProperties>
-          <inkml:channelProperty channel="X" name="resolution" value="1000" units="1/cm"/>
-          <inkml:channelProperty channel="Y" name="resolution" value="1000" units="1/cm"/>
-          <inkml:channelProperty channel="F" name="resolution" value="0" units="1/dev"/>
-        </inkml:channelProperties>
-      </inkml:inkSource>
-      <inkml:timestamp xml:id="ts0" timeString="2025-06-09T08:10:18.850"/>
-    </inkml:context>
-    <inkml:brush xml:id="br0">
-      <inkml:brushProperty name="width" value="0.035" units="cm"/>
-      <inkml:brushProperty name="height" value="0.035" units="cm"/>
-      <inkml:brushProperty name="color" value="#004F8B"/>
-    </inkml:brush>
-  </inkml:definitions>
-  <inkml:trace contextRef="#ctx0" brushRef="#br0">169 1 24575,'0'6'0,"0"4"0,0 4 0,0 2 0,-3-2 0,-3 0 0,-4 3 0,-4 1 0,-1-1 0,-4-5 0,1-1 0,1-3 0,-2-2 0,-1-3 0,3 2 0,7-1 0</inkml:trace>
-</inkml:ink>
-</file>
-
-<file path=ppt/ink/ink5.xml><?xml version="1.0" encoding="utf-8"?>
-<inkml:ink xmlns:inkml="http://www.w3.org/2003/InkML">
-  <inkml:definitions>
-    <inkml:context xml:id="ctx0">
-      <inkml:inkSource xml:id="inkSrc0">
-        <inkml:traceFormat>
-          <inkml:channel name="X" type="integer" min="-2.14748E9" max="2.14748E9" units="cm"/>
-          <inkml:channel name="Y" type="integer" min="-2.14748E9" max="2.14748E9" units="cm"/>
-          <inkml:channel name="F" type="integer" max="32767" units="dev"/>
-        </inkml:traceFormat>
-        <inkml:channelProperties>
-          <inkml:channelProperty channel="X" name="resolution" value="1000" units="1/cm"/>
-          <inkml:channelProperty channel="Y" name="resolution" value="1000" units="1/cm"/>
-          <inkml:channelProperty channel="F" name="resolution" value="0" units="1/dev"/>
-        </inkml:channelProperties>
-      </inkml:inkSource>
-      <inkml:timestamp xml:id="ts0" timeString="2025-06-09T08:10:20.670"/>
-    </inkml:context>
-    <inkml:brush xml:id="br0">
-      <inkml:brushProperty name="width" value="0.035" units="cm"/>
-      <inkml:brushProperty name="height" value="0.035" units="cm"/>
-      <inkml:brushProperty name="color" value="#004F8B"/>
-    </inkml:brush>
-  </inkml:definitions>
-  <inkml:trace contextRef="#ctx0" brushRef="#br0">56 1 24575,'-2'0'0,"-5"0"0,-3 0 0,-3 0 0,1 3 0,2 6 0,9 8 0,4 3 0,-1-1 0,-4-2 0,-1-3-8191</inkml:trace>
-</inkml:ink>
-</file>
-
-<file path=ppt/ink/ink6.xml><?xml version="1.0" encoding="utf-8"?>
-<inkml:ink xmlns:inkml="http://www.w3.org/2003/InkML">
-  <inkml:definitions>
-    <inkml:context xml:id="ctx0">
-      <inkml:inkSource xml:id="inkSrc0">
-        <inkml:traceFormat>
-          <inkml:channel name="X" type="integer" min="-2.14748E9" max="2.14748E9" units="cm"/>
-          <inkml:channel name="Y" type="integer" min="-2.14748E9" max="2.14748E9" units="cm"/>
-          <inkml:channel name="F" type="integer" max="32767" units="dev"/>
-        </inkml:traceFormat>
-        <inkml:channelProperties>
-          <inkml:channelProperty channel="X" name="resolution" value="1000" units="1/cm"/>
-          <inkml:channelProperty channel="Y" name="resolution" value="1000" units="1/cm"/>
-          <inkml:channelProperty channel="F" name="resolution" value="0" units="1/dev"/>
-        </inkml:channelProperties>
-      </inkml:inkSource>
-      <inkml:timestamp xml:id="ts0" timeString="2025-06-09T08:10:22.610"/>
-    </inkml:context>
-    <inkml:brush xml:id="br0">
-      <inkml:brushProperty name="width" value="0.035" units="cm"/>
-      <inkml:brushProperty name="height" value="0.035" units="cm"/>
-      <inkml:brushProperty name="color" value="#004F8B"/>
-    </inkml:brush>
-  </inkml:definitions>
-  <inkml:trace contextRef="#ctx0" brushRef="#br0">181 0 24575,'-6'0'0,"-4"0"0,-4 0 0,-2 0 0,-1 0 0,-1 0 0,1 0 0,-1 0 0,1 0 0,0 0 0,0 0 0,3 0-8191</inkml:trace>
-</inkml:ink>
-</file>
-
-<file path=ppt/ink/ink7.xml><?xml version="1.0" encoding="utf-8"?>
-<inkml:ink xmlns:inkml="http://www.w3.org/2003/InkML">
-  <inkml:definitions>
-    <inkml:context xml:id="ctx0">
-      <inkml:inkSource xml:id="inkSrc0">
-        <inkml:traceFormat>
-          <inkml:channel name="X" type="integer" min="-2.14748E9" max="2.14748E9" units="cm"/>
-          <inkml:channel name="Y" type="integer" min="-2.14748E9" max="2.14748E9" units="cm"/>
-          <inkml:channel name="F" type="integer" max="32767" units="dev"/>
-        </inkml:traceFormat>
-        <inkml:channelProperties>
-          <inkml:channelProperty channel="X" name="resolution" value="1000" units="1/cm"/>
-          <inkml:channelProperty channel="Y" name="resolution" value="1000" units="1/cm"/>
-          <inkml:channelProperty channel="F" name="resolution" value="0" units="1/dev"/>
-        </inkml:channelProperties>
-      </inkml:inkSource>
-      <inkml:timestamp xml:id="ts0" timeString="2025-06-09T08:10:47.093"/>
-    </inkml:context>
-    <inkml:brush xml:id="br0">
-      <inkml:brushProperty name="width" value="0.035" units="cm"/>
-      <inkml:brushProperty name="height" value="0.035" units="cm"/>
-      <inkml:brushProperty name="color" value="#004F8B"/>
-    </inkml:brush>
-  </inkml:definitions>
-  <inkml:trace contextRef="#ctx0" brushRef="#br0">73 0 24575,'-3'0'0,"-6"0"0,-6 0 0,0 3 0,3 4 0,4 4 0,2 3 0,3 5 0,2 3 0,1-1 0,0 1 0,1-5-8191</inkml:trace>
-</inkml:ink>
-</file>
-
-<file path=ppt/ink/ink8.xml><?xml version="1.0" encoding="utf-8"?>
-<inkml:ink xmlns:inkml="http://www.w3.org/2003/InkML">
-  <inkml:definitions>
-    <inkml:context xml:id="ctx0">
-      <inkml:inkSource xml:id="inkSrc0">
-        <inkml:traceFormat>
-          <inkml:channel name="X" type="integer" min="-2.14748E9" max="2.14748E9" units="cm"/>
-          <inkml:channel name="Y" type="integer" min="-2.14748E9" max="2.14748E9" units="cm"/>
-          <inkml:channel name="F" type="integer" max="32767" units="dev"/>
-        </inkml:traceFormat>
-        <inkml:channelProperties>
-          <inkml:channelProperty channel="X" name="resolution" value="1000" units="1/cm"/>
-          <inkml:channelProperty channel="Y" name="resolution" value="1000" units="1/cm"/>
-          <inkml:channelProperty channel="F" name="resolution" value="0" units="1/dev"/>
-        </inkml:channelProperties>
-      </inkml:inkSource>
-      <inkml:timestamp xml:id="ts0" timeString="2025-06-09T08:10:49.291"/>
-    </inkml:context>
-    <inkml:brush xml:id="br0">
-      <inkml:brushProperty name="width" value="0.035" units="cm"/>
-      <inkml:brushProperty name="height" value="0.035" units="cm"/>
-      <inkml:brushProperty name="color" value="#004F8B"/>
-    </inkml:brush>
-  </inkml:definitions>
-  <inkml:trace contextRef="#ctx0" brushRef="#br0">0 168 24575,'0'-3'0,"0"-4"0,0-4 0,0-3 0,0-2 0,0-1 0,0-1 0,0-1 0,0-2 0,0-1 0,0 3-8191</inkml:trace>
-</inkml:ink>
-</file>
-
-<file path=ppt/ink/ink9.xml><?xml version="1.0" encoding="utf-8"?>
-<inkml:ink xmlns:inkml="http://www.w3.org/2003/InkML">
-  <inkml:definitions>
-    <inkml:context xml:id="ctx0">
-      <inkml:inkSource xml:id="inkSrc0">
-        <inkml:traceFormat>
-          <inkml:channel name="X" type="integer" min="-2.14748E9" max="2.14748E9" units="cm"/>
-          <inkml:channel name="Y" type="integer" min="-2.14748E9" max="2.14748E9" units="cm"/>
-          <inkml:channel name="F" type="integer" max="32767" units="dev"/>
-        </inkml:traceFormat>
-        <inkml:channelProperties>
-          <inkml:channelProperty channel="X" name="resolution" value="1000" units="1/cm"/>
-          <inkml:channelProperty channel="Y" name="resolution" value="1000" units="1/cm"/>
-          <inkml:channelProperty channel="F" name="resolution" value="0" units="1/dev"/>
-        </inkml:channelProperties>
-      </inkml:inkSource>
-      <inkml:timestamp xml:id="ts0" timeString="2025-06-09T08:10:50.685"/>
-    </inkml:context>
-    <inkml:brush xml:id="br0">
-      <inkml:brushProperty name="width" value="0.035" units="cm"/>
-      <inkml:brushProperty name="height" value="0.035" units="cm"/>
-      <inkml:brushProperty name="color" value="#004F8B"/>
-    </inkml:brush>
-  </inkml:definitions>
-  <inkml:trace contextRef="#ctx0" brushRef="#br0">1 0 24575,'0'6'0,"0"5"0,0 4 0,0 1 0,0 3 0,0-1 0,0 1 0,0 0 0,0-1 0,0-3-8191</inkml:trace>
-</inkml:ink>
-</file>
-
 <file path=ppt/notesMasters/notesMaster1.xml><?xml version="1.0" encoding="utf-8"?>
 <p:notesMaster xmlns:a="http://schemas.openxmlformats.org/drawingml/2006/main" xmlns:r="http://schemas.openxmlformats.org/officeDocument/2006/relationships" xmlns:p="http://schemas.openxmlformats.org/presentationml/2006/main">
   <p:cSld>
@@ -1904,7 +1484,7 @@
           <a:p>
             <a:fld id="{C97EC4C6-B233-4DED-BE25-D2749E462968}" type="datetimeFigureOut">
               <a:rPr lang="en-GB" smtClean="0"/>
-              <a:t>12/12/2025</a:t>
+              <a:t>13/12/2025</a:t>
             </a:fld>
             <a:endParaRPr lang="en-GB"/>
           </a:p>
@@ -2104,7 +1684,7 @@
           <a:p>
             <a:fld id="{C97EC4C6-B233-4DED-BE25-D2749E462968}" type="datetimeFigureOut">
               <a:rPr lang="en-GB" smtClean="0"/>
-              <a:t>12/12/2025</a:t>
+              <a:t>13/12/2025</a:t>
             </a:fld>
             <a:endParaRPr lang="en-GB"/>
           </a:p>
@@ -2314,7 +1894,7 @@
           <a:p>
             <a:fld id="{C97EC4C6-B233-4DED-BE25-D2749E462968}" type="datetimeFigureOut">
               <a:rPr lang="en-GB" smtClean="0"/>
-              <a:t>12/12/2025</a:t>
+              <a:t>13/12/2025</a:t>
             </a:fld>
             <a:endParaRPr lang="en-GB"/>
           </a:p>
@@ -2832,7 +2412,7 @@
           <a:p>
             <a:fld id="{A666320E-2E51-46CD-B000-0C5C59C25FAA}" type="datetimeFigureOut">
               <a:rPr lang="en-GB" smtClean="0"/>
-              <a:t>12/12/2025</a:t>
+              <a:t>13/12/2025</a:t>
             </a:fld>
             <a:endParaRPr lang="en-GB"/>
           </a:p>
@@ -3032,7 +2612,7 @@
           <a:p>
             <a:fld id="{A666320E-2E51-46CD-B000-0C5C59C25FAA}" type="datetimeFigureOut">
               <a:rPr lang="en-GB" smtClean="0"/>
-              <a:t>12/12/2025</a:t>
+              <a:t>13/12/2025</a:t>
             </a:fld>
             <a:endParaRPr lang="en-GB"/>
           </a:p>
@@ -3308,7 +2888,7 @@
           <a:p>
             <a:fld id="{A666320E-2E51-46CD-B000-0C5C59C25FAA}" type="datetimeFigureOut">
               <a:rPr lang="en-GB" smtClean="0"/>
-              <a:t>12/12/2025</a:t>
+              <a:t>13/12/2025</a:t>
             </a:fld>
             <a:endParaRPr lang="en-GB"/>
           </a:p>
@@ -3576,7 +3156,7 @@
           <a:p>
             <a:fld id="{A666320E-2E51-46CD-B000-0C5C59C25FAA}" type="datetimeFigureOut">
               <a:rPr lang="en-GB" smtClean="0"/>
-              <a:t>12/12/2025</a:t>
+              <a:t>13/12/2025</a:t>
             </a:fld>
             <a:endParaRPr lang="en-GB"/>
           </a:p>
@@ -3991,7 +3571,7 @@
           <a:p>
             <a:fld id="{A666320E-2E51-46CD-B000-0C5C59C25FAA}" type="datetimeFigureOut">
               <a:rPr lang="en-GB" smtClean="0"/>
-              <a:t>12/12/2025</a:t>
+              <a:t>13/12/2025</a:t>
             </a:fld>
             <a:endParaRPr lang="en-GB"/>
           </a:p>
@@ -4133,7 +3713,7 @@
           <a:p>
             <a:fld id="{A666320E-2E51-46CD-B000-0C5C59C25FAA}" type="datetimeFigureOut">
               <a:rPr lang="en-GB" smtClean="0"/>
-              <a:t>12/12/2025</a:t>
+              <a:t>13/12/2025</a:t>
             </a:fld>
             <a:endParaRPr lang="en-GB"/>
           </a:p>
@@ -4355,7 +3935,7 @@
           <a:p>
             <a:fld id="{C97EC4C6-B233-4DED-BE25-D2749E462968}" type="datetimeFigureOut">
               <a:rPr lang="en-GB" smtClean="0"/>
-              <a:t>12/12/2025</a:t>
+              <a:t>13/12/2025</a:t>
             </a:fld>
             <a:endParaRPr lang="en-GB"/>
           </a:p>
@@ -4468,7 +4048,7 @@
           <a:p>
             <a:fld id="{A666320E-2E51-46CD-B000-0C5C59C25FAA}" type="datetimeFigureOut">
               <a:rPr lang="en-GB" smtClean="0"/>
-              <a:t>12/12/2025</a:t>
+              <a:t>13/12/2025</a:t>
             </a:fld>
             <a:endParaRPr lang="en-GB"/>
           </a:p>
@@ -4781,7 +4361,7 @@
           <a:p>
             <a:fld id="{A666320E-2E51-46CD-B000-0C5C59C25FAA}" type="datetimeFigureOut">
               <a:rPr lang="en-GB" smtClean="0"/>
-              <a:t>12/12/2025</a:t>
+              <a:t>13/12/2025</a:t>
             </a:fld>
             <a:endParaRPr lang="en-GB"/>
           </a:p>
@@ -5070,7 +4650,7 @@
           <a:p>
             <a:fld id="{A666320E-2E51-46CD-B000-0C5C59C25FAA}" type="datetimeFigureOut">
               <a:rPr lang="en-GB" smtClean="0"/>
-              <a:t>12/12/2025</a:t>
+              <a:t>13/12/2025</a:t>
             </a:fld>
             <a:endParaRPr lang="en-GB"/>
           </a:p>
@@ -5270,7 +4850,7 @@
           <a:p>
             <a:fld id="{A666320E-2E51-46CD-B000-0C5C59C25FAA}" type="datetimeFigureOut">
               <a:rPr lang="en-GB" smtClean="0"/>
-              <a:t>12/12/2025</a:t>
+              <a:t>13/12/2025</a:t>
             </a:fld>
             <a:endParaRPr lang="en-GB"/>
           </a:p>
@@ -5480,7 +5060,7 @@
           <a:p>
             <a:fld id="{A666320E-2E51-46CD-B000-0C5C59C25FAA}" type="datetimeFigureOut">
               <a:rPr lang="en-GB" smtClean="0"/>
-              <a:t>12/12/2025</a:t>
+              <a:t>13/12/2025</a:t>
             </a:fld>
             <a:endParaRPr lang="en-GB"/>
           </a:p>
@@ -6864,7 +6444,7 @@
           <a:p>
             <a:fld id="{C97EC4C6-B233-4DED-BE25-D2749E462968}" type="datetimeFigureOut">
               <a:rPr lang="en-GB" smtClean="0"/>
-              <a:t>12/12/2025</a:t>
+              <a:t>13/12/2025</a:t>
             </a:fld>
             <a:endParaRPr lang="en-GB"/>
           </a:p>
@@ -7140,7 +6720,7 @@
           <a:p>
             <a:fld id="{C97EC4C6-B233-4DED-BE25-D2749E462968}" type="datetimeFigureOut">
               <a:rPr lang="en-GB" smtClean="0"/>
-              <a:t>12/12/2025</a:t>
+              <a:t>13/12/2025</a:t>
             </a:fld>
             <a:endParaRPr lang="en-GB"/>
           </a:p>
@@ -7408,7 +6988,7 @@
           <a:p>
             <a:fld id="{C97EC4C6-B233-4DED-BE25-D2749E462968}" type="datetimeFigureOut">
               <a:rPr lang="en-GB" smtClean="0"/>
-              <a:t>12/12/2025</a:t>
+              <a:t>13/12/2025</a:t>
             </a:fld>
             <a:endParaRPr lang="en-GB"/>
           </a:p>
@@ -7823,7 +7403,7 @@
           <a:p>
             <a:fld id="{C97EC4C6-B233-4DED-BE25-D2749E462968}" type="datetimeFigureOut">
               <a:rPr lang="en-GB" smtClean="0"/>
-              <a:t>12/12/2025</a:t>
+              <a:t>13/12/2025</a:t>
             </a:fld>
             <a:endParaRPr lang="en-GB"/>
           </a:p>
@@ -7965,7 +7545,7 @@
           <a:p>
             <a:fld id="{C97EC4C6-B233-4DED-BE25-D2749E462968}" type="datetimeFigureOut">
               <a:rPr lang="en-GB" smtClean="0"/>
-              <a:t>12/12/2025</a:t>
+              <a:t>13/12/2025</a:t>
             </a:fld>
             <a:endParaRPr lang="en-GB"/>
           </a:p>
@@ -8078,7 +7658,7 @@
           <a:p>
             <a:fld id="{C97EC4C6-B233-4DED-BE25-D2749E462968}" type="datetimeFigureOut">
               <a:rPr lang="en-GB" smtClean="0"/>
-              <a:t>12/12/2025</a:t>
+              <a:t>13/12/2025</a:t>
             </a:fld>
             <a:endParaRPr lang="en-GB"/>
           </a:p>
@@ -8391,7 +7971,7 @@
           <a:p>
             <a:fld id="{C97EC4C6-B233-4DED-BE25-D2749E462968}" type="datetimeFigureOut">
               <a:rPr lang="en-GB" smtClean="0"/>
-              <a:t>12/12/2025</a:t>
+              <a:t>13/12/2025</a:t>
             </a:fld>
             <a:endParaRPr lang="en-GB"/>
           </a:p>
@@ -9481,7 +9061,7 @@
           <a:p>
             <a:fld id="{C97EC4C6-B233-4DED-BE25-D2749E462968}" type="datetimeFigureOut">
               <a:rPr lang="en-GB" smtClean="0"/>
-              <a:t>12/12/2025</a:t>
+              <a:t>13/12/2025</a:t>
             </a:fld>
             <a:endParaRPr lang="en-GB"/>
           </a:p>
@@ -10920,7 +10500,7 @@
           <a:p>
             <a:fld id="{A666320E-2E51-46CD-B000-0C5C59C25FAA}" type="datetimeFigureOut">
               <a:rPr lang="en-GB" smtClean="0"/>
-              <a:t>12/12/2025</a:t>
+              <a:t>13/12/2025</a:t>
             </a:fld>
             <a:endParaRPr lang="en-GB"/>
           </a:p>
@@ -14793,8 +14373,8 @@
         </p:nvSpPr>
         <p:spPr bwMode="auto">
           <a:xfrm>
-            <a:off x="360000" y="14195826"/>
-            <a:ext cx="10080000" cy="14167286"/>
+            <a:off x="359999" y="13680014"/>
+            <a:ext cx="10191187" cy="14696698"/>
           </a:xfrm>
           <a:prstGeom prst="roundRect">
             <a:avLst/>
@@ -14863,10 +14443,10 @@
       </p:sp>
       <p:sp>
         <p:nvSpPr>
-          <p:cNvPr id="2073" name="Rectangle: Rounded Corners 2072">
+          <p:cNvPr id="12" name="Rectangle: Rounded Corners 11">
             <a:extLst>
               <a:ext uri="{FF2B5EF4-FFF2-40B4-BE49-F238E27FC236}">
-                <a16:creationId xmlns:a16="http://schemas.microsoft.com/office/drawing/2014/main" id="{516F6D98-168B-8D45-FAF1-031061D99010}"/>
+                <a16:creationId xmlns:a16="http://schemas.microsoft.com/office/drawing/2014/main" id="{504AADB6-2F1A-0737-C6F0-F0FD64F1AD1C}"/>
               </a:ext>
             </a:extLst>
           </p:cNvPr>
@@ -14875,8 +14455,328 @@
         </p:nvSpPr>
         <p:spPr bwMode="auto">
           <a:xfrm>
-            <a:off x="10799999" y="5900540"/>
-            <a:ext cx="10080000" cy="3437232"/>
+            <a:off x="610538" y="28856309"/>
+            <a:ext cx="20516266" cy="1331548"/>
+          </a:xfrm>
+          <a:prstGeom prst="roundRect">
+            <a:avLst/>
+          </a:prstGeom>
+          <a:solidFill>
+            <a:schemeClr val="bg2"/>
+          </a:solidFill>
+          <a:ln w="38100" cap="flat" cmpd="sng" algn="ctr">
+            <a:solidFill>
+              <a:srgbClr val="106DB6"/>
+            </a:solidFill>
+            <a:prstDash val="solid"/>
+            <a:round/>
+            <a:headEnd type="none" w="med" len="med"/>
+            <a:tailEnd type="none" w="med" len="med"/>
+          </a:ln>
+          <a:effectLst/>
+        </p:spPr>
+        <p:txBody>
+          <a:bodyPr vert="horz" wrap="none" lIns="91440" tIns="45720" rIns="91440" bIns="45720" numCol="1" rtlCol="0" anchor="ctr" anchorCtr="0" compatLnSpc="1">
+            <a:prstTxWarp prst="textNoShape">
+              <a:avLst/>
+            </a:prstTxWarp>
+          </a:bodyPr>
+          <a:lstStyle/>
+          <a:p>
+            <a:pPr marL="0" marR="0" indent="0" algn="l" defTabSz="2952750" rtl="0" eaLnBrk="1" fontAlgn="base" latinLnBrk="0" hangingPunct="1">
+              <a:lnSpc>
+                <a:spcPct val="100000"/>
+              </a:lnSpc>
+              <a:spcBef>
+                <a:spcPct val="0"/>
+              </a:spcBef>
+              <a:spcAft>
+                <a:spcPct val="0"/>
+              </a:spcAft>
+              <a:buClrTx/>
+              <a:buSzTx/>
+              <a:buFontTx/>
+              <a:buNone/>
+              <a:tabLst/>
+            </a:pPr>
+            <a:endParaRPr kumimoji="0" lang="en-GB" sz="1300" b="0" i="0" u="none" strike="noStrike" cap="none" normalizeH="0" baseline="0" dirty="0">
+              <a:ln>
+                <a:noFill/>
+              </a:ln>
+              <a:solidFill>
+                <a:schemeClr val="tx1"/>
+              </a:solidFill>
+              <a:effectLst/>
+              <a:latin typeface="Rdg Vesta" pitchFamily="2" charset="0"/>
+            </a:endParaRPr>
+          </a:p>
+        </p:txBody>
+      </p:sp>
+      <p:cxnSp>
+        <p:nvCxnSpPr>
+          <p:cNvPr id="5" name="Straight Arrow Connector 4">
+            <a:extLst>
+              <a:ext uri="{FF2B5EF4-FFF2-40B4-BE49-F238E27FC236}">
+                <a16:creationId xmlns:a16="http://schemas.microsoft.com/office/drawing/2014/main" id="{1A07E93A-1285-4DD3-5D6B-07602098D5B6}"/>
+              </a:ext>
+            </a:extLst>
+          </p:cNvPr>
+          <p:cNvCxnSpPr>
+            <a:cxnSpLocks/>
+          </p:cNvCxnSpPr>
+          <p:nvPr/>
+        </p:nvCxnSpPr>
+        <p:spPr bwMode="auto">
+          <a:xfrm>
+            <a:off x="10379868" y="14309850"/>
+            <a:ext cx="924486" cy="948570"/>
+          </a:xfrm>
+          <a:prstGeom prst="straightConnector1">
+            <a:avLst/>
+          </a:prstGeom>
+          <a:solidFill>
+            <a:schemeClr val="tx2"/>
+          </a:solidFill>
+          <a:ln w="9525" cap="flat" cmpd="sng" algn="ctr">
+            <a:noFill/>
+            <a:prstDash val="solid"/>
+            <a:round/>
+            <a:headEnd type="none" w="med" len="med"/>
+            <a:tailEnd type="none" w="med" len="med"/>
+          </a:ln>
+          <a:effectLst/>
+        </p:spPr>
+      </p:cxnSp>
+      <p:sp>
+        <p:nvSpPr>
+          <p:cNvPr id="42" name="Rectangle: Rounded Corners 41">
+            <a:extLst>
+              <a:ext uri="{FF2B5EF4-FFF2-40B4-BE49-F238E27FC236}">
+                <a16:creationId xmlns:a16="http://schemas.microsoft.com/office/drawing/2014/main" id="{103C6546-5511-437B-6D77-31B9EDCA6E07}"/>
+              </a:ext>
+            </a:extLst>
+          </p:cNvPr>
+          <p:cNvSpPr/>
+          <p:nvPr/>
+        </p:nvSpPr>
+        <p:spPr bwMode="auto">
+          <a:xfrm>
+            <a:off x="1693665" y="13290696"/>
+            <a:ext cx="7448924" cy="866038"/>
+          </a:xfrm>
+          <a:prstGeom prst="roundRect">
+            <a:avLst/>
+          </a:prstGeom>
+          <a:solidFill>
+            <a:schemeClr val="tx2">
+              <a:lumMod val="75000"/>
+            </a:schemeClr>
+          </a:solidFill>
+          <a:ln>
+            <a:headEnd type="none" w="med" len="med"/>
+            <a:tailEnd type="none" w="med" len="med"/>
+          </a:ln>
+        </p:spPr>
+        <p:style>
+          <a:lnRef idx="0">
+            <a:schemeClr val="accent1"/>
+          </a:lnRef>
+          <a:fillRef idx="3">
+            <a:schemeClr val="accent1"/>
+          </a:fillRef>
+          <a:effectRef idx="3">
+            <a:schemeClr val="accent1"/>
+          </a:effectRef>
+          <a:fontRef idx="minor">
+            <a:schemeClr val="lt1"/>
+          </a:fontRef>
+        </p:style>
+        <p:txBody>
+          <a:bodyPr vert="horz" wrap="none" lIns="91440" tIns="45720" rIns="91440" bIns="45720" numCol="1" rtlCol="0" anchor="ctr" anchorCtr="0" compatLnSpc="1">
+            <a:prstTxWarp prst="textNoShape">
+              <a:avLst/>
+            </a:prstTxWarp>
+          </a:bodyPr>
+          <a:lstStyle/>
+          <a:p>
+            <a:pPr algn="ctr" defTabSz="2952750"/>
+            <a:r>
+              <a:rPr lang="en-GB" sz="3500" b="1" kern="0" dirty="0">
+                <a:solidFill>
+                  <a:schemeClr val="bg1"/>
+                </a:solidFill>
+                <a:latin typeface="Arial"/>
+                <a:cs typeface="Arial"/>
+              </a:rPr>
+              <a:t>Hypersphere State Switching</a:t>
+            </a:r>
+            <a:endParaRPr kumimoji="0" lang="en-GB" sz="3500" b="0" i="0" u="none" strike="noStrike" cap="none" normalizeH="0" baseline="0" dirty="0">
+              <a:ln>
+                <a:noFill/>
+              </a:ln>
+              <a:solidFill>
+                <a:schemeClr val="bg1"/>
+              </a:solidFill>
+              <a:effectLst/>
+              <a:latin typeface="Rdg Vesta" pitchFamily="2" charset="0"/>
+            </a:endParaRPr>
+          </a:p>
+        </p:txBody>
+      </p:sp>
+      <p:sp>
+        <p:nvSpPr>
+          <p:cNvPr id="59" name="Rectangle: Rounded Corners 58">
+            <a:extLst>
+              <a:ext uri="{FF2B5EF4-FFF2-40B4-BE49-F238E27FC236}">
+                <a16:creationId xmlns:a16="http://schemas.microsoft.com/office/drawing/2014/main" id="{B60FE179-D34C-9A58-A198-263BE6258198}"/>
+              </a:ext>
+            </a:extLst>
+          </p:cNvPr>
+          <p:cNvSpPr/>
+          <p:nvPr/>
+        </p:nvSpPr>
+        <p:spPr bwMode="auto">
+          <a:xfrm>
+            <a:off x="1003515" y="28443950"/>
+            <a:ext cx="2764975" cy="803160"/>
+          </a:xfrm>
+          <a:prstGeom prst="roundRect">
+            <a:avLst/>
+          </a:prstGeom>
+          <a:solidFill>
+            <a:schemeClr val="tx2">
+              <a:lumMod val="75000"/>
+            </a:schemeClr>
+          </a:solidFill>
+          <a:ln>
+            <a:headEnd type="none" w="med" len="med"/>
+            <a:tailEnd type="none" w="med" len="med"/>
+          </a:ln>
+        </p:spPr>
+        <p:style>
+          <a:lnRef idx="0">
+            <a:schemeClr val="accent1"/>
+          </a:lnRef>
+          <a:fillRef idx="3">
+            <a:schemeClr val="accent1"/>
+          </a:fillRef>
+          <a:effectRef idx="3">
+            <a:schemeClr val="accent1"/>
+          </a:effectRef>
+          <a:fontRef idx="minor">
+            <a:schemeClr val="lt1"/>
+          </a:fontRef>
+        </p:style>
+        <p:txBody>
+          <a:bodyPr vert="horz" wrap="none" lIns="91440" tIns="45720" rIns="91440" bIns="45720" numCol="1" rtlCol="0" anchor="ctr" anchorCtr="0" compatLnSpc="1">
+            <a:prstTxWarp prst="textNoShape">
+              <a:avLst/>
+            </a:prstTxWarp>
+          </a:bodyPr>
+          <a:lstStyle/>
+          <a:p>
+            <a:pPr defTabSz="2952750"/>
+            <a:r>
+              <a:rPr lang="en-GB" sz="3500" b="1" kern="0" dirty="0">
+                <a:solidFill>
+                  <a:schemeClr val="bg1"/>
+                </a:solidFill>
+                <a:latin typeface="Arial"/>
+                <a:cs typeface="Arial"/>
+              </a:rPr>
+              <a:t> Conclusion</a:t>
+            </a:r>
+            <a:endParaRPr lang="en-GB" sz="3500" b="1" i="0" u="none" strike="noStrike" kern="0" cap="none" normalizeH="0" baseline="0" dirty="0">
+              <a:ln>
+                <a:noFill/>
+              </a:ln>
+              <a:solidFill>
+                <a:schemeClr val="bg1"/>
+              </a:solidFill>
+              <a:effectLst/>
+              <a:latin typeface="Arial"/>
+              <a:cs typeface="Arial"/>
+            </a:endParaRPr>
+          </a:p>
+        </p:txBody>
+      </p:sp>
+      <p:sp>
+        <p:nvSpPr>
+          <p:cNvPr id="45" name="TextBox 44">
+            <a:extLst>
+              <a:ext uri="{FF2B5EF4-FFF2-40B4-BE49-F238E27FC236}">
+                <a16:creationId xmlns:a16="http://schemas.microsoft.com/office/drawing/2014/main" id="{6C519DA5-2590-3B93-4FA9-9C1CD043585F}"/>
+              </a:ext>
+            </a:extLst>
+          </p:cNvPr>
+          <p:cNvSpPr txBox="1"/>
+          <p:nvPr/>
+        </p:nvSpPr>
+        <p:spPr bwMode="auto">
+          <a:xfrm>
+            <a:off x="14400" y="3837520"/>
+            <a:ext cx="21366000" cy="1493176"/>
+          </a:xfrm>
+          <a:prstGeom prst="rect">
+            <a:avLst/>
+          </a:prstGeom>
+          <a:solidFill>
+            <a:schemeClr val="bg1"/>
+          </a:solidFill>
+          <a:ln w="9525">
+            <a:noFill/>
+            <a:miter lim="800000"/>
+            <a:headEnd/>
+            <a:tailEnd/>
+          </a:ln>
+          <a:effectLst/>
+        </p:spPr>
+        <p:txBody>
+          <a:bodyPr wrap="square" lIns="0" tIns="0" rIns="0" bIns="0" rtlCol="0">
+            <a:spAutoFit/>
+          </a:bodyPr>
+          <a:lstStyle/>
+          <a:p>
+            <a:pPr marL="455613" indent="-455613" algn="l" defTabSz="2952750" eaLnBrk="0" hangingPunct="0">
+              <a:lnSpc>
+                <a:spcPct val="105000"/>
+              </a:lnSpc>
+              <a:spcBef>
+                <a:spcPts val="4400"/>
+              </a:spcBef>
+              <a:spcAft>
+                <a:spcPts val="0"/>
+              </a:spcAft>
+              <a:buClr>
+                <a:schemeClr val="tx2"/>
+              </a:buClr>
+            </a:pPr>
+            <a:endParaRPr lang="en-GB" sz="4100" b="1" kern="0" dirty="0">
+              <a:solidFill>
+                <a:schemeClr val="bg1"/>
+              </a:solidFill>
+              <a:latin typeface="Arial" panose="020B0604020202020204" pitchFamily="34" charset="0"/>
+              <a:cs typeface="Arial" panose="020B0604020202020204" pitchFamily="34" charset="0"/>
+            </a:endParaRPr>
+          </a:p>
+        </p:txBody>
+      </p:sp>
+      <p:sp>
+        <p:nvSpPr>
+          <p:cNvPr id="61" name="Rectangle: Rounded Corners 60">
+            <a:extLst>
+              <a:ext uri="{FF2B5EF4-FFF2-40B4-BE49-F238E27FC236}">
+                <a16:creationId xmlns:a16="http://schemas.microsoft.com/office/drawing/2014/main" id="{16257A3F-7950-7045-5951-16E369B9E6B9}"/>
+              </a:ext>
+            </a:extLst>
+          </p:cNvPr>
+          <p:cNvSpPr/>
+          <p:nvPr/>
+        </p:nvSpPr>
+        <p:spPr bwMode="auto">
+          <a:xfrm>
+            <a:off x="10800000" y="13596725"/>
+            <a:ext cx="10080000" cy="14729343"/>
           </a:xfrm>
           <a:prstGeom prst="roundRect">
             <a:avLst/>
@@ -14945,10 +14845,10 @@
       </p:sp>
       <p:sp>
         <p:nvSpPr>
-          <p:cNvPr id="2071" name="Rectangle: Rounded Corners 2070">
+          <p:cNvPr id="2072" name="Rectangle: Rounded Corners 2071">
             <a:extLst>
               <a:ext uri="{FF2B5EF4-FFF2-40B4-BE49-F238E27FC236}">
-                <a16:creationId xmlns:a16="http://schemas.microsoft.com/office/drawing/2014/main" id="{25B2263C-15BF-D7F5-4072-BC439515AA37}"/>
+                <a16:creationId xmlns:a16="http://schemas.microsoft.com/office/drawing/2014/main" id="{94530128-6ECF-7BA3-E246-EBDA6C132B07}"/>
               </a:ext>
             </a:extLst>
           </p:cNvPr>
@@ -14957,243 +14857,8 @@
         </p:nvSpPr>
         <p:spPr bwMode="auto">
           <a:xfrm>
-            <a:off x="542144" y="6083769"/>
-            <a:ext cx="9619686" cy="2980294"/>
-          </a:xfrm>
-          <a:prstGeom prst="roundRect">
-            <a:avLst/>
-          </a:prstGeom>
-          <a:solidFill>
-            <a:schemeClr val="accent1">
-              <a:lumMod val="20000"/>
-              <a:lumOff val="80000"/>
-            </a:schemeClr>
-          </a:solidFill>
-          <a:ln>
-            <a:headEnd type="none" w="med" len="med"/>
-            <a:tailEnd type="none" w="med" len="med"/>
-          </a:ln>
-        </p:spPr>
-        <p:style>
-          <a:lnRef idx="1">
-            <a:schemeClr val="accent2"/>
-          </a:lnRef>
-          <a:fillRef idx="2">
-            <a:schemeClr val="accent2"/>
-          </a:fillRef>
-          <a:effectRef idx="1">
-            <a:schemeClr val="accent2"/>
-          </a:effectRef>
-          <a:fontRef idx="minor">
-            <a:schemeClr val="dk1"/>
-          </a:fontRef>
-        </p:style>
-        <p:txBody>
-          <a:bodyPr vert="horz" wrap="none" lIns="91440" tIns="45720" rIns="91440" bIns="45720" numCol="1" rtlCol="0" anchor="ctr" anchorCtr="0" compatLnSpc="1">
-            <a:prstTxWarp prst="textNoShape">
-              <a:avLst/>
-            </a:prstTxWarp>
-          </a:bodyPr>
-          <a:lstStyle/>
-          <a:p>
-            <a:pPr marL="0" marR="0" indent="0" algn="l" defTabSz="2952750" rtl="0" eaLnBrk="1" fontAlgn="base" latinLnBrk="0" hangingPunct="1">
-              <a:lnSpc>
-                <a:spcPct val="100000"/>
-              </a:lnSpc>
-              <a:spcBef>
-                <a:spcPct val="0"/>
-              </a:spcBef>
-              <a:spcAft>
-                <a:spcPct val="0"/>
-              </a:spcAft>
-              <a:buClrTx/>
-              <a:buSzTx/>
-              <a:buFontTx/>
-              <a:buNone/>
-              <a:tabLst/>
-            </a:pPr>
-            <a:endParaRPr kumimoji="0" lang="en-GB" sz="1300" b="0" i="0" u="none" strike="noStrike" cap="none" normalizeH="0" baseline="0">
-              <a:ln>
-                <a:noFill/>
-              </a:ln>
-              <a:solidFill>
-                <a:schemeClr val="tx1"/>
-              </a:solidFill>
-              <a:effectLst/>
-              <a:latin typeface="Rdg Vesta" pitchFamily="2" charset="0"/>
-            </a:endParaRPr>
-          </a:p>
-        </p:txBody>
-      </p:sp>
-      <p:sp>
-        <p:nvSpPr>
-          <p:cNvPr id="12" name="Rectangle: Rounded Corners 11">
-            <a:extLst>
-              <a:ext uri="{FF2B5EF4-FFF2-40B4-BE49-F238E27FC236}">
-                <a16:creationId xmlns:a16="http://schemas.microsoft.com/office/drawing/2014/main" id="{504AADB6-2F1A-0737-C6F0-F0FD64F1AD1C}"/>
-              </a:ext>
-            </a:extLst>
-          </p:cNvPr>
-          <p:cNvSpPr/>
-          <p:nvPr/>
-        </p:nvSpPr>
-        <p:spPr bwMode="auto">
-          <a:xfrm>
-            <a:off x="610538" y="28856309"/>
-            <a:ext cx="20516266" cy="1331548"/>
-          </a:xfrm>
-          <a:prstGeom prst="roundRect">
-            <a:avLst/>
-          </a:prstGeom>
-          <a:solidFill>
-            <a:schemeClr val="bg2"/>
-          </a:solidFill>
-          <a:ln w="38100" cap="flat" cmpd="sng" algn="ctr">
-            <a:solidFill>
-              <a:srgbClr val="106DB6"/>
-            </a:solidFill>
-            <a:prstDash val="solid"/>
-            <a:round/>
-            <a:headEnd type="none" w="med" len="med"/>
-            <a:tailEnd type="none" w="med" len="med"/>
-          </a:ln>
-          <a:effectLst/>
-        </p:spPr>
-        <p:txBody>
-          <a:bodyPr vert="horz" wrap="none" lIns="91440" tIns="45720" rIns="91440" bIns="45720" numCol="1" rtlCol="0" anchor="ctr" anchorCtr="0" compatLnSpc="1">
-            <a:prstTxWarp prst="textNoShape">
-              <a:avLst/>
-            </a:prstTxWarp>
-          </a:bodyPr>
-          <a:lstStyle/>
-          <a:p>
-            <a:pPr marL="0" marR="0" indent="0" algn="l" defTabSz="2952750" rtl="0" eaLnBrk="1" fontAlgn="base" latinLnBrk="0" hangingPunct="1">
-              <a:lnSpc>
-                <a:spcPct val="100000"/>
-              </a:lnSpc>
-              <a:spcBef>
-                <a:spcPct val="0"/>
-              </a:spcBef>
-              <a:spcAft>
-                <a:spcPct val="0"/>
-              </a:spcAft>
-              <a:buClrTx/>
-              <a:buSzTx/>
-              <a:buFontTx/>
-              <a:buNone/>
-              <a:tabLst/>
-            </a:pPr>
-            <a:endParaRPr kumimoji="0" lang="en-GB" sz="1300" b="0" i="0" u="none" strike="noStrike" cap="none" normalizeH="0" baseline="0" dirty="0">
-              <a:ln>
-                <a:noFill/>
-              </a:ln>
-              <a:solidFill>
-                <a:schemeClr val="tx1"/>
-              </a:solidFill>
-              <a:effectLst/>
-              <a:latin typeface="Rdg Vesta" pitchFamily="2" charset="0"/>
-            </a:endParaRPr>
-          </a:p>
-        </p:txBody>
-      </p:sp>
-      <p:sp>
-        <p:nvSpPr>
-          <p:cNvPr id="8" name="Rectangle: Rounded Corners 7">
-            <a:extLst>
-              <a:ext uri="{FF2B5EF4-FFF2-40B4-BE49-F238E27FC236}">
-                <a16:creationId xmlns:a16="http://schemas.microsoft.com/office/drawing/2014/main" id="{852D986B-25EA-5CC7-082D-4BA66D6B293D}"/>
-              </a:ext>
-            </a:extLst>
-          </p:cNvPr>
-          <p:cNvSpPr/>
-          <p:nvPr/>
-        </p:nvSpPr>
-        <p:spPr bwMode="auto">
-          <a:xfrm>
-            <a:off x="432229" y="5900539"/>
-            <a:ext cx="9598478" cy="3030054"/>
-          </a:xfrm>
-          <a:prstGeom prst="roundRect">
-            <a:avLst/>
-          </a:prstGeom>
-          <a:solidFill>
-            <a:schemeClr val="bg1"/>
-          </a:solidFill>
-          <a:ln>
-            <a:solidFill>
-              <a:schemeClr val="bg1"/>
-            </a:solidFill>
-            <a:headEnd type="none" w="med" len="med"/>
-            <a:tailEnd type="none" w="med" len="med"/>
-          </a:ln>
-        </p:spPr>
-        <p:style>
-          <a:lnRef idx="0">
-            <a:schemeClr val="accent2"/>
-          </a:lnRef>
-          <a:fillRef idx="3">
-            <a:schemeClr val="accent2"/>
-          </a:fillRef>
-          <a:effectRef idx="3">
-            <a:schemeClr val="accent2"/>
-          </a:effectRef>
-          <a:fontRef idx="minor">
-            <a:schemeClr val="lt1"/>
-          </a:fontRef>
-        </p:style>
-        <p:txBody>
-          <a:bodyPr vert="horz" wrap="none" lIns="91440" tIns="45720" rIns="91440" bIns="45720" numCol="1" rtlCol="0" anchor="ctr" anchorCtr="0" compatLnSpc="1">
-            <a:prstTxWarp prst="textNoShape">
-              <a:avLst/>
-            </a:prstTxWarp>
-          </a:bodyPr>
-          <a:lstStyle/>
-          <a:p>
-            <a:pPr marL="0" marR="0" indent="0" algn="l" defTabSz="2952750" rtl="0" eaLnBrk="1" fontAlgn="base" latinLnBrk="0" hangingPunct="1">
-              <a:lnSpc>
-                <a:spcPct val="100000"/>
-              </a:lnSpc>
-              <a:spcBef>
-                <a:spcPct val="0"/>
-              </a:spcBef>
-              <a:spcAft>
-                <a:spcPct val="0"/>
-              </a:spcAft>
-              <a:buClrTx/>
-              <a:buSzTx/>
-              <a:buFontTx/>
-              <a:buNone/>
-              <a:tabLst/>
-            </a:pPr>
-            <a:endParaRPr kumimoji="0" lang="en-GB" sz="1300" b="0" i="0" u="none" strike="noStrike" cap="none" normalizeH="0" baseline="0">
-              <a:ln>
-                <a:noFill/>
-              </a:ln>
-              <a:solidFill>
-                <a:schemeClr val="tx1"/>
-              </a:solidFill>
-              <a:effectLst/>
-              <a:latin typeface="Rdg Vesta" pitchFamily="2" charset="0"/>
-            </a:endParaRPr>
-          </a:p>
-        </p:txBody>
-      </p:sp>
-      <p:sp>
-        <p:nvSpPr>
-          <p:cNvPr id="11" name="Rectangle: Rounded Corners 10">
-            <a:extLst>
-              <a:ext uri="{FF2B5EF4-FFF2-40B4-BE49-F238E27FC236}">
-                <a16:creationId xmlns:a16="http://schemas.microsoft.com/office/drawing/2014/main" id="{B9B3C23A-9D39-DEB5-CD2D-6045FDB68768}"/>
-              </a:ext>
-            </a:extLst>
-          </p:cNvPr>
-          <p:cNvSpPr/>
-          <p:nvPr/>
-        </p:nvSpPr>
-        <p:spPr bwMode="auto">
-          <a:xfrm>
-            <a:off x="3598451" y="5367666"/>
-            <a:ext cx="3408006" cy="713870"/>
+            <a:off x="12304563" y="13329938"/>
+            <a:ext cx="7080584" cy="815786"/>
           </a:xfrm>
           <a:prstGeom prst="roundRect">
             <a:avLst/>
@@ -15230,1244 +14895,6 @@
           </a:bodyPr>
           <a:lstStyle/>
           <a:p>
-            <a:pPr marL="0" marR="0" indent="0" algn="l" defTabSz="2952750" rtl="0" eaLnBrk="1" fontAlgn="base" latinLnBrk="0" hangingPunct="1">
-              <a:lnSpc>
-                <a:spcPct val="100000"/>
-              </a:lnSpc>
-              <a:spcBef>
-                <a:spcPct val="0"/>
-              </a:spcBef>
-              <a:spcAft>
-                <a:spcPct val="0"/>
-              </a:spcAft>
-              <a:buClrTx/>
-              <a:buSzTx/>
-              <a:buFontTx/>
-              <a:buNone/>
-              <a:tabLst/>
-            </a:pPr>
-            <a:r>
-              <a:rPr lang="en-GB" sz="3500" b="1" kern="0" dirty="0">
-                <a:solidFill>
-                  <a:srgbClr val="FF0000"/>
-                </a:solidFill>
-                <a:latin typeface="Arial"/>
-                <a:cs typeface="Arial"/>
-              </a:rPr>
-              <a:t>  </a:t>
-            </a:r>
-            <a:r>
-              <a:rPr lang="en-GB" sz="3500" b="1" kern="0" dirty="0">
-                <a:solidFill>
-                  <a:schemeClr val="bg1"/>
-                </a:solidFill>
-                <a:latin typeface="Arial"/>
-                <a:cs typeface="Arial"/>
-              </a:rPr>
-              <a:t>Introduction</a:t>
-            </a:r>
-            <a:endParaRPr kumimoji="0" lang="en-GB" sz="3500" b="0" i="0" u="none" strike="noStrike" cap="none" normalizeH="0" baseline="0" dirty="0">
-              <a:ln>
-                <a:noFill/>
-              </a:ln>
-              <a:solidFill>
-                <a:schemeClr val="bg1"/>
-              </a:solidFill>
-              <a:effectLst/>
-              <a:latin typeface="Arial"/>
-              <a:cs typeface="Arial"/>
-            </a:endParaRPr>
-          </a:p>
-        </p:txBody>
-      </p:sp>
-      <p:cxnSp>
-        <p:nvCxnSpPr>
-          <p:cNvPr id="5" name="Straight Arrow Connector 4">
-            <a:extLst>
-              <a:ext uri="{FF2B5EF4-FFF2-40B4-BE49-F238E27FC236}">
-                <a16:creationId xmlns:a16="http://schemas.microsoft.com/office/drawing/2014/main" id="{1A07E93A-1285-4DD3-5D6B-07602098D5B6}"/>
-              </a:ext>
-            </a:extLst>
-          </p:cNvPr>
-          <p:cNvCxnSpPr/>
-          <p:nvPr/>
-        </p:nvCxnSpPr>
-        <p:spPr bwMode="auto">
-          <a:xfrm>
-            <a:off x="10379868" y="14825662"/>
-            <a:ext cx="914400" cy="914400"/>
-          </a:xfrm>
-          <a:prstGeom prst="straightConnector1">
-            <a:avLst/>
-          </a:prstGeom>
-          <a:solidFill>
-            <a:schemeClr val="tx2"/>
-          </a:solidFill>
-          <a:ln w="9525" cap="flat" cmpd="sng" algn="ctr">
-            <a:noFill/>
-            <a:prstDash val="solid"/>
-            <a:round/>
-            <a:headEnd type="none" w="med" len="med"/>
-            <a:tailEnd type="none" w="med" len="med"/>
-          </a:ln>
-          <a:effectLst/>
-        </p:spPr>
-      </p:cxnSp>
-      <p:sp>
-        <p:nvSpPr>
-          <p:cNvPr id="42" name="Rectangle: Rounded Corners 41">
-            <a:extLst>
-              <a:ext uri="{FF2B5EF4-FFF2-40B4-BE49-F238E27FC236}">
-                <a16:creationId xmlns:a16="http://schemas.microsoft.com/office/drawing/2014/main" id="{103C6546-5511-437B-6D77-31B9EDCA6E07}"/>
-              </a:ext>
-            </a:extLst>
-          </p:cNvPr>
-          <p:cNvSpPr/>
-          <p:nvPr/>
-        </p:nvSpPr>
-        <p:spPr bwMode="auto">
-          <a:xfrm>
-            <a:off x="1668159" y="13921245"/>
-            <a:ext cx="7367655" cy="834841"/>
-          </a:xfrm>
-          <a:prstGeom prst="roundRect">
-            <a:avLst/>
-          </a:prstGeom>
-          <a:solidFill>
-            <a:schemeClr val="tx2">
-              <a:lumMod val="75000"/>
-            </a:schemeClr>
-          </a:solidFill>
-          <a:ln>
-            <a:headEnd type="none" w="med" len="med"/>
-            <a:tailEnd type="none" w="med" len="med"/>
-          </a:ln>
-        </p:spPr>
-        <p:style>
-          <a:lnRef idx="0">
-            <a:schemeClr val="accent1"/>
-          </a:lnRef>
-          <a:fillRef idx="3">
-            <a:schemeClr val="accent1"/>
-          </a:fillRef>
-          <a:effectRef idx="3">
-            <a:schemeClr val="accent1"/>
-          </a:effectRef>
-          <a:fontRef idx="minor">
-            <a:schemeClr val="lt1"/>
-          </a:fontRef>
-        </p:style>
-        <p:txBody>
-          <a:bodyPr vert="horz" wrap="none" lIns="91440" tIns="45720" rIns="91440" bIns="45720" numCol="1" rtlCol="0" anchor="ctr" anchorCtr="0" compatLnSpc="1">
-            <a:prstTxWarp prst="textNoShape">
-              <a:avLst/>
-            </a:prstTxWarp>
-          </a:bodyPr>
-          <a:lstStyle/>
-          <a:p>
-            <a:pPr algn="ctr" defTabSz="2952750"/>
-            <a:r>
-              <a:rPr lang="en-GB" sz="3500" b="1" kern="0" dirty="0">
-                <a:solidFill>
-                  <a:schemeClr val="bg1"/>
-                </a:solidFill>
-                <a:latin typeface="Arial"/>
-                <a:cs typeface="Arial"/>
-              </a:rPr>
-              <a:t>Hypersphere Position Switching</a:t>
-            </a:r>
-            <a:endParaRPr kumimoji="0" lang="en-GB" sz="3500" b="0" i="0" u="none" strike="noStrike" cap="none" normalizeH="0" baseline="0" dirty="0">
-              <a:ln>
-                <a:noFill/>
-              </a:ln>
-              <a:solidFill>
-                <a:schemeClr val="bg1"/>
-              </a:solidFill>
-              <a:effectLst/>
-              <a:latin typeface="Rdg Vesta" pitchFamily="2" charset="0"/>
-            </a:endParaRPr>
-          </a:p>
-        </p:txBody>
-      </p:sp>
-      <p:sp>
-        <p:nvSpPr>
-          <p:cNvPr id="59" name="Rectangle: Rounded Corners 58">
-            <a:extLst>
-              <a:ext uri="{FF2B5EF4-FFF2-40B4-BE49-F238E27FC236}">
-                <a16:creationId xmlns:a16="http://schemas.microsoft.com/office/drawing/2014/main" id="{B60FE179-D34C-9A58-A198-263BE6258198}"/>
-              </a:ext>
-            </a:extLst>
-          </p:cNvPr>
-          <p:cNvSpPr/>
-          <p:nvPr/>
-        </p:nvSpPr>
-        <p:spPr bwMode="auto">
-          <a:xfrm>
-            <a:off x="1003515" y="28443950"/>
-            <a:ext cx="2764975" cy="803160"/>
-          </a:xfrm>
-          <a:prstGeom prst="roundRect">
-            <a:avLst/>
-          </a:prstGeom>
-          <a:solidFill>
-            <a:schemeClr val="tx2">
-              <a:lumMod val="75000"/>
-            </a:schemeClr>
-          </a:solidFill>
-          <a:ln>
-            <a:headEnd type="none" w="med" len="med"/>
-            <a:tailEnd type="none" w="med" len="med"/>
-          </a:ln>
-        </p:spPr>
-        <p:style>
-          <a:lnRef idx="0">
-            <a:schemeClr val="accent1"/>
-          </a:lnRef>
-          <a:fillRef idx="3">
-            <a:schemeClr val="accent1"/>
-          </a:fillRef>
-          <a:effectRef idx="3">
-            <a:schemeClr val="accent1"/>
-          </a:effectRef>
-          <a:fontRef idx="minor">
-            <a:schemeClr val="lt1"/>
-          </a:fontRef>
-        </p:style>
-        <p:txBody>
-          <a:bodyPr vert="horz" wrap="none" lIns="91440" tIns="45720" rIns="91440" bIns="45720" numCol="1" rtlCol="0" anchor="ctr" anchorCtr="0" compatLnSpc="1">
-            <a:prstTxWarp prst="textNoShape">
-              <a:avLst/>
-            </a:prstTxWarp>
-          </a:bodyPr>
-          <a:lstStyle/>
-          <a:p>
-            <a:pPr defTabSz="2952750"/>
-            <a:r>
-              <a:rPr lang="en-GB" sz="3500" b="1" kern="0" dirty="0">
-                <a:solidFill>
-                  <a:schemeClr val="bg1"/>
-                </a:solidFill>
-                <a:latin typeface="Arial"/>
-                <a:cs typeface="Arial"/>
-              </a:rPr>
-              <a:t> Conclusion</a:t>
-            </a:r>
-            <a:endParaRPr lang="en-GB" sz="3500" b="1" i="0" u="none" strike="noStrike" kern="0" cap="none" normalizeH="0" baseline="0" dirty="0">
-              <a:ln>
-                <a:noFill/>
-              </a:ln>
-              <a:solidFill>
-                <a:schemeClr val="bg1"/>
-              </a:solidFill>
-              <a:effectLst/>
-              <a:latin typeface="Arial"/>
-              <a:cs typeface="Arial"/>
-            </a:endParaRPr>
-          </a:p>
-        </p:txBody>
-      </p:sp>
-      <mc:AlternateContent xmlns:mc="http://schemas.openxmlformats.org/markup-compatibility/2006" xmlns:p14="http://schemas.microsoft.com/office/powerpoint/2010/main">
-        <mc:Choice Requires="p14">
-          <p:contentPart p14:bwMode="auto" r:id="rId3">
-            <p14:nvContentPartPr>
-              <p14:cNvPr id="44" name="Ink 43">
-                <a:extLst>
-                  <a:ext uri="{FF2B5EF4-FFF2-40B4-BE49-F238E27FC236}">
-                    <a16:creationId xmlns:a16="http://schemas.microsoft.com/office/drawing/2014/main" id="{ECD6AC3D-326E-24D3-0357-25AB93F4ECF0}"/>
-                  </a:ext>
-                </a:extLst>
-              </p14:cNvPr>
-              <p14:cNvContentPartPr/>
-              <p14:nvPr/>
-            </p14:nvContentPartPr>
-            <p14:xfrm>
-              <a:off x="705014" y="14976814"/>
-              <a:ext cx="42120" cy="80640"/>
-            </p14:xfrm>
-          </p:contentPart>
-        </mc:Choice>
-        <mc:Fallback xmlns="">
-          <p:pic>
-            <p:nvPicPr>
-              <p:cNvPr id="44" name="Ink 43">
-                <a:extLst>
-                  <a:ext uri="{FF2B5EF4-FFF2-40B4-BE49-F238E27FC236}">
-                    <a16:creationId xmlns:a16="http://schemas.microsoft.com/office/drawing/2014/main" id="{ECD6AC3D-326E-24D3-0357-25AB93F4ECF0}"/>
-                  </a:ext>
-                </a:extLst>
-              </p:cNvPr>
-              <p:cNvPicPr/>
-              <p:nvPr/>
-            </p:nvPicPr>
-            <p:blipFill>
-              <a:blip r:embed="rId50"/>
-              <a:stretch>
-                <a:fillRect/>
-              </a:stretch>
-            </p:blipFill>
-            <p:spPr>
-              <a:xfrm>
-                <a:off x="698894" y="14970694"/>
-                <a:ext cx="54360" cy="92880"/>
-              </a:xfrm>
-              <a:prstGeom prst="rect">
-                <a:avLst/>
-              </a:prstGeom>
-            </p:spPr>
-          </p:pic>
-        </mc:Fallback>
-      </mc:AlternateContent>
-      <p:grpSp>
-        <p:nvGrpSpPr>
-          <p:cNvPr id="2083" name="Group 2082">
-            <a:extLst>
-              <a:ext uri="{FF2B5EF4-FFF2-40B4-BE49-F238E27FC236}">
-                <a16:creationId xmlns:a16="http://schemas.microsoft.com/office/drawing/2014/main" id="{CDB04C65-A876-F9DD-09B0-D7B3FA52DDC2}"/>
-              </a:ext>
-            </a:extLst>
-          </p:cNvPr>
-          <p:cNvGrpSpPr/>
-          <p:nvPr/>
-        </p:nvGrpSpPr>
-        <p:grpSpPr>
-          <a:xfrm>
-            <a:off x="660320" y="14934694"/>
-            <a:ext cx="134694" cy="95916"/>
-            <a:chOff x="660320" y="14934694"/>
-            <a:chExt cx="134694" cy="95916"/>
-          </a:xfrm>
-        </p:grpSpPr>
-        <mc:AlternateContent xmlns:mc="http://schemas.openxmlformats.org/markup-compatibility/2006" xmlns:p14="http://schemas.microsoft.com/office/powerpoint/2010/main">
-          <mc:Choice Requires="p14">
-            <p:contentPart p14:bwMode="auto" r:id="rId51">
-              <p14:nvContentPartPr>
-                <p14:cNvPr id="17" name="Ink 16">
-                  <a:extLst>
-                    <a:ext uri="{FF2B5EF4-FFF2-40B4-BE49-F238E27FC236}">
-                      <a16:creationId xmlns:a16="http://schemas.microsoft.com/office/drawing/2014/main" id="{7E97D149-CCCC-71A4-5FB3-BD06FBD4CBCE}"/>
-                    </a:ext>
-                  </a:extLst>
-                </p14:cNvPr>
-                <p14:cNvContentPartPr/>
-                <p14:nvPr/>
-              </p14:nvContentPartPr>
-              <p14:xfrm>
-                <a:off x="758654" y="14958814"/>
-                <a:ext cx="36360" cy="35640"/>
-              </p14:xfrm>
-            </p:contentPart>
-          </mc:Choice>
-          <mc:Fallback xmlns="">
-            <p:pic>
-              <p:nvPicPr>
-                <p:cNvPr id="17" name="Ink 16">
-                  <a:extLst>
-                    <a:ext uri="{FF2B5EF4-FFF2-40B4-BE49-F238E27FC236}">
-                      <a16:creationId xmlns:a16="http://schemas.microsoft.com/office/drawing/2014/main" id="{7E97D149-CCCC-71A4-5FB3-BD06FBD4CBCE}"/>
-                    </a:ext>
-                  </a:extLst>
-                </p:cNvPr>
-                <p:cNvPicPr/>
-                <p:nvPr/>
-              </p:nvPicPr>
-              <p:blipFill>
-                <a:blip r:embed="rId52"/>
-                <a:stretch>
-                  <a:fillRect/>
-                </a:stretch>
-              </p:blipFill>
-              <p:spPr>
-                <a:xfrm>
-                  <a:off x="752534" y="14952694"/>
-                  <a:ext cx="48600" cy="47880"/>
-                </a:xfrm>
-                <a:prstGeom prst="rect">
-                  <a:avLst/>
-                </a:prstGeom>
-              </p:spPr>
-            </p:pic>
-          </mc:Fallback>
-        </mc:AlternateContent>
-        <mc:AlternateContent xmlns:mc="http://schemas.openxmlformats.org/markup-compatibility/2006" xmlns:p14="http://schemas.microsoft.com/office/powerpoint/2010/main">
-          <mc:Choice Requires="p14">
-            <p:contentPart p14:bwMode="auto" r:id="rId53">
-              <p14:nvContentPartPr>
-                <p14:cNvPr id="18" name="Ink 17">
-                  <a:extLst>
-                    <a:ext uri="{FF2B5EF4-FFF2-40B4-BE49-F238E27FC236}">
-                      <a16:creationId xmlns:a16="http://schemas.microsoft.com/office/drawing/2014/main" id="{4286AD61-8776-9FE9-B6EE-92F59295355F}"/>
-                    </a:ext>
-                  </a:extLst>
-                </p14:cNvPr>
-                <p14:cNvContentPartPr/>
-                <p14:nvPr/>
-              </p14:nvContentPartPr>
-              <p14:xfrm>
-                <a:off x="716894" y="14958814"/>
-                <a:ext cx="54000" cy="71640"/>
-              </p14:xfrm>
-            </p:contentPart>
-          </mc:Choice>
-          <mc:Fallback xmlns="">
-            <p:pic>
-              <p:nvPicPr>
-                <p:cNvPr id="18" name="Ink 17">
-                  <a:extLst>
-                    <a:ext uri="{FF2B5EF4-FFF2-40B4-BE49-F238E27FC236}">
-                      <a16:creationId xmlns:a16="http://schemas.microsoft.com/office/drawing/2014/main" id="{4286AD61-8776-9FE9-B6EE-92F59295355F}"/>
-                    </a:ext>
-                  </a:extLst>
-                </p:cNvPr>
-                <p:cNvPicPr/>
-                <p:nvPr/>
-              </p:nvPicPr>
-              <p:blipFill>
-                <a:blip r:embed="rId54"/>
-                <a:stretch>
-                  <a:fillRect/>
-                </a:stretch>
-              </p:blipFill>
-              <p:spPr>
-                <a:xfrm>
-                  <a:off x="710774" y="14952694"/>
-                  <a:ext cx="66240" cy="83880"/>
-                </a:xfrm>
-                <a:prstGeom prst="rect">
-                  <a:avLst/>
-                </a:prstGeom>
-              </p:spPr>
-            </p:pic>
-          </mc:Fallback>
-        </mc:AlternateContent>
-        <mc:AlternateContent xmlns:mc="http://schemas.openxmlformats.org/markup-compatibility/2006" xmlns:p14="http://schemas.microsoft.com/office/powerpoint/2010/main">
-          <mc:Choice Requires="p14">
-            <p:contentPart p14:bwMode="auto" r:id="rId55">
-              <p14:nvContentPartPr>
-                <p14:cNvPr id="23" name="Ink 22">
-                  <a:extLst>
-                    <a:ext uri="{FF2B5EF4-FFF2-40B4-BE49-F238E27FC236}">
-                      <a16:creationId xmlns:a16="http://schemas.microsoft.com/office/drawing/2014/main" id="{0D799B86-CEE5-16B3-C7A6-93C714AEEB94}"/>
-                    </a:ext>
-                  </a:extLst>
-                </p14:cNvPr>
-                <p14:cNvContentPartPr/>
-                <p14:nvPr/>
-              </p14:nvContentPartPr>
-              <p14:xfrm>
-                <a:off x="692054" y="14934694"/>
-                <a:ext cx="60840" cy="63360"/>
-              </p14:xfrm>
-            </p:contentPart>
-          </mc:Choice>
-          <mc:Fallback xmlns="">
-            <p:pic>
-              <p:nvPicPr>
-                <p:cNvPr id="23" name="Ink 22">
-                  <a:extLst>
-                    <a:ext uri="{FF2B5EF4-FFF2-40B4-BE49-F238E27FC236}">
-                      <a16:creationId xmlns:a16="http://schemas.microsoft.com/office/drawing/2014/main" id="{0D799B86-CEE5-16B3-C7A6-93C714AEEB94}"/>
-                    </a:ext>
-                  </a:extLst>
-                </p:cNvPr>
-                <p:cNvPicPr/>
-                <p:nvPr/>
-              </p:nvPicPr>
-              <p:blipFill>
-                <a:blip r:embed="rId56"/>
-                <a:stretch>
-                  <a:fillRect/>
-                </a:stretch>
-              </p:blipFill>
-              <p:spPr>
-                <a:xfrm>
-                  <a:off x="685934" y="14928574"/>
-                  <a:ext cx="73080" cy="75600"/>
-                </a:xfrm>
-                <a:prstGeom prst="rect">
-                  <a:avLst/>
-                </a:prstGeom>
-              </p:spPr>
-            </p:pic>
-          </mc:Fallback>
-        </mc:AlternateContent>
-        <mc:AlternateContent xmlns:mc="http://schemas.openxmlformats.org/markup-compatibility/2006" xmlns:p14="http://schemas.microsoft.com/office/powerpoint/2010/main">
-          <mc:Choice Requires="p14">
-            <p:contentPart p14:bwMode="auto" r:id="rId57">
-              <p14:nvContentPartPr>
-                <p14:cNvPr id="25" name="Ink 24">
-                  <a:extLst>
-                    <a:ext uri="{FF2B5EF4-FFF2-40B4-BE49-F238E27FC236}">
-                      <a16:creationId xmlns:a16="http://schemas.microsoft.com/office/drawing/2014/main" id="{A365805B-BAF2-1893-8331-42BB4367B15E}"/>
-                    </a:ext>
-                  </a:extLst>
-                </p14:cNvPr>
-                <p14:cNvContentPartPr/>
-                <p14:nvPr/>
-              </p14:nvContentPartPr>
-              <p14:xfrm>
-                <a:off x="726614" y="14940814"/>
-                <a:ext cx="20520" cy="36360"/>
-              </p14:xfrm>
-            </p:contentPart>
-          </mc:Choice>
-          <mc:Fallback xmlns="">
-            <p:pic>
-              <p:nvPicPr>
-                <p:cNvPr id="25" name="Ink 24">
-                  <a:extLst>
-                    <a:ext uri="{FF2B5EF4-FFF2-40B4-BE49-F238E27FC236}">
-                      <a16:creationId xmlns:a16="http://schemas.microsoft.com/office/drawing/2014/main" id="{A365805B-BAF2-1893-8331-42BB4367B15E}"/>
-                    </a:ext>
-                  </a:extLst>
-                </p:cNvPr>
-                <p:cNvPicPr/>
-                <p:nvPr/>
-              </p:nvPicPr>
-              <p:blipFill>
-                <a:blip r:embed="rId58"/>
-                <a:stretch>
-                  <a:fillRect/>
-                </a:stretch>
-              </p:blipFill>
-              <p:spPr>
-                <a:xfrm>
-                  <a:off x="720494" y="14934694"/>
-                  <a:ext cx="32760" cy="48600"/>
-                </a:xfrm>
-                <a:prstGeom prst="rect">
-                  <a:avLst/>
-                </a:prstGeom>
-              </p:spPr>
-            </p:pic>
-          </mc:Fallback>
-        </mc:AlternateContent>
-        <mc:AlternateContent xmlns:mc="http://schemas.openxmlformats.org/markup-compatibility/2006" xmlns:p14="http://schemas.microsoft.com/office/powerpoint/2010/main">
-          <mc:Choice Requires="p14">
-            <p:contentPart p14:bwMode="auto" r:id="rId59">
-              <p14:nvContentPartPr>
-                <p14:cNvPr id="39" name="Ink 38">
-                  <a:extLst>
-                    <a:ext uri="{FF2B5EF4-FFF2-40B4-BE49-F238E27FC236}">
-                      <a16:creationId xmlns:a16="http://schemas.microsoft.com/office/drawing/2014/main" id="{C3C9A4FC-123F-1877-2E2E-2D62336AF80E}"/>
-                    </a:ext>
-                  </a:extLst>
-                </p14:cNvPr>
-                <p14:cNvContentPartPr/>
-                <p14:nvPr/>
-              </p14:nvContentPartPr>
-              <p14:xfrm>
-                <a:off x="705734" y="14958814"/>
-                <a:ext cx="65520" cy="360"/>
-              </p14:xfrm>
-            </p:contentPart>
-          </mc:Choice>
-          <mc:Fallback xmlns="">
-            <p:pic>
-              <p:nvPicPr>
-                <p:cNvPr id="39" name="Ink 38">
-                  <a:extLst>
-                    <a:ext uri="{FF2B5EF4-FFF2-40B4-BE49-F238E27FC236}">
-                      <a16:creationId xmlns:a16="http://schemas.microsoft.com/office/drawing/2014/main" id="{C3C9A4FC-123F-1877-2E2E-2D62336AF80E}"/>
-                    </a:ext>
-                  </a:extLst>
-                </p:cNvPr>
-                <p:cNvPicPr/>
-                <p:nvPr/>
-              </p:nvPicPr>
-              <p:blipFill>
-                <a:blip r:embed="rId60"/>
-                <a:stretch>
-                  <a:fillRect/>
-                </a:stretch>
-              </p:blipFill>
-              <p:spPr>
-                <a:xfrm>
-                  <a:off x="699614" y="14952694"/>
-                  <a:ext cx="77760" cy="12600"/>
-                </a:xfrm>
-                <a:prstGeom prst="rect">
-                  <a:avLst/>
-                </a:prstGeom>
-              </p:spPr>
-            </p:pic>
-          </mc:Fallback>
-        </mc:AlternateContent>
-        <mc:AlternateContent xmlns:mc="http://schemas.openxmlformats.org/markup-compatibility/2006" xmlns:p14="http://schemas.microsoft.com/office/powerpoint/2010/main">
-          <mc:Choice Requires="p14">
-            <p:contentPart p14:bwMode="auto" r:id="rId61">
-              <p14:nvContentPartPr>
-                <p14:cNvPr id="46" name="Ink 45">
-                  <a:extLst>
-                    <a:ext uri="{FF2B5EF4-FFF2-40B4-BE49-F238E27FC236}">
-                      <a16:creationId xmlns:a16="http://schemas.microsoft.com/office/drawing/2014/main" id="{FBEE000B-37B2-CAE1-82D0-4976F988CDFD}"/>
-                    </a:ext>
-                  </a:extLst>
-                </p14:cNvPr>
-                <p14:cNvContentPartPr/>
-                <p14:nvPr/>
-              </p14:nvContentPartPr>
-              <p14:xfrm>
-                <a:off x="690920" y="14953930"/>
-                <a:ext cx="26640" cy="49320"/>
-              </p14:xfrm>
-            </p:contentPart>
-          </mc:Choice>
-          <mc:Fallback xmlns="">
-            <p:pic>
-              <p:nvPicPr>
-                <p:cNvPr id="46" name="Ink 45">
-                  <a:extLst>
-                    <a:ext uri="{FF2B5EF4-FFF2-40B4-BE49-F238E27FC236}">
-                      <a16:creationId xmlns:a16="http://schemas.microsoft.com/office/drawing/2014/main" id="{FBEE000B-37B2-CAE1-82D0-4976F988CDFD}"/>
-                    </a:ext>
-                  </a:extLst>
-                </p:cNvPr>
-                <p:cNvPicPr/>
-                <p:nvPr/>
-              </p:nvPicPr>
-              <p:blipFill>
-                <a:blip r:embed="rId62"/>
-                <a:stretch>
-                  <a:fillRect/>
-                </a:stretch>
-              </p:blipFill>
-              <p:spPr>
-                <a:xfrm>
-                  <a:off x="684800" y="14947810"/>
-                  <a:ext cx="38880" cy="61560"/>
-                </a:xfrm>
-                <a:prstGeom prst="rect">
-                  <a:avLst/>
-                </a:prstGeom>
-              </p:spPr>
-            </p:pic>
-          </mc:Fallback>
-        </mc:AlternateContent>
-        <mc:AlternateContent xmlns:mc="http://schemas.openxmlformats.org/markup-compatibility/2006" xmlns:p14="http://schemas.microsoft.com/office/powerpoint/2010/main">
-          <mc:Choice Requires="p14">
-            <p:contentPart p14:bwMode="auto" r:id="rId63">
-              <p14:nvContentPartPr>
-                <p14:cNvPr id="51" name="Ink 50">
-                  <a:extLst>
-                    <a:ext uri="{FF2B5EF4-FFF2-40B4-BE49-F238E27FC236}">
-                      <a16:creationId xmlns:a16="http://schemas.microsoft.com/office/drawing/2014/main" id="{094CFFDC-3C2A-AB1C-E639-FB85809C0C24}"/>
-                    </a:ext>
-                  </a:extLst>
-                </p14:cNvPr>
-                <p14:cNvContentPartPr/>
-                <p14:nvPr/>
-              </p14:nvContentPartPr>
-              <p14:xfrm>
-                <a:off x="717200" y="14957170"/>
-                <a:ext cx="360" cy="60480"/>
-              </p14:xfrm>
-            </p:contentPart>
-          </mc:Choice>
-          <mc:Fallback xmlns="">
-            <p:pic>
-              <p:nvPicPr>
-                <p:cNvPr id="51" name="Ink 50">
-                  <a:extLst>
-                    <a:ext uri="{FF2B5EF4-FFF2-40B4-BE49-F238E27FC236}">
-                      <a16:creationId xmlns:a16="http://schemas.microsoft.com/office/drawing/2014/main" id="{094CFFDC-3C2A-AB1C-E639-FB85809C0C24}"/>
-                    </a:ext>
-                  </a:extLst>
-                </p:cNvPr>
-                <p:cNvPicPr/>
-                <p:nvPr/>
-              </p:nvPicPr>
-              <p:blipFill>
-                <a:blip r:embed="rId64"/>
-                <a:stretch>
-                  <a:fillRect/>
-                </a:stretch>
-              </p:blipFill>
-              <p:spPr>
-                <a:xfrm>
-                  <a:off x="711080" y="14951050"/>
-                  <a:ext cx="12600" cy="72720"/>
-                </a:xfrm>
-                <a:prstGeom prst="rect">
-                  <a:avLst/>
-                </a:prstGeom>
-              </p:spPr>
-            </p:pic>
-          </mc:Fallback>
-        </mc:AlternateContent>
-        <mc:AlternateContent xmlns:mc="http://schemas.openxmlformats.org/markup-compatibility/2006" xmlns:p14="http://schemas.microsoft.com/office/powerpoint/2010/main">
-          <mc:Choice Requires="p14">
-            <p:contentPart p14:bwMode="auto" r:id="rId65">
-              <p14:nvContentPartPr>
-                <p14:cNvPr id="56" name="Ink 55">
-                  <a:extLst>
-                    <a:ext uri="{FF2B5EF4-FFF2-40B4-BE49-F238E27FC236}">
-                      <a16:creationId xmlns:a16="http://schemas.microsoft.com/office/drawing/2014/main" id="{09EE13FB-2E00-2413-C1C7-0E6586E22A52}"/>
-                    </a:ext>
-                  </a:extLst>
-                </p14:cNvPr>
-                <p14:cNvContentPartPr/>
-                <p14:nvPr/>
-              </p14:nvContentPartPr>
-              <p14:xfrm>
-                <a:off x="698120" y="14947810"/>
-                <a:ext cx="360" cy="56520"/>
-              </p14:xfrm>
-            </p:contentPart>
-          </mc:Choice>
-          <mc:Fallback xmlns="">
-            <p:pic>
-              <p:nvPicPr>
-                <p:cNvPr id="56" name="Ink 55">
-                  <a:extLst>
-                    <a:ext uri="{FF2B5EF4-FFF2-40B4-BE49-F238E27FC236}">
-                      <a16:creationId xmlns:a16="http://schemas.microsoft.com/office/drawing/2014/main" id="{09EE13FB-2E00-2413-C1C7-0E6586E22A52}"/>
-                    </a:ext>
-                  </a:extLst>
-                </p:cNvPr>
-                <p:cNvPicPr/>
-                <p:nvPr/>
-              </p:nvPicPr>
-              <p:blipFill>
-                <a:blip r:embed="rId66"/>
-                <a:stretch>
-                  <a:fillRect/>
-                </a:stretch>
-              </p:blipFill>
-              <p:spPr>
-                <a:xfrm>
-                  <a:off x="692000" y="14941690"/>
-                  <a:ext cx="12600" cy="68760"/>
-                </a:xfrm>
-                <a:prstGeom prst="rect">
-                  <a:avLst/>
-                </a:prstGeom>
-              </p:spPr>
-            </p:pic>
-          </mc:Fallback>
-        </mc:AlternateContent>
-        <mc:AlternateContent xmlns:mc="http://schemas.openxmlformats.org/markup-compatibility/2006" xmlns:p14="http://schemas.microsoft.com/office/powerpoint/2010/main">
-          <mc:Choice Requires="p14">
-            <p:contentPart p14:bwMode="auto" r:id="rId67">
-              <p14:nvContentPartPr>
-                <p14:cNvPr id="63" name="Ink 62">
-                  <a:extLst>
-                    <a:ext uri="{FF2B5EF4-FFF2-40B4-BE49-F238E27FC236}">
-                      <a16:creationId xmlns:a16="http://schemas.microsoft.com/office/drawing/2014/main" id="{98A07FDE-7323-A358-5296-3E170B1BD19E}"/>
-                    </a:ext>
-                  </a:extLst>
-                </p14:cNvPr>
-                <p14:cNvContentPartPr/>
-                <p14:nvPr/>
-              </p14:nvContentPartPr>
-              <p14:xfrm>
-                <a:off x="698120" y="14987410"/>
-                <a:ext cx="20520" cy="43200"/>
-              </p14:xfrm>
-            </p:contentPart>
-          </mc:Choice>
-          <mc:Fallback xmlns="">
-            <p:pic>
-              <p:nvPicPr>
-                <p:cNvPr id="63" name="Ink 62">
-                  <a:extLst>
-                    <a:ext uri="{FF2B5EF4-FFF2-40B4-BE49-F238E27FC236}">
-                      <a16:creationId xmlns:a16="http://schemas.microsoft.com/office/drawing/2014/main" id="{98A07FDE-7323-A358-5296-3E170B1BD19E}"/>
-                    </a:ext>
-                  </a:extLst>
-                </p:cNvPr>
-                <p:cNvPicPr/>
-                <p:nvPr/>
-              </p:nvPicPr>
-              <p:blipFill>
-                <a:blip r:embed="rId68"/>
-                <a:stretch>
-                  <a:fillRect/>
-                </a:stretch>
-              </p:blipFill>
-              <p:spPr>
-                <a:xfrm>
-                  <a:off x="692000" y="14981290"/>
-                  <a:ext cx="32760" cy="55440"/>
-                </a:xfrm>
-                <a:prstGeom prst="rect">
-                  <a:avLst/>
-                </a:prstGeom>
-              </p:spPr>
-            </p:pic>
-          </mc:Fallback>
-        </mc:AlternateContent>
-        <mc:AlternateContent xmlns:mc="http://schemas.openxmlformats.org/markup-compatibility/2006" xmlns:p14="http://schemas.microsoft.com/office/powerpoint/2010/main">
-          <mc:Choice Requires="p14">
-            <p:contentPart p14:bwMode="auto" r:id="rId69">
-              <p14:nvContentPartPr>
-                <p14:cNvPr id="2063" name="Ink 2062">
-                  <a:extLst>
-                    <a:ext uri="{FF2B5EF4-FFF2-40B4-BE49-F238E27FC236}">
-                      <a16:creationId xmlns:a16="http://schemas.microsoft.com/office/drawing/2014/main" id="{8A15F68C-DBD5-8095-937F-93288D5DB897}"/>
-                    </a:ext>
-                  </a:extLst>
-                </p14:cNvPr>
-                <p14:cNvContentPartPr/>
-                <p14:nvPr/>
-              </p14:nvContentPartPr>
-              <p14:xfrm>
-                <a:off x="691640" y="14947810"/>
-                <a:ext cx="13320" cy="28800"/>
-              </p14:xfrm>
-            </p:contentPart>
-          </mc:Choice>
-          <mc:Fallback xmlns="">
-            <p:pic>
-              <p:nvPicPr>
-                <p:cNvPr id="2063" name="Ink 2062">
-                  <a:extLst>
-                    <a:ext uri="{FF2B5EF4-FFF2-40B4-BE49-F238E27FC236}">
-                      <a16:creationId xmlns:a16="http://schemas.microsoft.com/office/drawing/2014/main" id="{8A15F68C-DBD5-8095-937F-93288D5DB897}"/>
-                    </a:ext>
-                  </a:extLst>
-                </p:cNvPr>
-                <p:cNvPicPr/>
-                <p:nvPr/>
-              </p:nvPicPr>
-              <p:blipFill>
-                <a:blip r:embed="rId70"/>
-                <a:stretch>
-                  <a:fillRect/>
-                </a:stretch>
-              </p:blipFill>
-              <p:spPr>
-                <a:xfrm>
-                  <a:off x="685520" y="14941690"/>
-                  <a:ext cx="25560" cy="41040"/>
-                </a:xfrm>
-                <a:prstGeom prst="rect">
-                  <a:avLst/>
-                </a:prstGeom>
-              </p:spPr>
-            </p:pic>
-          </mc:Fallback>
-        </mc:AlternateContent>
-        <mc:AlternateContent xmlns:mc="http://schemas.openxmlformats.org/markup-compatibility/2006" xmlns:p14="http://schemas.microsoft.com/office/powerpoint/2010/main">
-          <mc:Choice Requires="p14">
-            <p:contentPart p14:bwMode="auto" r:id="rId71">
-              <p14:nvContentPartPr>
-                <p14:cNvPr id="2076" name="Ink 2075">
-                  <a:extLst>
-                    <a:ext uri="{FF2B5EF4-FFF2-40B4-BE49-F238E27FC236}">
-                      <a16:creationId xmlns:a16="http://schemas.microsoft.com/office/drawing/2014/main" id="{EBDF71B5-3821-48D5-BDCA-EBAD401EB076}"/>
-                    </a:ext>
-                  </a:extLst>
-                </p14:cNvPr>
-                <p14:cNvContentPartPr/>
-                <p14:nvPr/>
-              </p14:nvContentPartPr>
-              <p14:xfrm>
-                <a:off x="660320" y="14966530"/>
-                <a:ext cx="44640" cy="11880"/>
-              </p14:xfrm>
-            </p:contentPart>
-          </mc:Choice>
-          <mc:Fallback xmlns="">
-            <p:pic>
-              <p:nvPicPr>
-                <p:cNvPr id="2076" name="Ink 2075">
-                  <a:extLst>
-                    <a:ext uri="{FF2B5EF4-FFF2-40B4-BE49-F238E27FC236}">
-                      <a16:creationId xmlns:a16="http://schemas.microsoft.com/office/drawing/2014/main" id="{EBDF71B5-3821-48D5-BDCA-EBAD401EB076}"/>
-                    </a:ext>
-                  </a:extLst>
-                </p:cNvPr>
-                <p:cNvPicPr/>
-                <p:nvPr/>
-              </p:nvPicPr>
-              <p:blipFill>
-                <a:blip r:embed="rId72"/>
-                <a:stretch>
-                  <a:fillRect/>
-                </a:stretch>
-              </p:blipFill>
-              <p:spPr>
-                <a:xfrm>
-                  <a:off x="654200" y="14960410"/>
-                  <a:ext cx="56880" cy="24120"/>
-                </a:xfrm>
-                <a:prstGeom prst="rect">
-                  <a:avLst/>
-                </a:prstGeom>
-              </p:spPr>
-            </p:pic>
-          </mc:Fallback>
-        </mc:AlternateContent>
-        <mc:AlternateContent xmlns:mc="http://schemas.openxmlformats.org/markup-compatibility/2006" xmlns:p14="http://schemas.microsoft.com/office/powerpoint/2010/main">
-          <mc:Choice Requires="p14">
-            <p:contentPart p14:bwMode="auto" r:id="rId73">
-              <p14:nvContentPartPr>
-                <p14:cNvPr id="2082" name="Ink 2081">
-                  <a:extLst>
-                    <a:ext uri="{FF2B5EF4-FFF2-40B4-BE49-F238E27FC236}">
-                      <a16:creationId xmlns:a16="http://schemas.microsoft.com/office/drawing/2014/main" id="{223CE236-62BE-5216-A438-ED5519748A17}"/>
-                    </a:ext>
-                  </a:extLst>
-                </p14:cNvPr>
-                <p14:cNvContentPartPr/>
-                <p14:nvPr/>
-              </p14:nvContentPartPr>
-              <p14:xfrm>
-                <a:off x="687680" y="14979490"/>
-                <a:ext cx="17280" cy="6840"/>
-              </p14:xfrm>
-            </p:contentPart>
-          </mc:Choice>
-          <mc:Fallback xmlns="">
-            <p:pic>
-              <p:nvPicPr>
-                <p:cNvPr id="2082" name="Ink 2081">
-                  <a:extLst>
-                    <a:ext uri="{FF2B5EF4-FFF2-40B4-BE49-F238E27FC236}">
-                      <a16:creationId xmlns:a16="http://schemas.microsoft.com/office/drawing/2014/main" id="{223CE236-62BE-5216-A438-ED5519748A17}"/>
-                    </a:ext>
-                  </a:extLst>
-                </p:cNvPr>
-                <p:cNvPicPr/>
-                <p:nvPr/>
-              </p:nvPicPr>
-              <p:blipFill>
-                <a:blip r:embed="rId74"/>
-                <a:stretch>
-                  <a:fillRect/>
-                </a:stretch>
-              </p:blipFill>
-              <p:spPr>
-                <a:xfrm>
-                  <a:off x="681560" y="14973370"/>
-                  <a:ext cx="29520" cy="19080"/>
-                </a:xfrm>
-                <a:prstGeom prst="rect">
-                  <a:avLst/>
-                </a:prstGeom>
-              </p:spPr>
-            </p:pic>
-          </mc:Fallback>
-        </mc:AlternateContent>
-      </p:grpSp>
-      <p:grpSp>
-        <p:nvGrpSpPr>
-          <p:cNvPr id="2088" name="Group 2087">
-            <a:extLst>
-              <a:ext uri="{FF2B5EF4-FFF2-40B4-BE49-F238E27FC236}">
-                <a16:creationId xmlns:a16="http://schemas.microsoft.com/office/drawing/2014/main" id="{CF88EC71-A1AC-3B61-6763-FB5C92DA1F42}"/>
-              </a:ext>
-            </a:extLst>
-          </p:cNvPr>
-          <p:cNvGrpSpPr/>
-          <p:nvPr/>
-        </p:nvGrpSpPr>
-        <p:grpSpPr>
-          <a:xfrm>
-            <a:off x="685520" y="14934850"/>
-            <a:ext cx="38520" cy="75960"/>
-            <a:chOff x="685520" y="14934850"/>
-            <a:chExt cx="38520" cy="75960"/>
-          </a:xfrm>
-        </p:grpSpPr>
-        <mc:AlternateContent xmlns:mc="http://schemas.openxmlformats.org/markup-compatibility/2006" xmlns:p14="http://schemas.microsoft.com/office/powerpoint/2010/main">
-          <mc:Choice Requires="p14">
-            <p:contentPart p14:bwMode="auto" r:id="rId75">
-              <p14:nvContentPartPr>
-                <p14:cNvPr id="2084" name="Ink 2083">
-                  <a:extLst>
-                    <a:ext uri="{FF2B5EF4-FFF2-40B4-BE49-F238E27FC236}">
-                      <a16:creationId xmlns:a16="http://schemas.microsoft.com/office/drawing/2014/main" id="{FF8E9F76-9396-86A9-C553-268E30257732}"/>
-                    </a:ext>
-                  </a:extLst>
-                </p14:cNvPr>
-                <p14:cNvContentPartPr/>
-                <p14:nvPr/>
-              </p14:nvContentPartPr>
-              <p14:xfrm>
-                <a:off x="693080" y="14934850"/>
-                <a:ext cx="30960" cy="63000"/>
-              </p14:xfrm>
-            </p:contentPart>
-          </mc:Choice>
-          <mc:Fallback xmlns="">
-            <p:pic>
-              <p:nvPicPr>
-                <p:cNvPr id="2084" name="Ink 2083">
-                  <a:extLst>
-                    <a:ext uri="{FF2B5EF4-FFF2-40B4-BE49-F238E27FC236}">
-                      <a16:creationId xmlns:a16="http://schemas.microsoft.com/office/drawing/2014/main" id="{FF8E9F76-9396-86A9-C553-268E30257732}"/>
-                    </a:ext>
-                  </a:extLst>
-                </p:cNvPr>
-                <p:cNvPicPr/>
-                <p:nvPr/>
-              </p:nvPicPr>
-              <p:blipFill>
-                <a:blip r:embed="rId76"/>
-                <a:stretch>
-                  <a:fillRect/>
-                </a:stretch>
-              </p:blipFill>
-              <p:spPr>
-                <a:xfrm>
-                  <a:off x="686960" y="14928730"/>
-                  <a:ext cx="43200" cy="75240"/>
-                </a:xfrm>
-                <a:prstGeom prst="rect">
-                  <a:avLst/>
-                </a:prstGeom>
-              </p:spPr>
-            </p:pic>
-          </mc:Fallback>
-        </mc:AlternateContent>
-        <mc:AlternateContent xmlns:mc="http://schemas.openxmlformats.org/markup-compatibility/2006" xmlns:p14="http://schemas.microsoft.com/office/powerpoint/2010/main">
-          <mc:Choice Requires="p14">
-            <p:contentPart p14:bwMode="auto" r:id="rId77">
-              <p14:nvContentPartPr>
-                <p14:cNvPr id="2086" name="Ink 2085">
-                  <a:extLst>
-                    <a:ext uri="{FF2B5EF4-FFF2-40B4-BE49-F238E27FC236}">
-                      <a16:creationId xmlns:a16="http://schemas.microsoft.com/office/drawing/2014/main" id="{30C39305-14C4-2924-EC4E-C1D39B9D11A3}"/>
-                    </a:ext>
-                  </a:extLst>
-                </p14:cNvPr>
-                <p14:cNvContentPartPr/>
-                <p14:nvPr/>
-              </p14:nvContentPartPr>
-              <p14:xfrm>
-                <a:off x="685520" y="14941330"/>
-                <a:ext cx="360" cy="69480"/>
-              </p14:xfrm>
-            </p:contentPart>
-          </mc:Choice>
-          <mc:Fallback xmlns="">
-            <p:pic>
-              <p:nvPicPr>
-                <p:cNvPr id="2086" name="Ink 2085">
-                  <a:extLst>
-                    <a:ext uri="{FF2B5EF4-FFF2-40B4-BE49-F238E27FC236}">
-                      <a16:creationId xmlns:a16="http://schemas.microsoft.com/office/drawing/2014/main" id="{30C39305-14C4-2924-EC4E-C1D39B9D11A3}"/>
-                    </a:ext>
-                  </a:extLst>
-                </p:cNvPr>
-                <p:cNvPicPr/>
-                <p:nvPr/>
-              </p:nvPicPr>
-              <p:blipFill>
-                <a:blip r:embed="rId78"/>
-                <a:stretch>
-                  <a:fillRect/>
-                </a:stretch>
-              </p:blipFill>
-              <p:spPr>
-                <a:xfrm>
-                  <a:off x="679400" y="14935210"/>
-                  <a:ext cx="12600" cy="81720"/>
-                </a:xfrm>
-                <a:prstGeom prst="rect">
-                  <a:avLst/>
-                </a:prstGeom>
-              </p:spPr>
-            </p:pic>
-          </mc:Fallback>
-        </mc:AlternateContent>
-      </p:grpSp>
-      <p:sp>
-        <p:nvSpPr>
-          <p:cNvPr id="45" name="TextBox 44">
-            <a:extLst>
-              <a:ext uri="{FF2B5EF4-FFF2-40B4-BE49-F238E27FC236}">
-                <a16:creationId xmlns:a16="http://schemas.microsoft.com/office/drawing/2014/main" id="{6C519DA5-2590-3B93-4FA9-9C1CD043585F}"/>
-              </a:ext>
-            </a:extLst>
-          </p:cNvPr>
-          <p:cNvSpPr txBox="1"/>
-          <p:nvPr/>
-        </p:nvSpPr>
-        <p:spPr bwMode="auto">
-          <a:xfrm>
-            <a:off x="542144" y="4437183"/>
-            <a:ext cx="9429334" cy="640548"/>
-          </a:xfrm>
-          <a:prstGeom prst="rect">
-            <a:avLst/>
-          </a:prstGeom>
-          <a:solidFill>
-            <a:schemeClr val="tx2"/>
-          </a:solidFill>
-          <a:ln w="9525">
-            <a:noFill/>
-            <a:miter lim="800000"/>
-            <a:headEnd/>
-            <a:tailEnd/>
-          </a:ln>
-          <a:effectLst/>
-        </p:spPr>
-        <p:txBody>
-          <a:bodyPr wrap="square" lIns="0" tIns="0" rIns="0" bIns="0" rtlCol="0">
-            <a:spAutoFit/>
-          </a:bodyPr>
-          <a:lstStyle/>
-          <a:p>
-            <a:pPr marL="455613" indent="-455613" algn="l" defTabSz="2952750" eaLnBrk="0" hangingPunct="0">
-              <a:lnSpc>
-                <a:spcPct val="105000"/>
-              </a:lnSpc>
-              <a:spcBef>
-                <a:spcPts val="4400"/>
-              </a:spcBef>
-              <a:spcAft>
-                <a:spcPts val="0"/>
-              </a:spcAft>
-              <a:buClr>
-                <a:schemeClr val="tx2"/>
-              </a:buClr>
-            </a:pPr>
-            <a:endParaRPr lang="en-GB" sz="4100" b="1" kern="0" dirty="0">
-              <a:solidFill>
-                <a:schemeClr val="tx2"/>
-              </a:solidFill>
-              <a:latin typeface="Arial" panose="020B0604020202020204" pitchFamily="34" charset="0"/>
-              <a:cs typeface="Arial" panose="020B0604020202020204" pitchFamily="34" charset="0"/>
-            </a:endParaRPr>
-          </a:p>
-        </p:txBody>
-      </p:sp>
-      <p:sp>
-        <p:nvSpPr>
-          <p:cNvPr id="61" name="Rectangle: Rounded Corners 60">
-            <a:extLst>
-              <a:ext uri="{FF2B5EF4-FFF2-40B4-BE49-F238E27FC236}">
-                <a16:creationId xmlns:a16="http://schemas.microsoft.com/office/drawing/2014/main" id="{16257A3F-7950-7045-5951-16E369B9E6B9}"/>
-              </a:ext>
-            </a:extLst>
-          </p:cNvPr>
-          <p:cNvSpPr/>
-          <p:nvPr/>
-        </p:nvSpPr>
-        <p:spPr bwMode="auto">
-          <a:xfrm>
-            <a:off x="10800000" y="14276664"/>
-            <a:ext cx="10080000" cy="14167286"/>
-          </a:xfrm>
-          <a:prstGeom prst="roundRect">
-            <a:avLst/>
-          </a:prstGeom>
-          <a:solidFill>
-            <a:schemeClr val="accent1">
-              <a:lumMod val="20000"/>
-              <a:lumOff val="80000"/>
-            </a:schemeClr>
-          </a:solidFill>
-          <a:ln>
-            <a:headEnd type="none" w="med" len="med"/>
-            <a:tailEnd type="none" w="med" len="med"/>
-          </a:ln>
-        </p:spPr>
-        <p:style>
-          <a:lnRef idx="1">
-            <a:schemeClr val="accent2"/>
-          </a:lnRef>
-          <a:fillRef idx="2">
-            <a:schemeClr val="accent2"/>
-          </a:fillRef>
-          <a:effectRef idx="1">
-            <a:schemeClr val="accent2"/>
-          </a:effectRef>
-          <a:fontRef idx="minor">
-            <a:schemeClr val="dk1"/>
-          </a:fontRef>
-        </p:style>
-        <p:txBody>
-          <a:bodyPr vert="horz" wrap="none" lIns="91440" tIns="45720" rIns="91440" bIns="45720" numCol="1" rtlCol="0" anchor="ctr" anchorCtr="0" compatLnSpc="1">
-            <a:prstTxWarp prst="textNoShape">
-              <a:avLst/>
-            </a:prstTxWarp>
-          </a:bodyPr>
-          <a:lstStyle/>
-          <a:p>
-            <a:pPr marL="0" marR="0" indent="0" algn="l" defTabSz="2952750" rtl="0" eaLnBrk="1" fontAlgn="base" latinLnBrk="0" hangingPunct="1">
-              <a:lnSpc>
-                <a:spcPct val="100000"/>
-              </a:lnSpc>
-              <a:spcBef>
-                <a:spcPct val="0"/>
-              </a:spcBef>
-              <a:spcAft>
-                <a:spcPct val="0"/>
-              </a:spcAft>
-              <a:buClrTx/>
-              <a:buSzTx/>
-              <a:buFontTx/>
-              <a:buNone/>
-              <a:tabLst/>
-            </a:pPr>
-            <a:endParaRPr kumimoji="0" lang="en-GB" sz="1300" b="0" i="0" u="none" strike="noStrike" cap="none" normalizeH="0" baseline="0" dirty="0">
-              <a:ln>
-                <a:noFill/>
-              </a:ln>
-              <a:solidFill>
-                <a:schemeClr val="tx1"/>
-              </a:solidFill>
-              <a:effectLst/>
-              <a:latin typeface="Rdg Vesta" pitchFamily="2" charset="0"/>
-            </a:endParaRPr>
-          </a:p>
-        </p:txBody>
-      </p:sp>
-      <p:sp>
-        <p:nvSpPr>
-          <p:cNvPr id="2072" name="Rectangle: Rounded Corners 2071">
-            <a:extLst>
-              <a:ext uri="{FF2B5EF4-FFF2-40B4-BE49-F238E27FC236}">
-                <a16:creationId xmlns:a16="http://schemas.microsoft.com/office/drawing/2014/main" id="{94530128-6ECF-7BA3-E246-EBDA6C132B07}"/>
-              </a:ext>
-            </a:extLst>
-          </p:cNvPr>
-          <p:cNvSpPr/>
-          <p:nvPr/>
-        </p:nvSpPr>
-        <p:spPr bwMode="auto">
-          <a:xfrm>
-            <a:off x="12304563" y="14009876"/>
-            <a:ext cx="7080584" cy="815786"/>
-          </a:xfrm>
-          <a:prstGeom prst="roundRect">
-            <a:avLst/>
-          </a:prstGeom>
-          <a:solidFill>
-            <a:schemeClr val="tx2">
-              <a:lumMod val="75000"/>
-            </a:schemeClr>
-          </a:solidFill>
-          <a:ln>
-            <a:headEnd type="none" w="med" len="med"/>
-            <a:tailEnd type="none" w="med" len="med"/>
-          </a:ln>
-        </p:spPr>
-        <p:style>
-          <a:lnRef idx="0">
-            <a:schemeClr val="accent1"/>
-          </a:lnRef>
-          <a:fillRef idx="3">
-            <a:schemeClr val="accent1"/>
-          </a:fillRef>
-          <a:effectRef idx="3">
-            <a:schemeClr val="accent1"/>
-          </a:effectRef>
-          <a:fontRef idx="minor">
-            <a:schemeClr val="lt1"/>
-          </a:fontRef>
-        </p:style>
-        <p:txBody>
-          <a:bodyPr vert="horz" wrap="none" lIns="91440" tIns="45720" rIns="91440" bIns="45720" numCol="1" rtlCol="0" anchor="ctr" anchorCtr="0" compatLnSpc="1">
-            <a:prstTxWarp prst="textNoShape">
-              <a:avLst/>
-            </a:prstTxWarp>
-          </a:bodyPr>
-          <a:lstStyle/>
-          <a:p>
             <a:pPr algn="ctr" defTabSz="2952750"/>
             <a:r>
               <a:rPr lang="en-GB" sz="3500" b="1" kern="0" dirty="0">
@@ -16506,8 +14933,8 @@
         </p:nvSpPr>
         <p:spPr bwMode="auto">
           <a:xfrm>
-            <a:off x="360000" y="4425663"/>
-            <a:ext cx="13024129" cy="616579"/>
+            <a:off x="226192" y="3283461"/>
+            <a:ext cx="13024129" cy="481222"/>
           </a:xfrm>
           <a:prstGeom prst="rect">
             <a:avLst/>
@@ -16542,97 +14969,15 @@
               </a:buClr>
             </a:pPr>
             <a:r>
-              <a:rPr lang="en-GB" sz="4100" b="1" kern="0" dirty="0">
+              <a:rPr lang="en-GB" sz="3200" b="1" kern="0" dirty="0">
                 <a:solidFill>
                   <a:schemeClr val="bg1"/>
                 </a:solidFill>
                 <a:latin typeface="Arial" panose="020B0604020202020204" pitchFamily="34" charset="0"/>
                 <a:cs typeface="Arial" panose="020B0604020202020204" pitchFamily="34" charset="0"/>
               </a:rPr>
-              <a:t>Koray Can YIGIT   |   William HARWIN</a:t>
-            </a:r>
-          </a:p>
-        </p:txBody>
-      </p:sp>
-      <p:sp>
-        <p:nvSpPr>
-          <p:cNvPr id="2069" name="Rectangle: Rounded Corners 2068">
-            <a:extLst>
-              <a:ext uri="{FF2B5EF4-FFF2-40B4-BE49-F238E27FC236}">
-                <a16:creationId xmlns:a16="http://schemas.microsoft.com/office/drawing/2014/main" id="{3FA35535-70CF-A41F-2B9B-FE75FAD3CCE8}"/>
-              </a:ext>
-            </a:extLst>
-          </p:cNvPr>
-          <p:cNvSpPr/>
-          <p:nvPr/>
-        </p:nvSpPr>
-        <p:spPr bwMode="auto">
-          <a:xfrm>
-            <a:off x="10588389" y="5693706"/>
-            <a:ext cx="10080000" cy="3437232"/>
-          </a:xfrm>
-          <a:prstGeom prst="roundRect">
-            <a:avLst/>
-          </a:prstGeom>
-          <a:solidFill>
-            <a:schemeClr val="bg1"/>
-          </a:solidFill>
-          <a:ln>
-            <a:solidFill>
-              <a:schemeClr val="bg1"/>
-            </a:solidFill>
-            <a:headEnd type="none" w="med" len="med"/>
-            <a:tailEnd type="none" w="med" len="med"/>
-          </a:ln>
-        </p:spPr>
-        <p:style>
-          <a:lnRef idx="0">
-            <a:schemeClr val="accent2"/>
-          </a:lnRef>
-          <a:fillRef idx="3">
-            <a:schemeClr val="accent2"/>
-          </a:fillRef>
-          <a:effectRef idx="3">
-            <a:schemeClr val="accent2"/>
-          </a:effectRef>
-          <a:fontRef idx="minor">
-            <a:schemeClr val="lt1"/>
-          </a:fontRef>
-        </p:style>
-        <p:txBody>
-          <a:bodyPr vert="horz" wrap="none" lIns="91440" tIns="45720" rIns="91440" bIns="45720" numCol="1" rtlCol="0" anchor="ctr" anchorCtr="0" compatLnSpc="1">
-            <a:prstTxWarp prst="textNoShape">
-              <a:avLst/>
-            </a:prstTxWarp>
-          </a:bodyPr>
-          <a:lstStyle/>
-          <a:p>
-            <a:pPr marL="0" marR="0" indent="0" algn="l" defTabSz="2952750" rtl="0" eaLnBrk="1" fontAlgn="base" latinLnBrk="0" hangingPunct="1">
-              <a:lnSpc>
-                <a:spcPct val="100000"/>
-              </a:lnSpc>
-              <a:spcBef>
-                <a:spcPct val="0"/>
-              </a:spcBef>
-              <a:spcAft>
-                <a:spcPct val="0"/>
-              </a:spcAft>
-              <a:buClrTx/>
-              <a:buSzTx/>
-              <a:buFontTx/>
-              <a:buNone/>
-              <a:tabLst/>
-            </a:pPr>
-            <a:endParaRPr kumimoji="0" lang="en-GB" sz="1300" b="0" i="0" u="none" strike="noStrike" cap="none" normalizeH="0" baseline="0" dirty="0">
-              <a:ln>
-                <a:noFill/>
-              </a:ln>
-              <a:solidFill>
-                <a:schemeClr val="tx1"/>
-              </a:solidFill>
-              <a:effectLst/>
-              <a:latin typeface="Rdg Vesta" pitchFamily="2" charset="0"/>
-            </a:endParaRPr>
+              <a:t>Koray Can YIGIT   |   Ozan TOKATLI   |   William HARWIN</a:t>
+            </a:r>
           </a:p>
         </p:txBody>
       </p:sp>
@@ -16700,10 +15045,10 @@
       </p:sp>
       <p:sp>
         <p:nvSpPr>
-          <p:cNvPr id="15" name="Rectangle: Rounded Corners 14">
+          <p:cNvPr id="2089" name="Rectangle 2088">
             <a:extLst>
               <a:ext uri="{FF2B5EF4-FFF2-40B4-BE49-F238E27FC236}">
-                <a16:creationId xmlns:a16="http://schemas.microsoft.com/office/drawing/2014/main" id="{17411C70-E478-4D4C-BB3B-F38F5FC330C5}"/>
+                <a16:creationId xmlns:a16="http://schemas.microsoft.com/office/drawing/2014/main" id="{F88B21A5-261F-C2DA-7003-E16E1FE80A5A}"/>
               </a:ext>
             </a:extLst>
           </p:cNvPr>
@@ -16712,15 +15057,2164 @@
         </p:nvSpPr>
         <p:spPr bwMode="auto">
           <a:xfrm>
-            <a:off x="13250321" y="5402051"/>
-            <a:ext cx="5390291" cy="713870"/>
+            <a:off x="610538" y="1356852"/>
+            <a:ext cx="7501075" cy="884903"/>
+          </a:xfrm>
+          <a:prstGeom prst="rect">
+            <a:avLst/>
+          </a:prstGeom>
+          <a:solidFill>
+            <a:schemeClr val="tx2"/>
+          </a:solidFill>
+          <a:ln w="9525" cap="flat" cmpd="sng" algn="ctr">
+            <a:noFill/>
+            <a:prstDash val="solid"/>
+            <a:round/>
+            <a:headEnd type="none" w="med" len="med"/>
+            <a:tailEnd type="none" w="med" len="med"/>
+          </a:ln>
+          <a:effectLst/>
+        </p:spPr>
+        <p:txBody>
+          <a:bodyPr vert="horz" wrap="none" lIns="91440" tIns="45720" rIns="91440" bIns="45720" numCol="1" rtlCol="0" anchor="ctr" anchorCtr="0" compatLnSpc="1">
+            <a:prstTxWarp prst="textNoShape">
+              <a:avLst/>
+            </a:prstTxWarp>
+          </a:bodyPr>
+          <a:lstStyle/>
+          <a:p>
+            <a:pPr marL="0" marR="0" indent="0" algn="l" defTabSz="2952750" rtl="0" eaLnBrk="1" fontAlgn="base" latinLnBrk="0" hangingPunct="1">
+              <a:lnSpc>
+                <a:spcPct val="100000"/>
+              </a:lnSpc>
+              <a:spcBef>
+                <a:spcPct val="0"/>
+              </a:spcBef>
+              <a:spcAft>
+                <a:spcPct val="0"/>
+              </a:spcAft>
+              <a:buClrTx/>
+              <a:buSzTx/>
+              <a:buFontTx/>
+              <a:buNone/>
+              <a:tabLst/>
+            </a:pPr>
+            <a:endParaRPr kumimoji="0" lang="en-GB" sz="1300" b="0" i="0" u="none" strike="noStrike" cap="none" normalizeH="0" baseline="0">
+              <a:ln>
+                <a:noFill/>
+              </a:ln>
+              <a:solidFill>
+                <a:schemeClr val="tx1"/>
+              </a:solidFill>
+              <a:effectLst/>
+              <a:latin typeface="Rdg Vesta" pitchFamily="2" charset="0"/>
+            </a:endParaRPr>
+          </a:p>
+        </p:txBody>
+      </p:sp>
+      <p:sp>
+        <p:nvSpPr>
+          <p:cNvPr id="2053" name="TextBox 2052">
+            <a:extLst>
+              <a:ext uri="{FF2B5EF4-FFF2-40B4-BE49-F238E27FC236}">
+                <a16:creationId xmlns:a16="http://schemas.microsoft.com/office/drawing/2014/main" id="{93FC513B-DC34-8FED-6316-E0CE4A7A620A}"/>
+              </a:ext>
+            </a:extLst>
+          </p:cNvPr>
+          <p:cNvSpPr txBox="1"/>
+          <p:nvPr/>
+        </p:nvSpPr>
+        <p:spPr bwMode="auto">
+          <a:xfrm>
+            <a:off x="3140191" y="716867"/>
+            <a:ext cx="13781032" cy="2186432"/>
+          </a:xfrm>
+          <a:prstGeom prst="rect">
+            <a:avLst/>
+          </a:prstGeom>
+          <a:noFill/>
+          <a:ln w="9525">
+            <a:noFill/>
+            <a:miter lim="800000"/>
+            <a:headEnd/>
+            <a:tailEnd/>
+          </a:ln>
+          <a:effectLst/>
+        </p:spPr>
+        <p:txBody>
+          <a:bodyPr wrap="square" lIns="0" tIns="0" rIns="0" bIns="0" rtlCol="0">
+            <a:spAutoFit/>
+          </a:bodyPr>
+          <a:lstStyle/>
+          <a:p>
+            <a:pPr marL="455613" indent="-455613" algn="ctr" defTabSz="2952750" eaLnBrk="0" hangingPunct="0">
+              <a:lnSpc>
+                <a:spcPct val="105000"/>
+              </a:lnSpc>
+              <a:spcBef>
+                <a:spcPts val="4400"/>
+              </a:spcBef>
+              <a:spcAft>
+                <a:spcPts val="0"/>
+              </a:spcAft>
+              <a:buClr>
+                <a:schemeClr val="tx2"/>
+              </a:buClr>
+            </a:pPr>
+            <a:r>
+              <a:rPr lang="en-GB" sz="5200" b="1" kern="0" dirty="0">
+                <a:solidFill>
+                  <a:schemeClr val="bg1"/>
+                </a:solidFill>
+                <a:latin typeface="Arial" panose="020B0604020202020204" pitchFamily="34" charset="0"/>
+                <a:cs typeface="Arial" panose="020B0604020202020204" pitchFamily="34" charset="0"/>
+              </a:rPr>
+              <a:t>Dynamically Aware Robot Trajectory </a:t>
+            </a:r>
+          </a:p>
+          <a:p>
+            <a:pPr marL="455613" indent="-455613" algn="ctr" defTabSz="2952750" eaLnBrk="0" hangingPunct="0">
+              <a:lnSpc>
+                <a:spcPct val="105000"/>
+              </a:lnSpc>
+              <a:spcBef>
+                <a:spcPts val="4400"/>
+              </a:spcBef>
+              <a:spcAft>
+                <a:spcPts val="0"/>
+              </a:spcAft>
+              <a:buClr>
+                <a:schemeClr val="tx2"/>
+              </a:buClr>
+            </a:pPr>
+            <a:r>
+              <a:rPr lang="en-GB" sz="5200" b="1" kern="0" dirty="0">
+                <a:solidFill>
+                  <a:schemeClr val="bg1"/>
+                </a:solidFill>
+                <a:latin typeface="Arial" panose="020B0604020202020204" pitchFamily="34" charset="0"/>
+                <a:cs typeface="Arial" panose="020B0604020202020204" pitchFamily="34" charset="0"/>
+              </a:rPr>
+              <a:t>Generation and Optimisation</a:t>
+            </a:r>
+          </a:p>
+        </p:txBody>
+      </p:sp>
+      <p:pic>
+        <p:nvPicPr>
+          <p:cNvPr id="2093" name="Picture 2092" descr="A group of white squares&#10;&#10;AI-generated content may be incorrect.">
+            <a:extLst>
+              <a:ext uri="{FF2B5EF4-FFF2-40B4-BE49-F238E27FC236}">
+                <a16:creationId xmlns:a16="http://schemas.microsoft.com/office/drawing/2014/main" id="{390FB7F0-B299-D567-F714-B82771C4C85D}"/>
+              </a:ext>
+            </a:extLst>
+          </p:cNvPr>
+          <p:cNvPicPr>
+            <a:picLocks noChangeAspect="1"/>
+          </p:cNvPicPr>
+          <p:nvPr/>
+        </p:nvPicPr>
+        <p:blipFill>
+          <a:blip r:embed="rId3" cstate="print">
+            <a:extLst>
+              <a:ext uri="{28A0092B-C50C-407E-A947-70E740481C1C}">
+                <a14:useLocalDpi xmlns:a14="http://schemas.microsoft.com/office/drawing/2010/main" val="0"/>
+              </a:ext>
+            </a:extLst>
+          </a:blip>
+          <a:stretch>
+            <a:fillRect/>
+          </a:stretch>
+        </p:blipFill>
+        <p:spPr>
+          <a:xfrm>
+            <a:off x="1693665" y="8395826"/>
+            <a:ext cx="18212667" cy="4215392"/>
+          </a:xfrm>
+          <a:prstGeom prst="rect">
+            <a:avLst/>
+          </a:prstGeom>
+        </p:spPr>
+      </p:pic>
+      <p:graphicFrame>
+        <p:nvGraphicFramePr>
+          <p:cNvPr id="2" name="Table 1">
+            <a:extLst>
+              <a:ext uri="{FF2B5EF4-FFF2-40B4-BE49-F238E27FC236}">
+                <a16:creationId xmlns:a16="http://schemas.microsoft.com/office/drawing/2014/main" id="{433F7E6E-0C74-3E1C-93BB-908962A2B321}"/>
+              </a:ext>
+            </a:extLst>
+          </p:cNvPr>
+          <p:cNvGraphicFramePr>
+            <a:graphicFrameLocks noGrp="1"/>
+          </p:cNvGraphicFramePr>
+          <p:nvPr>
+            <p:extLst>
+              <p:ext uri="{D42A27DB-BD31-4B8C-83A1-F6EECF244321}">
+                <p14:modId xmlns:p14="http://schemas.microsoft.com/office/powerpoint/2010/main" val="477575767"/>
+              </p:ext>
+            </p:extLst>
+          </p:nvPr>
+        </p:nvGraphicFramePr>
+        <p:xfrm>
+          <a:off x="11452262" y="21112788"/>
+          <a:ext cx="8986408" cy="1010920"/>
+        </p:xfrm>
+        <a:graphic>
+          <a:graphicData uri="http://schemas.openxmlformats.org/drawingml/2006/table">
+            <a:tbl>
+              <a:tblPr firstRow="1" bandRow="1">
+                <a:tableStyleId>{5C22544A-7EE6-4342-B048-85BDC9FD1C3A}</a:tableStyleId>
+              </a:tblPr>
+              <a:tblGrid>
+                <a:gridCol w="2246602">
+                  <a:extLst>
+                    <a:ext uri="{9D8B030D-6E8A-4147-A177-3AD203B41FA5}">
+                      <a16:colId xmlns:a16="http://schemas.microsoft.com/office/drawing/2014/main" val="687930757"/>
+                    </a:ext>
+                  </a:extLst>
+                </a:gridCol>
+                <a:gridCol w="2246602">
+                  <a:extLst>
+                    <a:ext uri="{9D8B030D-6E8A-4147-A177-3AD203B41FA5}">
+                      <a16:colId xmlns:a16="http://schemas.microsoft.com/office/drawing/2014/main" val="2195375585"/>
+                    </a:ext>
+                  </a:extLst>
+                </a:gridCol>
+                <a:gridCol w="2246602">
+                  <a:extLst>
+                    <a:ext uri="{9D8B030D-6E8A-4147-A177-3AD203B41FA5}">
+                      <a16:colId xmlns:a16="http://schemas.microsoft.com/office/drawing/2014/main" val="2704182375"/>
+                    </a:ext>
+                  </a:extLst>
+                </a:gridCol>
+                <a:gridCol w="2246602">
+                  <a:extLst>
+                    <a:ext uri="{9D8B030D-6E8A-4147-A177-3AD203B41FA5}">
+                      <a16:colId xmlns:a16="http://schemas.microsoft.com/office/drawing/2014/main" val="3414057880"/>
+                    </a:ext>
+                  </a:extLst>
+                </a:gridCol>
+              </a:tblGrid>
+              <a:tr h="370840">
+                <a:tc>
+                  <a:txBody>
+                    <a:bodyPr/>
+                    <a:lstStyle/>
+                    <a:p>
+                      <a:pPr algn="ctr"/>
+                      <a:endParaRPr lang="en-GB" dirty="0"/>
+                    </a:p>
+                  </a:txBody>
+                  <a:tcPr anchor="ctr"/>
+                </a:tc>
+                <a:tc>
+                  <a:txBody>
+                    <a:bodyPr/>
+                    <a:lstStyle/>
+                    <a:p>
+                      <a:pPr algn="ctr"/>
+                      <a:r>
+                        <a:rPr lang="en-US" b="1" dirty="0"/>
+                        <a:t>Target 1 (</a:t>
+                      </a:r>
+                      <a:r>
+                        <a:rPr lang="en-GB" sz="1800" b="1" i="0" kern="1200" dirty="0">
+                          <a:solidFill>
+                            <a:schemeClr val="bg1"/>
+                          </a:solidFill>
+                          <a:effectLst/>
+                          <a:latin typeface="+mn-lt"/>
+                          <a:ea typeface="+mn-ea"/>
+                          <a:cs typeface="+mn-cs"/>
+                        </a:rPr>
+                        <a:t>m</a:t>
+                      </a:r>
+                      <a:r>
+                        <a:rPr lang="en-US" b="1" dirty="0"/>
+                        <a:t>)</a:t>
+                      </a:r>
+                      <a:endParaRPr lang="en-GB" b="1" dirty="0"/>
+                    </a:p>
+                  </a:txBody>
+                  <a:tcPr anchor="ctr"/>
+                </a:tc>
+                <a:tc>
+                  <a:txBody>
+                    <a:bodyPr/>
+                    <a:lstStyle/>
+                    <a:p>
+                      <a:pPr algn="ctr"/>
+                      <a:r>
+                        <a:rPr lang="en-US" dirty="0"/>
+                        <a:t>Target 2 </a:t>
+                      </a:r>
+                      <a:r>
+                        <a:rPr lang="en-US" b="1" dirty="0"/>
+                        <a:t>(</a:t>
+                      </a:r>
+                      <a:r>
+                        <a:rPr lang="en-GB" sz="1800" b="1" i="0" kern="1200" dirty="0">
+                          <a:solidFill>
+                            <a:schemeClr val="bg1"/>
+                          </a:solidFill>
+                          <a:effectLst/>
+                          <a:latin typeface="+mn-lt"/>
+                          <a:ea typeface="+mn-ea"/>
+                          <a:cs typeface="+mn-cs"/>
+                        </a:rPr>
+                        <a:t>m</a:t>
+                      </a:r>
+                      <a:r>
+                        <a:rPr lang="en-US" b="1" dirty="0"/>
+                        <a:t>)</a:t>
+                      </a:r>
+                      <a:endParaRPr lang="en-GB" dirty="0"/>
+                    </a:p>
+                  </a:txBody>
+                  <a:tcPr anchor="ctr"/>
+                </a:tc>
+                <a:tc>
+                  <a:txBody>
+                    <a:bodyPr/>
+                    <a:lstStyle/>
+                    <a:p>
+                      <a:pPr algn="ctr"/>
+                      <a:r>
+                        <a:rPr lang="en-US" dirty="0"/>
+                        <a:t>Target 3 </a:t>
+                      </a:r>
+                      <a:r>
+                        <a:rPr lang="en-US" b="1" dirty="0"/>
+                        <a:t>(</a:t>
+                      </a:r>
+                      <a:r>
+                        <a:rPr lang="en-GB" sz="1800" b="1" i="0" kern="1200" dirty="0">
+                          <a:solidFill>
+                            <a:schemeClr val="bg1"/>
+                          </a:solidFill>
+                          <a:effectLst/>
+                          <a:latin typeface="+mn-lt"/>
+                          <a:ea typeface="+mn-ea"/>
+                          <a:cs typeface="+mn-cs"/>
+                        </a:rPr>
+                        <a:t>m</a:t>
+                      </a:r>
+                      <a:r>
+                        <a:rPr lang="en-US" b="1" dirty="0"/>
+                        <a:t>)</a:t>
+                      </a:r>
+                      <a:endParaRPr lang="en-GB" dirty="0"/>
+                    </a:p>
+                  </a:txBody>
+                  <a:tcPr anchor="ctr"/>
+                </a:tc>
+                <a:extLst>
+                  <a:ext uri="{0D108BD9-81ED-4DB2-BD59-A6C34878D82A}">
+                    <a16:rowId xmlns:a16="http://schemas.microsoft.com/office/drawing/2014/main" val="1081442938"/>
+                  </a:ext>
+                </a:extLst>
+              </a:tr>
+              <a:tr h="370840">
+                <a:tc>
+                  <a:txBody>
+                    <a:bodyPr/>
+                    <a:lstStyle/>
+                    <a:p>
+                      <a:pPr algn="ctr"/>
+                      <a:r>
+                        <a:rPr lang="en-US" b="1" dirty="0"/>
+                        <a:t>Reference Trajectory</a:t>
+                      </a:r>
+                      <a:endParaRPr lang="en-GB" b="1" dirty="0"/>
+                    </a:p>
+                  </a:txBody>
+                  <a:tcPr anchor="ctr"/>
+                </a:tc>
+                <a:tc>
+                  <a:txBody>
+                    <a:bodyPr/>
+                    <a:lstStyle/>
+                    <a:p>
+                      <a:pPr marL="0" marR="0" lvl="0" indent="0" algn="ctr" defTabSz="914400" rtl="0" eaLnBrk="1" fontAlgn="auto" latinLnBrk="0" hangingPunct="1">
+                        <a:lnSpc>
+                          <a:spcPct val="100000"/>
+                        </a:lnSpc>
+                        <a:spcBef>
+                          <a:spcPts val="0"/>
+                        </a:spcBef>
+                        <a:spcAft>
+                          <a:spcPts val="0"/>
+                        </a:spcAft>
+                        <a:buClrTx/>
+                        <a:buSzTx/>
+                        <a:buFontTx/>
+                        <a:buNone/>
+                        <a:tabLst/>
+                        <a:defRPr/>
+                      </a:pPr>
+                      <a:r>
+                        <a:rPr lang="en-GB" sz="1800" b="0" i="0" kern="1200" dirty="0">
+                          <a:solidFill>
+                            <a:schemeClr val="dk1"/>
+                          </a:solidFill>
+                          <a:effectLst/>
+                          <a:latin typeface="+mn-lt"/>
+                          <a:ea typeface="+mn-ea"/>
+                          <a:cs typeface="+mn-cs"/>
+                        </a:rPr>
+                        <a:t>0.00311</a:t>
+                      </a:r>
+                      <a:endParaRPr lang="en-GB" dirty="0"/>
+                    </a:p>
+                  </a:txBody>
+                  <a:tcPr anchor="ctr"/>
+                </a:tc>
+                <a:tc>
+                  <a:txBody>
+                    <a:bodyPr/>
+                    <a:lstStyle/>
+                    <a:p>
+                      <a:pPr marL="0" marR="0" lvl="0" indent="0" algn="ctr" defTabSz="914400" rtl="0" eaLnBrk="1" fontAlgn="auto" latinLnBrk="0" hangingPunct="1">
+                        <a:lnSpc>
+                          <a:spcPct val="100000"/>
+                        </a:lnSpc>
+                        <a:spcBef>
+                          <a:spcPts val="0"/>
+                        </a:spcBef>
+                        <a:spcAft>
+                          <a:spcPts val="0"/>
+                        </a:spcAft>
+                        <a:buClrTx/>
+                        <a:buSzTx/>
+                        <a:buFontTx/>
+                        <a:buNone/>
+                        <a:tabLst/>
+                        <a:defRPr/>
+                      </a:pPr>
+                      <a:r>
+                        <a:rPr lang="en-GB" sz="1800" b="0" i="0" kern="1200" dirty="0">
+                          <a:solidFill>
+                            <a:schemeClr val="dk1"/>
+                          </a:solidFill>
+                          <a:effectLst/>
+                          <a:latin typeface="+mn-lt"/>
+                          <a:ea typeface="+mn-ea"/>
+                          <a:cs typeface="+mn-cs"/>
+                        </a:rPr>
+                        <a:t>0.00508</a:t>
+                      </a:r>
+                    </a:p>
+                  </a:txBody>
+                  <a:tcPr anchor="ctr"/>
+                </a:tc>
+                <a:tc>
+                  <a:txBody>
+                    <a:bodyPr/>
+                    <a:lstStyle/>
+                    <a:p>
+                      <a:pPr marL="0" marR="0" lvl="0" indent="0" algn="ctr" defTabSz="914400" rtl="0" eaLnBrk="1" fontAlgn="auto" latinLnBrk="0" hangingPunct="1">
+                        <a:lnSpc>
+                          <a:spcPct val="100000"/>
+                        </a:lnSpc>
+                        <a:spcBef>
+                          <a:spcPts val="0"/>
+                        </a:spcBef>
+                        <a:spcAft>
+                          <a:spcPts val="0"/>
+                        </a:spcAft>
+                        <a:buClrTx/>
+                        <a:buSzTx/>
+                        <a:buFontTx/>
+                        <a:buNone/>
+                        <a:tabLst/>
+                        <a:defRPr/>
+                      </a:pPr>
+                      <a:r>
+                        <a:rPr lang="en-GB" sz="1800" b="0" i="0" kern="1200" dirty="0">
+                          <a:solidFill>
+                            <a:schemeClr val="dk1"/>
+                          </a:solidFill>
+                          <a:effectLst/>
+                          <a:latin typeface="+mn-lt"/>
+                          <a:ea typeface="+mn-ea"/>
+                          <a:cs typeface="+mn-cs"/>
+                        </a:rPr>
+                        <a:t>0.00203</a:t>
+                      </a:r>
+                    </a:p>
+                  </a:txBody>
+                  <a:tcPr anchor="ctr"/>
+                </a:tc>
+                <a:extLst>
+                  <a:ext uri="{0D108BD9-81ED-4DB2-BD59-A6C34878D82A}">
+                    <a16:rowId xmlns:a16="http://schemas.microsoft.com/office/drawing/2014/main" val="2285436173"/>
+                  </a:ext>
+                </a:extLst>
+              </a:tr>
+            </a:tbl>
+          </a:graphicData>
+        </a:graphic>
+      </p:graphicFrame>
+      <p:graphicFrame>
+        <p:nvGraphicFramePr>
+          <p:cNvPr id="6" name="Table 5">
+            <a:extLst>
+              <a:ext uri="{FF2B5EF4-FFF2-40B4-BE49-F238E27FC236}">
+                <a16:creationId xmlns:a16="http://schemas.microsoft.com/office/drawing/2014/main" id="{A6F1D943-F76D-E3B6-1731-713FFA46E7C9}"/>
+              </a:ext>
+            </a:extLst>
+          </p:cNvPr>
+          <p:cNvGraphicFramePr>
+            <a:graphicFrameLocks noGrp="1"/>
+          </p:cNvGraphicFramePr>
+          <p:nvPr>
+            <p:extLst>
+              <p:ext uri="{D42A27DB-BD31-4B8C-83A1-F6EECF244321}">
+                <p14:modId xmlns:p14="http://schemas.microsoft.com/office/powerpoint/2010/main" val="2465979735"/>
+              </p:ext>
+            </p:extLst>
+          </p:nvPr>
+        </p:nvGraphicFramePr>
+        <p:xfrm>
+          <a:off x="1010013" y="21276913"/>
+          <a:ext cx="9120198" cy="1048697"/>
+        </p:xfrm>
+        <a:graphic>
+          <a:graphicData uri="http://schemas.openxmlformats.org/drawingml/2006/table">
+            <a:tbl>
+              <a:tblPr firstRow="1" bandRow="1">
+                <a:tableStyleId>{5C22544A-7EE6-4342-B048-85BDC9FD1C3A}</a:tableStyleId>
+              </a:tblPr>
+              <a:tblGrid>
+                <a:gridCol w="1520033">
+                  <a:extLst>
+                    <a:ext uri="{9D8B030D-6E8A-4147-A177-3AD203B41FA5}">
+                      <a16:colId xmlns:a16="http://schemas.microsoft.com/office/drawing/2014/main" val="1615667550"/>
+                    </a:ext>
+                  </a:extLst>
+                </a:gridCol>
+                <a:gridCol w="1520033">
+                  <a:extLst>
+                    <a:ext uri="{9D8B030D-6E8A-4147-A177-3AD203B41FA5}">
+                      <a16:colId xmlns:a16="http://schemas.microsoft.com/office/drawing/2014/main" val="4275749522"/>
+                    </a:ext>
+                  </a:extLst>
+                </a:gridCol>
+                <a:gridCol w="1520033">
+                  <a:extLst>
+                    <a:ext uri="{9D8B030D-6E8A-4147-A177-3AD203B41FA5}">
+                      <a16:colId xmlns:a16="http://schemas.microsoft.com/office/drawing/2014/main" val="1874141325"/>
+                    </a:ext>
+                  </a:extLst>
+                </a:gridCol>
+                <a:gridCol w="1520033">
+                  <a:extLst>
+                    <a:ext uri="{9D8B030D-6E8A-4147-A177-3AD203B41FA5}">
+                      <a16:colId xmlns:a16="http://schemas.microsoft.com/office/drawing/2014/main" val="1222149473"/>
+                    </a:ext>
+                  </a:extLst>
+                </a:gridCol>
+                <a:gridCol w="1520033">
+                  <a:extLst>
+                    <a:ext uri="{9D8B030D-6E8A-4147-A177-3AD203B41FA5}">
+                      <a16:colId xmlns:a16="http://schemas.microsoft.com/office/drawing/2014/main" val="2958971081"/>
+                    </a:ext>
+                  </a:extLst>
+                </a:gridCol>
+                <a:gridCol w="1520033">
+                  <a:extLst>
+                    <a:ext uri="{9D8B030D-6E8A-4147-A177-3AD203B41FA5}">
+                      <a16:colId xmlns:a16="http://schemas.microsoft.com/office/drawing/2014/main" val="829083447"/>
+                    </a:ext>
+                  </a:extLst>
+                </a:gridCol>
+              </a:tblGrid>
+              <a:tr h="384698">
+                <a:tc>
+                  <a:txBody>
+                    <a:bodyPr/>
+                    <a:lstStyle/>
+                    <a:p>
+                      <a:pPr algn="ctr"/>
+                      <a:endParaRPr lang="en-GB"/>
+                    </a:p>
+                  </a:txBody>
+                  <a:tcPr anchor="ctr"/>
+                </a:tc>
+                <a:tc>
+                  <a:txBody>
+                    <a:bodyPr/>
+                    <a:lstStyle/>
+                    <a:p>
+                      <a:pPr marL="0" marR="0" lvl="0" indent="0" algn="ctr" defTabSz="914400" rtl="0" eaLnBrk="1" fontAlgn="auto" latinLnBrk="0" hangingPunct="1">
+                        <a:lnSpc>
+                          <a:spcPct val="100000"/>
+                        </a:lnSpc>
+                        <a:spcBef>
+                          <a:spcPts val="0"/>
+                        </a:spcBef>
+                        <a:spcAft>
+                          <a:spcPts val="0"/>
+                        </a:spcAft>
+                        <a:buClrTx/>
+                        <a:buSzTx/>
+                        <a:buFontTx/>
+                        <a:buNone/>
+                        <a:tabLst/>
+                        <a:defRPr/>
+                      </a:pPr>
+                      <a:r>
+                        <a:rPr lang="en-US" b="1" dirty="0"/>
+                        <a:t>Target 1 (</a:t>
+                      </a:r>
+                      <a:r>
+                        <a:rPr lang="en-GB" sz="1800" b="1" i="0" kern="1200" dirty="0">
+                          <a:solidFill>
+                            <a:schemeClr val="bg1"/>
+                          </a:solidFill>
+                          <a:effectLst/>
+                          <a:latin typeface="+mn-lt"/>
+                          <a:ea typeface="+mn-ea"/>
+                          <a:cs typeface="+mn-cs"/>
+                        </a:rPr>
+                        <a:t>m</a:t>
+                      </a:r>
+                      <a:r>
+                        <a:rPr lang="en-US" b="1" dirty="0"/>
+                        <a:t>)</a:t>
+                      </a:r>
+                      <a:endParaRPr lang="en-GB" b="1" dirty="0"/>
+                    </a:p>
+                  </a:txBody>
+                  <a:tcPr anchor="ctr"/>
+                </a:tc>
+                <a:tc>
+                  <a:txBody>
+                    <a:bodyPr/>
+                    <a:lstStyle/>
+                    <a:p>
+                      <a:pPr marL="0" marR="0" lvl="0" indent="0" algn="ctr" defTabSz="914400" rtl="0" eaLnBrk="1" fontAlgn="auto" latinLnBrk="0" hangingPunct="1">
+                        <a:lnSpc>
+                          <a:spcPct val="100000"/>
+                        </a:lnSpc>
+                        <a:spcBef>
+                          <a:spcPts val="0"/>
+                        </a:spcBef>
+                        <a:spcAft>
+                          <a:spcPts val="0"/>
+                        </a:spcAft>
+                        <a:buClrTx/>
+                        <a:buSzTx/>
+                        <a:buFontTx/>
+                        <a:buNone/>
+                        <a:tabLst/>
+                        <a:defRPr/>
+                      </a:pPr>
+                      <a:r>
+                        <a:rPr lang="en-US" b="1" dirty="0"/>
+                        <a:t>Target 2 (</a:t>
+                      </a:r>
+                      <a:r>
+                        <a:rPr lang="en-GB" sz="1800" b="1" i="0" kern="1200" dirty="0">
+                          <a:solidFill>
+                            <a:schemeClr val="bg1"/>
+                          </a:solidFill>
+                          <a:effectLst/>
+                          <a:latin typeface="+mn-lt"/>
+                          <a:ea typeface="+mn-ea"/>
+                          <a:cs typeface="+mn-cs"/>
+                        </a:rPr>
+                        <a:t>m</a:t>
+                      </a:r>
+                      <a:r>
+                        <a:rPr lang="en-US" b="1" dirty="0"/>
+                        <a:t>)</a:t>
+                      </a:r>
+                      <a:endParaRPr lang="en-GB" b="1" dirty="0"/>
+                    </a:p>
+                  </a:txBody>
+                  <a:tcPr anchor="ctr"/>
+                </a:tc>
+                <a:tc>
+                  <a:txBody>
+                    <a:bodyPr/>
+                    <a:lstStyle/>
+                    <a:p>
+                      <a:pPr marL="0" marR="0" lvl="0" indent="0" algn="ctr" defTabSz="914400" rtl="0" eaLnBrk="1" fontAlgn="auto" latinLnBrk="0" hangingPunct="1">
+                        <a:lnSpc>
+                          <a:spcPct val="100000"/>
+                        </a:lnSpc>
+                        <a:spcBef>
+                          <a:spcPts val="0"/>
+                        </a:spcBef>
+                        <a:spcAft>
+                          <a:spcPts val="0"/>
+                        </a:spcAft>
+                        <a:buClrTx/>
+                        <a:buSzTx/>
+                        <a:buFontTx/>
+                        <a:buNone/>
+                        <a:tabLst/>
+                        <a:defRPr/>
+                      </a:pPr>
+                      <a:r>
+                        <a:rPr lang="en-US" b="1" dirty="0"/>
+                        <a:t>Target 3 (</a:t>
+                      </a:r>
+                      <a:r>
+                        <a:rPr lang="en-GB" sz="1800" b="1" i="0" kern="1200" dirty="0">
+                          <a:solidFill>
+                            <a:schemeClr val="bg1"/>
+                          </a:solidFill>
+                          <a:effectLst/>
+                          <a:latin typeface="+mn-lt"/>
+                          <a:ea typeface="+mn-ea"/>
+                          <a:cs typeface="+mn-cs"/>
+                        </a:rPr>
+                        <a:t>m</a:t>
+                      </a:r>
+                      <a:r>
+                        <a:rPr lang="en-US" b="1" dirty="0"/>
+                        <a:t>)</a:t>
+                      </a:r>
+                      <a:endParaRPr lang="en-GB" b="1" dirty="0"/>
+                    </a:p>
+                  </a:txBody>
+                  <a:tcPr anchor="ctr"/>
+                </a:tc>
+                <a:tc>
+                  <a:txBody>
+                    <a:bodyPr/>
+                    <a:lstStyle/>
+                    <a:p>
+                      <a:pPr marL="0" marR="0" lvl="0" indent="0" algn="ctr" defTabSz="914400" rtl="0" eaLnBrk="1" fontAlgn="auto" latinLnBrk="0" hangingPunct="1">
+                        <a:lnSpc>
+                          <a:spcPct val="100000"/>
+                        </a:lnSpc>
+                        <a:spcBef>
+                          <a:spcPts val="0"/>
+                        </a:spcBef>
+                        <a:spcAft>
+                          <a:spcPts val="0"/>
+                        </a:spcAft>
+                        <a:buClrTx/>
+                        <a:buSzTx/>
+                        <a:buFontTx/>
+                        <a:buNone/>
+                        <a:tabLst/>
+                        <a:defRPr/>
+                      </a:pPr>
+                      <a:r>
+                        <a:rPr lang="en-US" b="1" dirty="0"/>
+                        <a:t>Target 4 (</a:t>
+                      </a:r>
+                      <a:r>
+                        <a:rPr lang="en-GB" sz="1800" b="1" i="0" kern="1200" dirty="0">
+                          <a:solidFill>
+                            <a:schemeClr val="bg1"/>
+                          </a:solidFill>
+                          <a:effectLst/>
+                          <a:latin typeface="+mn-lt"/>
+                          <a:ea typeface="+mn-ea"/>
+                          <a:cs typeface="+mn-cs"/>
+                        </a:rPr>
+                        <a:t>m</a:t>
+                      </a:r>
+                      <a:r>
+                        <a:rPr lang="en-US" b="1" dirty="0"/>
+                        <a:t>)</a:t>
+                      </a:r>
+                      <a:endParaRPr lang="en-GB" b="1" dirty="0"/>
+                    </a:p>
+                  </a:txBody>
+                  <a:tcPr anchor="ctr"/>
+                </a:tc>
+                <a:tc>
+                  <a:txBody>
+                    <a:bodyPr/>
+                    <a:lstStyle/>
+                    <a:p>
+                      <a:pPr marL="0" marR="0" lvl="0" indent="0" algn="ctr" defTabSz="914400" rtl="0" eaLnBrk="1" fontAlgn="auto" latinLnBrk="0" hangingPunct="1">
+                        <a:lnSpc>
+                          <a:spcPct val="100000"/>
+                        </a:lnSpc>
+                        <a:spcBef>
+                          <a:spcPts val="0"/>
+                        </a:spcBef>
+                        <a:spcAft>
+                          <a:spcPts val="0"/>
+                        </a:spcAft>
+                        <a:buClrTx/>
+                        <a:buSzTx/>
+                        <a:buFontTx/>
+                        <a:buNone/>
+                        <a:tabLst/>
+                        <a:defRPr/>
+                      </a:pPr>
+                      <a:r>
+                        <a:rPr lang="en-US" b="1" dirty="0"/>
+                        <a:t>Target 5 (</a:t>
+                      </a:r>
+                      <a:r>
+                        <a:rPr lang="en-GB" sz="1800" b="1" i="0" kern="1200" dirty="0">
+                          <a:solidFill>
+                            <a:schemeClr val="bg1"/>
+                          </a:solidFill>
+                          <a:effectLst/>
+                          <a:latin typeface="+mn-lt"/>
+                          <a:ea typeface="+mn-ea"/>
+                          <a:cs typeface="+mn-cs"/>
+                        </a:rPr>
+                        <a:t>m</a:t>
+                      </a:r>
+                      <a:r>
+                        <a:rPr lang="en-US" b="1" dirty="0"/>
+                        <a:t>)</a:t>
+                      </a:r>
+                      <a:endParaRPr lang="en-GB" b="1" dirty="0"/>
+                    </a:p>
+                  </a:txBody>
+                  <a:tcPr anchor="ctr"/>
+                </a:tc>
+                <a:extLst>
+                  <a:ext uri="{0D108BD9-81ED-4DB2-BD59-A6C34878D82A}">
+                    <a16:rowId xmlns:a16="http://schemas.microsoft.com/office/drawing/2014/main" val="2388106271"/>
+                  </a:ext>
+                </a:extLst>
+              </a:tr>
+              <a:tr h="663999">
+                <a:tc>
+                  <a:txBody>
+                    <a:bodyPr/>
+                    <a:lstStyle/>
+                    <a:p>
+                      <a:pPr marL="0" marR="0" lvl="0" indent="0" algn="ctr" defTabSz="914400" rtl="0" eaLnBrk="1" fontAlgn="auto" latinLnBrk="0" hangingPunct="1">
+                        <a:lnSpc>
+                          <a:spcPct val="100000"/>
+                        </a:lnSpc>
+                        <a:spcBef>
+                          <a:spcPts val="0"/>
+                        </a:spcBef>
+                        <a:spcAft>
+                          <a:spcPts val="0"/>
+                        </a:spcAft>
+                        <a:buClrTx/>
+                        <a:buSzTx/>
+                        <a:buFontTx/>
+                        <a:buNone/>
+                        <a:tabLst/>
+                        <a:defRPr/>
+                      </a:pPr>
+                      <a:r>
+                        <a:rPr lang="en-US" b="1" dirty="0"/>
+                        <a:t>Reference Trajectory</a:t>
+                      </a:r>
+                      <a:endParaRPr lang="en-GB" b="1" dirty="0"/>
+                    </a:p>
+                  </a:txBody>
+                  <a:tcPr anchor="ctr"/>
+                </a:tc>
+                <a:tc>
+                  <a:txBody>
+                    <a:bodyPr/>
+                    <a:lstStyle/>
+                    <a:p>
+                      <a:pPr marL="0" marR="0" lvl="0" indent="0" algn="ctr" defTabSz="914400" rtl="0" eaLnBrk="1" fontAlgn="auto" latinLnBrk="0" hangingPunct="1">
+                        <a:lnSpc>
+                          <a:spcPct val="100000"/>
+                        </a:lnSpc>
+                        <a:spcBef>
+                          <a:spcPts val="0"/>
+                        </a:spcBef>
+                        <a:spcAft>
+                          <a:spcPts val="0"/>
+                        </a:spcAft>
+                        <a:buClrTx/>
+                        <a:buSzTx/>
+                        <a:buFontTx/>
+                        <a:buNone/>
+                        <a:tabLst/>
+                        <a:defRPr/>
+                      </a:pPr>
+                      <a:r>
+                        <a:rPr lang="en-GB" sz="1800" b="0" i="0" kern="1200" dirty="0">
+                          <a:solidFill>
+                            <a:schemeClr val="dk1"/>
+                          </a:solidFill>
+                          <a:effectLst/>
+                          <a:latin typeface="+mn-lt"/>
+                          <a:ea typeface="+mn-ea"/>
+                          <a:cs typeface="+mn-cs"/>
+                        </a:rPr>
+                        <a:t>0.00012</a:t>
+                      </a:r>
+                    </a:p>
+                  </a:txBody>
+                  <a:tcPr anchor="ctr"/>
+                </a:tc>
+                <a:tc>
+                  <a:txBody>
+                    <a:bodyPr/>
+                    <a:lstStyle/>
+                    <a:p>
+                      <a:pPr marL="0" marR="0" lvl="0" indent="0" algn="ctr" defTabSz="914400" rtl="0" eaLnBrk="1" fontAlgn="auto" latinLnBrk="0" hangingPunct="1">
+                        <a:lnSpc>
+                          <a:spcPct val="100000"/>
+                        </a:lnSpc>
+                        <a:spcBef>
+                          <a:spcPts val="0"/>
+                        </a:spcBef>
+                        <a:spcAft>
+                          <a:spcPts val="0"/>
+                        </a:spcAft>
+                        <a:buClrTx/>
+                        <a:buSzTx/>
+                        <a:buFontTx/>
+                        <a:buNone/>
+                        <a:tabLst/>
+                        <a:defRPr/>
+                      </a:pPr>
+                      <a:r>
+                        <a:rPr lang="en-GB" sz="1800" b="0" i="0" kern="1200" dirty="0">
+                          <a:solidFill>
+                            <a:schemeClr val="dk1"/>
+                          </a:solidFill>
+                          <a:effectLst/>
+                          <a:latin typeface="+mn-lt"/>
+                          <a:ea typeface="+mn-ea"/>
+                          <a:cs typeface="+mn-cs"/>
+                        </a:rPr>
+                        <a:t>0.00004</a:t>
+                      </a:r>
+                    </a:p>
+                  </a:txBody>
+                  <a:tcPr anchor="ctr"/>
+                </a:tc>
+                <a:tc>
+                  <a:txBody>
+                    <a:bodyPr/>
+                    <a:lstStyle/>
+                    <a:p>
+                      <a:pPr marL="0" marR="0" lvl="0" indent="0" algn="ctr" defTabSz="914400" rtl="0" eaLnBrk="1" fontAlgn="auto" latinLnBrk="0" hangingPunct="1">
+                        <a:lnSpc>
+                          <a:spcPct val="100000"/>
+                        </a:lnSpc>
+                        <a:spcBef>
+                          <a:spcPts val="0"/>
+                        </a:spcBef>
+                        <a:spcAft>
+                          <a:spcPts val="0"/>
+                        </a:spcAft>
+                        <a:buClrTx/>
+                        <a:buSzTx/>
+                        <a:buFontTx/>
+                        <a:buNone/>
+                        <a:tabLst/>
+                        <a:defRPr/>
+                      </a:pPr>
+                      <a:r>
+                        <a:rPr lang="en-GB" sz="1800" b="0" i="0" kern="1200" dirty="0">
+                          <a:solidFill>
+                            <a:schemeClr val="dk1"/>
+                          </a:solidFill>
+                          <a:effectLst/>
+                          <a:latin typeface="+mn-lt"/>
+                          <a:ea typeface="+mn-ea"/>
+                          <a:cs typeface="+mn-cs"/>
+                        </a:rPr>
+                        <a:t>0.00021</a:t>
+                      </a:r>
+                    </a:p>
+                  </a:txBody>
+                  <a:tcPr anchor="ctr"/>
+                </a:tc>
+                <a:tc>
+                  <a:txBody>
+                    <a:bodyPr/>
+                    <a:lstStyle/>
+                    <a:p>
+                      <a:pPr marL="0" marR="0" lvl="0" indent="0" algn="ctr" defTabSz="914400" rtl="0" eaLnBrk="1" fontAlgn="auto" latinLnBrk="0" hangingPunct="1">
+                        <a:lnSpc>
+                          <a:spcPct val="100000"/>
+                        </a:lnSpc>
+                        <a:spcBef>
+                          <a:spcPts val="0"/>
+                        </a:spcBef>
+                        <a:spcAft>
+                          <a:spcPts val="0"/>
+                        </a:spcAft>
+                        <a:buClrTx/>
+                        <a:buSzTx/>
+                        <a:buFontTx/>
+                        <a:buNone/>
+                        <a:tabLst/>
+                        <a:defRPr/>
+                      </a:pPr>
+                      <a:r>
+                        <a:rPr lang="en-GB" sz="1800" b="0" i="0" kern="1200" dirty="0">
+                          <a:solidFill>
+                            <a:schemeClr val="dk1"/>
+                          </a:solidFill>
+                          <a:effectLst/>
+                          <a:latin typeface="+mn-lt"/>
+                          <a:ea typeface="+mn-ea"/>
+                          <a:cs typeface="+mn-cs"/>
+                        </a:rPr>
+                        <a:t>0.00012</a:t>
+                      </a:r>
+                    </a:p>
+                  </a:txBody>
+                  <a:tcPr anchor="ctr"/>
+                </a:tc>
+                <a:tc>
+                  <a:txBody>
+                    <a:bodyPr/>
+                    <a:lstStyle/>
+                    <a:p>
+                      <a:pPr marL="0" marR="0" lvl="0" indent="0" algn="ctr" defTabSz="914400" rtl="0" eaLnBrk="1" fontAlgn="auto" latinLnBrk="0" hangingPunct="1">
+                        <a:lnSpc>
+                          <a:spcPct val="100000"/>
+                        </a:lnSpc>
+                        <a:spcBef>
+                          <a:spcPts val="0"/>
+                        </a:spcBef>
+                        <a:spcAft>
+                          <a:spcPts val="0"/>
+                        </a:spcAft>
+                        <a:buClrTx/>
+                        <a:buSzTx/>
+                        <a:buFontTx/>
+                        <a:buNone/>
+                        <a:tabLst/>
+                        <a:defRPr/>
+                      </a:pPr>
+                      <a:r>
+                        <a:rPr lang="en-GB" sz="1800" b="0" i="0" kern="1200" dirty="0">
+                          <a:solidFill>
+                            <a:schemeClr val="dk1"/>
+                          </a:solidFill>
+                          <a:effectLst/>
+                          <a:latin typeface="+mn-lt"/>
+                          <a:ea typeface="+mn-ea"/>
+                          <a:cs typeface="+mn-cs"/>
+                        </a:rPr>
+                        <a:t>0.00025</a:t>
+                      </a:r>
+                    </a:p>
+                  </a:txBody>
+                  <a:tcPr anchor="ctr"/>
+                </a:tc>
+                <a:extLst>
+                  <a:ext uri="{0D108BD9-81ED-4DB2-BD59-A6C34878D82A}">
+                    <a16:rowId xmlns:a16="http://schemas.microsoft.com/office/drawing/2014/main" val="2229589503"/>
+                  </a:ext>
+                </a:extLst>
+              </a:tr>
+            </a:tbl>
+          </a:graphicData>
+        </a:graphic>
+      </p:graphicFrame>
+      <p:sp>
+        <p:nvSpPr>
+          <p:cNvPr id="7" name="TextBox 6">
+            <a:extLst>
+              <a:ext uri="{FF2B5EF4-FFF2-40B4-BE49-F238E27FC236}">
+                <a16:creationId xmlns:a16="http://schemas.microsoft.com/office/drawing/2014/main" id="{ECFCD4B0-2F50-6881-B1BF-D80AA94391A7}"/>
+              </a:ext>
+            </a:extLst>
+          </p:cNvPr>
+          <p:cNvSpPr txBox="1"/>
+          <p:nvPr/>
+        </p:nvSpPr>
+        <p:spPr bwMode="auto">
+          <a:xfrm>
+            <a:off x="1405668" y="20475162"/>
+            <a:ext cx="8286095" cy="766267"/>
+          </a:xfrm>
+          <a:prstGeom prst="rect">
+            <a:avLst/>
+          </a:prstGeom>
+          <a:noFill/>
+          <a:ln w="9525">
+            <a:noFill/>
+            <a:miter lim="800000"/>
+            <a:headEnd/>
+            <a:tailEnd/>
+          </a:ln>
+          <a:effectLst/>
+        </p:spPr>
+        <p:txBody>
+          <a:bodyPr wrap="square" lIns="0" tIns="0" rIns="0" bIns="0" rtlCol="0" anchor="ctr">
+            <a:spAutoFit/>
+          </a:bodyPr>
+          <a:lstStyle/>
+          <a:p>
+            <a:pPr marL="455613" indent="-455613" algn="ctr" defTabSz="2952750" eaLnBrk="0" hangingPunct="0">
+              <a:spcBef>
+                <a:spcPts val="4400"/>
+              </a:spcBef>
+              <a:spcAft>
+                <a:spcPts val="0"/>
+              </a:spcAft>
+              <a:buClr>
+                <a:schemeClr val="tx2"/>
+              </a:buClr>
+            </a:pPr>
+            <a:r>
+              <a:rPr lang="en-US" sz="2400" b="1" kern="0" dirty="0">
+                <a:solidFill>
+                  <a:schemeClr val="tx2"/>
+                </a:solidFill>
+                <a:latin typeface="Arial" panose="020B0604020202020204" pitchFamily="34" charset="0"/>
+                <a:cs typeface="Arial" panose="020B0604020202020204" pitchFamily="34" charset="0"/>
+              </a:rPr>
+              <a:t>Minimum Distance Between </a:t>
+            </a:r>
+          </a:p>
+          <a:p>
+            <a:pPr marL="252000" indent="-455613" algn="ctr" defTabSz="2952750" eaLnBrk="0" hangingPunct="0">
+              <a:spcBef>
+                <a:spcPts val="0"/>
+              </a:spcBef>
+              <a:spcAft>
+                <a:spcPts val="0"/>
+              </a:spcAft>
+              <a:buClr>
+                <a:schemeClr val="tx2"/>
+              </a:buClr>
+            </a:pPr>
+            <a:r>
+              <a:rPr lang="en-US" sz="2400" b="1" kern="0" dirty="0">
+                <a:solidFill>
+                  <a:schemeClr val="tx2"/>
+                </a:solidFill>
+                <a:latin typeface="Arial" panose="020B0604020202020204" pitchFamily="34" charset="0"/>
+                <a:cs typeface="Arial" panose="020B0604020202020204" pitchFamily="34" charset="0"/>
+              </a:rPr>
+              <a:t>Targets and Reference Trajectory</a:t>
+            </a:r>
+            <a:endParaRPr lang="en-GB" sz="2400" b="1" kern="0" dirty="0">
+              <a:solidFill>
+                <a:schemeClr val="tx2"/>
+              </a:solidFill>
+              <a:latin typeface="Arial" panose="020B0604020202020204" pitchFamily="34" charset="0"/>
+              <a:cs typeface="Arial" panose="020B0604020202020204" pitchFamily="34" charset="0"/>
+            </a:endParaRPr>
+          </a:p>
+        </p:txBody>
+      </p:sp>
+      <p:sp>
+        <p:nvSpPr>
+          <p:cNvPr id="9" name="TextBox 8">
+            <a:extLst>
+              <a:ext uri="{FF2B5EF4-FFF2-40B4-BE49-F238E27FC236}">
+                <a16:creationId xmlns:a16="http://schemas.microsoft.com/office/drawing/2014/main" id="{263350C3-32B4-2CDA-44C1-6FD49405D777}"/>
+              </a:ext>
+            </a:extLst>
+          </p:cNvPr>
+          <p:cNvSpPr txBox="1"/>
+          <p:nvPr/>
+        </p:nvSpPr>
+        <p:spPr bwMode="auto">
+          <a:xfrm>
+            <a:off x="11948160" y="20154175"/>
+            <a:ext cx="8195693" cy="861774"/>
+          </a:xfrm>
+          <a:prstGeom prst="rect">
+            <a:avLst/>
+          </a:prstGeom>
+          <a:noFill/>
+          <a:ln w="9525">
+            <a:noFill/>
+            <a:miter lim="800000"/>
+            <a:headEnd/>
+            <a:tailEnd/>
+          </a:ln>
+          <a:effectLst/>
+        </p:spPr>
+        <p:txBody>
+          <a:bodyPr wrap="square" lIns="0" tIns="0" rIns="0" bIns="0" rtlCol="0" anchor="ctr">
+            <a:spAutoFit/>
+          </a:bodyPr>
+          <a:lstStyle/>
+          <a:p>
+            <a:pPr marL="455613" indent="-455613" algn="ctr" defTabSz="2952750" eaLnBrk="0" hangingPunct="0">
+              <a:spcBef>
+                <a:spcPts val="4400"/>
+              </a:spcBef>
+              <a:spcAft>
+                <a:spcPts val="0"/>
+              </a:spcAft>
+              <a:buClr>
+                <a:schemeClr val="tx2"/>
+              </a:buClr>
+            </a:pPr>
+            <a:r>
+              <a:rPr lang="en-US" sz="2800" b="1" kern="0" dirty="0">
+                <a:solidFill>
+                  <a:schemeClr val="tx2"/>
+                </a:solidFill>
+                <a:latin typeface="Arial" panose="020B0604020202020204" pitchFamily="34" charset="0"/>
+                <a:cs typeface="Arial" panose="020B0604020202020204" pitchFamily="34" charset="0"/>
+              </a:rPr>
+              <a:t>Minimum Distance Between </a:t>
+            </a:r>
+          </a:p>
+          <a:p>
+            <a:pPr marL="252000" indent="-455613" algn="ctr" defTabSz="2952750" eaLnBrk="0" hangingPunct="0">
+              <a:spcBef>
+                <a:spcPts val="0"/>
+              </a:spcBef>
+              <a:spcAft>
+                <a:spcPts val="0"/>
+              </a:spcAft>
+              <a:buClr>
+                <a:schemeClr val="tx2"/>
+              </a:buClr>
+            </a:pPr>
+            <a:r>
+              <a:rPr lang="en-US" sz="2800" b="1" kern="0" dirty="0">
+                <a:solidFill>
+                  <a:schemeClr val="tx2"/>
+                </a:solidFill>
+                <a:latin typeface="Arial" panose="020B0604020202020204" pitchFamily="34" charset="0"/>
+                <a:cs typeface="Arial" panose="020B0604020202020204" pitchFamily="34" charset="0"/>
+              </a:rPr>
+              <a:t>Targets and Reference Trajectory</a:t>
+            </a:r>
+            <a:endParaRPr lang="en-GB" sz="2800" b="1" kern="0" dirty="0">
+              <a:solidFill>
+                <a:schemeClr val="tx2"/>
+              </a:solidFill>
+              <a:latin typeface="Arial" panose="020B0604020202020204" pitchFamily="34" charset="0"/>
+              <a:cs typeface="Arial" panose="020B0604020202020204" pitchFamily="34" charset="0"/>
+            </a:endParaRPr>
+          </a:p>
+        </p:txBody>
+      </p:sp>
+      <p:sp>
+        <p:nvSpPr>
+          <p:cNvPr id="20" name="TextBox 19">
+            <a:extLst>
+              <a:ext uri="{FF2B5EF4-FFF2-40B4-BE49-F238E27FC236}">
+                <a16:creationId xmlns:a16="http://schemas.microsoft.com/office/drawing/2014/main" id="{E2C40124-BB43-08E9-D4BF-19ECEC2C3041}"/>
+              </a:ext>
+            </a:extLst>
+          </p:cNvPr>
+          <p:cNvSpPr txBox="1"/>
+          <p:nvPr/>
+        </p:nvSpPr>
+        <p:spPr bwMode="auto">
+          <a:xfrm>
+            <a:off x="8356174" y="12774416"/>
+            <a:ext cx="3943227" cy="270715"/>
+          </a:xfrm>
+          <a:prstGeom prst="rect">
+            <a:avLst/>
+          </a:prstGeom>
+          <a:noFill/>
+          <a:ln w="9525">
+            <a:noFill/>
+            <a:miter lim="800000"/>
+            <a:headEnd/>
+            <a:tailEnd/>
+          </a:ln>
+          <a:effectLst/>
+        </p:spPr>
+        <p:txBody>
+          <a:bodyPr wrap="square" lIns="0" tIns="0" rIns="0" bIns="0" rtlCol="0">
+            <a:spAutoFit/>
+          </a:bodyPr>
+          <a:lstStyle/>
+          <a:p>
+            <a:pPr marL="455613" indent="-455613" algn="l" defTabSz="2952750" eaLnBrk="0" hangingPunct="0">
+              <a:lnSpc>
+                <a:spcPct val="105000"/>
+              </a:lnSpc>
+              <a:spcBef>
+                <a:spcPts val="4400"/>
+              </a:spcBef>
+              <a:spcAft>
+                <a:spcPts val="0"/>
+              </a:spcAft>
+              <a:buClr>
+                <a:schemeClr val="tx2"/>
+              </a:buClr>
+            </a:pPr>
+            <a:r>
+              <a:rPr lang="en-US" sz="1800" b="1" kern="0" dirty="0">
+                <a:solidFill>
+                  <a:schemeClr val="accent1"/>
+                </a:solidFill>
+                <a:latin typeface="Arial" panose="020B0604020202020204" pitchFamily="34" charset="0"/>
+                <a:cs typeface="Arial" panose="020B0604020202020204" pitchFamily="34" charset="0"/>
+              </a:rPr>
+              <a:t>Figure 1:</a:t>
+            </a:r>
+            <a:r>
+              <a:rPr lang="en-US" sz="1800" kern="0" dirty="0">
+                <a:solidFill>
+                  <a:schemeClr val="accent1"/>
+                </a:solidFill>
+                <a:latin typeface="Arial" panose="020B0604020202020204" pitchFamily="34" charset="0"/>
+                <a:cs typeface="Arial" panose="020B0604020202020204" pitchFamily="34" charset="0"/>
+              </a:rPr>
+              <a:t> Block diagram of the system</a:t>
+            </a:r>
+            <a:endParaRPr lang="en-GB" sz="1800" kern="0" dirty="0">
+              <a:solidFill>
+                <a:schemeClr val="accent1"/>
+              </a:solidFill>
+              <a:latin typeface="Arial" panose="020B0604020202020204" pitchFamily="34" charset="0"/>
+              <a:cs typeface="Arial" panose="020B0604020202020204" pitchFamily="34" charset="0"/>
+            </a:endParaRPr>
+          </a:p>
+        </p:txBody>
+      </p:sp>
+      <p:sp>
+        <p:nvSpPr>
+          <p:cNvPr id="21" name="TextBox 20">
+            <a:extLst>
+              <a:ext uri="{FF2B5EF4-FFF2-40B4-BE49-F238E27FC236}">
+                <a16:creationId xmlns:a16="http://schemas.microsoft.com/office/drawing/2014/main" id="{8FBF420D-0400-02B9-AF96-850CAF97BC36}"/>
+              </a:ext>
+            </a:extLst>
+          </p:cNvPr>
+          <p:cNvSpPr txBox="1"/>
+          <p:nvPr/>
+        </p:nvSpPr>
+        <p:spPr bwMode="auto">
+          <a:xfrm>
+            <a:off x="3341018" y="19982578"/>
+            <a:ext cx="3986723" cy="280831"/>
+          </a:xfrm>
+          <a:prstGeom prst="rect">
+            <a:avLst/>
+          </a:prstGeom>
+          <a:noFill/>
+          <a:ln w="9525">
+            <a:noFill/>
+            <a:miter lim="800000"/>
+            <a:headEnd/>
+            <a:tailEnd/>
+          </a:ln>
+          <a:effectLst/>
+        </p:spPr>
+        <p:txBody>
+          <a:bodyPr wrap="square" lIns="0" tIns="0" rIns="0" bIns="0" rtlCol="0">
+            <a:spAutoFit/>
+          </a:bodyPr>
+          <a:lstStyle/>
+          <a:p>
+            <a:pPr marL="455613" indent="-455613" algn="l" defTabSz="2952750" eaLnBrk="0" hangingPunct="0">
+              <a:lnSpc>
+                <a:spcPct val="105000"/>
+              </a:lnSpc>
+              <a:spcBef>
+                <a:spcPts val="4400"/>
+              </a:spcBef>
+              <a:spcAft>
+                <a:spcPts val="0"/>
+              </a:spcAft>
+              <a:buClr>
+                <a:schemeClr val="tx2"/>
+              </a:buClr>
+            </a:pPr>
+            <a:r>
+              <a:rPr lang="en-US" sz="1800" b="1" kern="0" dirty="0">
+                <a:solidFill>
+                  <a:schemeClr val="accent1"/>
+                </a:solidFill>
+                <a:latin typeface="Arial" panose="020B0604020202020204" pitchFamily="34" charset="0"/>
+                <a:cs typeface="Arial" panose="020B0604020202020204" pitchFamily="34" charset="0"/>
+              </a:rPr>
+              <a:t>Figure 2: </a:t>
+            </a:r>
+            <a:r>
+              <a:rPr lang="en-US" sz="1800" kern="0" dirty="0">
+                <a:solidFill>
+                  <a:schemeClr val="accent1"/>
+                </a:solidFill>
+                <a:latin typeface="Arial" panose="020B0604020202020204" pitchFamily="34" charset="0"/>
+                <a:cs typeface="Arial" panose="020B0604020202020204" pitchFamily="34" charset="0"/>
+              </a:rPr>
+              <a:t>Block diagram of the system</a:t>
+            </a:r>
+            <a:endParaRPr lang="en-GB" sz="1800" kern="0" dirty="0">
+              <a:solidFill>
+                <a:schemeClr val="accent1"/>
+              </a:solidFill>
+              <a:latin typeface="Arial" panose="020B0604020202020204" pitchFamily="34" charset="0"/>
+              <a:cs typeface="Arial" panose="020B0604020202020204" pitchFamily="34" charset="0"/>
+            </a:endParaRPr>
+          </a:p>
+        </p:txBody>
+      </p:sp>
+      <p:sp>
+        <p:nvSpPr>
+          <p:cNvPr id="22" name="TextBox 21">
+            <a:extLst>
+              <a:ext uri="{FF2B5EF4-FFF2-40B4-BE49-F238E27FC236}">
+                <a16:creationId xmlns:a16="http://schemas.microsoft.com/office/drawing/2014/main" id="{9CE0BD2B-30A1-2D2B-09C8-D011DBAA4C69}"/>
+              </a:ext>
+            </a:extLst>
+          </p:cNvPr>
+          <p:cNvSpPr txBox="1"/>
+          <p:nvPr/>
+        </p:nvSpPr>
+        <p:spPr bwMode="auto">
+          <a:xfrm>
+            <a:off x="3428386" y="22312086"/>
+            <a:ext cx="3986723" cy="280831"/>
+          </a:xfrm>
+          <a:prstGeom prst="rect">
+            <a:avLst/>
+          </a:prstGeom>
+          <a:noFill/>
+          <a:ln w="9525">
+            <a:noFill/>
+            <a:miter lim="800000"/>
+            <a:headEnd/>
+            <a:tailEnd/>
+          </a:ln>
+          <a:effectLst/>
+        </p:spPr>
+        <p:txBody>
+          <a:bodyPr wrap="square" lIns="0" tIns="0" rIns="0" bIns="0" rtlCol="0">
+            <a:spAutoFit/>
+          </a:bodyPr>
+          <a:lstStyle/>
+          <a:p>
+            <a:pPr marL="455613" indent="-455613" algn="l" defTabSz="2952750" eaLnBrk="0" hangingPunct="0">
+              <a:lnSpc>
+                <a:spcPct val="105000"/>
+              </a:lnSpc>
+              <a:spcBef>
+                <a:spcPts val="4400"/>
+              </a:spcBef>
+              <a:spcAft>
+                <a:spcPts val="0"/>
+              </a:spcAft>
+              <a:buClr>
+                <a:schemeClr val="tx2"/>
+              </a:buClr>
+            </a:pPr>
+            <a:r>
+              <a:rPr lang="en-US" sz="1800" b="1" kern="0" dirty="0">
+                <a:solidFill>
+                  <a:schemeClr val="accent1"/>
+                </a:solidFill>
+                <a:latin typeface="Arial" panose="020B0604020202020204" pitchFamily="34" charset="0"/>
+                <a:cs typeface="Arial" panose="020B0604020202020204" pitchFamily="34" charset="0"/>
+              </a:rPr>
+              <a:t>Table 1: </a:t>
+            </a:r>
+            <a:r>
+              <a:rPr lang="en-US" sz="1800" kern="0" dirty="0">
+                <a:solidFill>
+                  <a:schemeClr val="accent1"/>
+                </a:solidFill>
+                <a:latin typeface="Arial" panose="020B0604020202020204" pitchFamily="34" charset="0"/>
+                <a:cs typeface="Arial" panose="020B0604020202020204" pitchFamily="34" charset="0"/>
+              </a:rPr>
+              <a:t>Block diagram of the system</a:t>
+            </a:r>
+            <a:endParaRPr lang="en-GB" sz="1800" kern="0" dirty="0">
+              <a:solidFill>
+                <a:schemeClr val="accent1"/>
+              </a:solidFill>
+              <a:latin typeface="Arial" panose="020B0604020202020204" pitchFamily="34" charset="0"/>
+              <a:cs typeface="Arial" panose="020B0604020202020204" pitchFamily="34" charset="0"/>
+            </a:endParaRPr>
+          </a:p>
+        </p:txBody>
+      </p:sp>
+      <p:sp>
+        <p:nvSpPr>
+          <p:cNvPr id="24" name="TextBox 23">
+            <a:extLst>
+              <a:ext uri="{FF2B5EF4-FFF2-40B4-BE49-F238E27FC236}">
+                <a16:creationId xmlns:a16="http://schemas.microsoft.com/office/drawing/2014/main" id="{5E5FD1CF-121E-C768-6474-E4F704FDE3EC}"/>
+              </a:ext>
+            </a:extLst>
+          </p:cNvPr>
+          <p:cNvSpPr txBox="1"/>
+          <p:nvPr/>
+        </p:nvSpPr>
+        <p:spPr bwMode="auto">
+          <a:xfrm>
+            <a:off x="3428386" y="27958538"/>
+            <a:ext cx="3986723" cy="280831"/>
+          </a:xfrm>
+          <a:prstGeom prst="rect">
+            <a:avLst/>
+          </a:prstGeom>
+          <a:noFill/>
+          <a:ln w="9525">
+            <a:noFill/>
+            <a:miter lim="800000"/>
+            <a:headEnd/>
+            <a:tailEnd/>
+          </a:ln>
+          <a:effectLst/>
+        </p:spPr>
+        <p:txBody>
+          <a:bodyPr wrap="square" lIns="0" tIns="0" rIns="0" bIns="0" rtlCol="0">
+            <a:spAutoFit/>
+          </a:bodyPr>
+          <a:lstStyle/>
+          <a:p>
+            <a:pPr marL="455613" indent="-455613" algn="l" defTabSz="2952750" eaLnBrk="0" hangingPunct="0">
+              <a:lnSpc>
+                <a:spcPct val="105000"/>
+              </a:lnSpc>
+              <a:spcBef>
+                <a:spcPts val="4400"/>
+              </a:spcBef>
+              <a:spcAft>
+                <a:spcPts val="0"/>
+              </a:spcAft>
+              <a:buClr>
+                <a:schemeClr val="tx2"/>
+              </a:buClr>
+            </a:pPr>
+            <a:r>
+              <a:rPr lang="en-US" sz="1800" b="1" kern="0" dirty="0">
+                <a:solidFill>
+                  <a:schemeClr val="accent1"/>
+                </a:solidFill>
+                <a:latin typeface="Arial" panose="020B0604020202020204" pitchFamily="34" charset="0"/>
+                <a:cs typeface="Arial" panose="020B0604020202020204" pitchFamily="34" charset="0"/>
+              </a:rPr>
+              <a:t>Figure 3: </a:t>
+            </a:r>
+            <a:r>
+              <a:rPr lang="en-US" sz="1800" kern="0" dirty="0">
+                <a:solidFill>
+                  <a:schemeClr val="accent1"/>
+                </a:solidFill>
+                <a:latin typeface="Arial" panose="020B0604020202020204" pitchFamily="34" charset="0"/>
+                <a:cs typeface="Arial" panose="020B0604020202020204" pitchFamily="34" charset="0"/>
+              </a:rPr>
+              <a:t>Block diagram of the system</a:t>
+            </a:r>
+            <a:endParaRPr lang="en-GB" sz="1800" kern="0" dirty="0">
+              <a:solidFill>
+                <a:schemeClr val="accent1"/>
+              </a:solidFill>
+              <a:latin typeface="Arial" panose="020B0604020202020204" pitchFamily="34" charset="0"/>
+              <a:cs typeface="Arial" panose="020B0604020202020204" pitchFamily="34" charset="0"/>
+            </a:endParaRPr>
+          </a:p>
+        </p:txBody>
+      </p:sp>
+      <p:sp>
+        <p:nvSpPr>
+          <p:cNvPr id="26" name="TextBox 25">
+            <a:extLst>
+              <a:ext uri="{FF2B5EF4-FFF2-40B4-BE49-F238E27FC236}">
+                <a16:creationId xmlns:a16="http://schemas.microsoft.com/office/drawing/2014/main" id="{9E3D60BA-647B-93CE-AD51-9D2A35579BBA}"/>
+              </a:ext>
+            </a:extLst>
+          </p:cNvPr>
+          <p:cNvSpPr txBox="1"/>
+          <p:nvPr/>
+        </p:nvSpPr>
+        <p:spPr bwMode="auto">
+          <a:xfrm>
+            <a:off x="14074391" y="19913333"/>
+            <a:ext cx="3943227" cy="270715"/>
+          </a:xfrm>
+          <a:prstGeom prst="rect">
+            <a:avLst/>
+          </a:prstGeom>
+          <a:noFill/>
+          <a:ln w="9525">
+            <a:noFill/>
+            <a:miter lim="800000"/>
+            <a:headEnd/>
+            <a:tailEnd/>
+          </a:ln>
+          <a:effectLst/>
+        </p:spPr>
+        <p:txBody>
+          <a:bodyPr wrap="square" lIns="0" tIns="0" rIns="0" bIns="0" rtlCol="0">
+            <a:spAutoFit/>
+          </a:bodyPr>
+          <a:lstStyle/>
+          <a:p>
+            <a:pPr marL="455613" indent="-455613" algn="l" defTabSz="2952750" eaLnBrk="0" hangingPunct="0">
+              <a:lnSpc>
+                <a:spcPct val="105000"/>
+              </a:lnSpc>
+              <a:spcBef>
+                <a:spcPts val="4400"/>
+              </a:spcBef>
+              <a:spcAft>
+                <a:spcPts val="0"/>
+              </a:spcAft>
+              <a:buClr>
+                <a:schemeClr val="tx2"/>
+              </a:buClr>
+            </a:pPr>
+            <a:r>
+              <a:rPr lang="en-US" sz="1800" b="1" kern="0" dirty="0">
+                <a:solidFill>
+                  <a:schemeClr val="accent1"/>
+                </a:solidFill>
+                <a:latin typeface="Arial" panose="020B0604020202020204" pitchFamily="34" charset="0"/>
+                <a:cs typeface="Arial" panose="020B0604020202020204" pitchFamily="34" charset="0"/>
+              </a:rPr>
+              <a:t>Figure 4: </a:t>
+            </a:r>
+            <a:r>
+              <a:rPr lang="en-US" sz="1800" kern="0" dirty="0">
+                <a:solidFill>
+                  <a:schemeClr val="accent1"/>
+                </a:solidFill>
+                <a:latin typeface="Arial" panose="020B0604020202020204" pitchFamily="34" charset="0"/>
+                <a:cs typeface="Arial" panose="020B0604020202020204" pitchFamily="34" charset="0"/>
+              </a:rPr>
+              <a:t>Block diagram of the system</a:t>
+            </a:r>
+            <a:endParaRPr lang="en-GB" sz="1800" kern="0" dirty="0">
+              <a:solidFill>
+                <a:schemeClr val="accent1"/>
+              </a:solidFill>
+              <a:latin typeface="Arial" panose="020B0604020202020204" pitchFamily="34" charset="0"/>
+              <a:cs typeface="Arial" panose="020B0604020202020204" pitchFamily="34" charset="0"/>
+            </a:endParaRPr>
+          </a:p>
+        </p:txBody>
+      </p:sp>
+      <p:sp>
+        <p:nvSpPr>
+          <p:cNvPr id="27" name="TextBox 26">
+            <a:extLst>
+              <a:ext uri="{FF2B5EF4-FFF2-40B4-BE49-F238E27FC236}">
+                <a16:creationId xmlns:a16="http://schemas.microsoft.com/office/drawing/2014/main" id="{7C522614-49BB-747B-4B0B-90E75247DAA7}"/>
+              </a:ext>
+            </a:extLst>
+          </p:cNvPr>
+          <p:cNvSpPr txBox="1"/>
+          <p:nvPr/>
+        </p:nvSpPr>
+        <p:spPr bwMode="auto">
+          <a:xfrm>
+            <a:off x="14187212" y="27288476"/>
+            <a:ext cx="3943227" cy="270715"/>
+          </a:xfrm>
+          <a:prstGeom prst="rect">
+            <a:avLst/>
+          </a:prstGeom>
+          <a:noFill/>
+          <a:ln w="9525">
+            <a:noFill/>
+            <a:miter lim="800000"/>
+            <a:headEnd/>
+            <a:tailEnd/>
+          </a:ln>
+          <a:effectLst/>
+        </p:spPr>
+        <p:txBody>
+          <a:bodyPr wrap="square" lIns="0" tIns="0" rIns="0" bIns="0" rtlCol="0">
+            <a:spAutoFit/>
+          </a:bodyPr>
+          <a:lstStyle/>
+          <a:p>
+            <a:pPr marL="455613" indent="-455613" algn="l" defTabSz="2952750" eaLnBrk="0" hangingPunct="0">
+              <a:lnSpc>
+                <a:spcPct val="105000"/>
+              </a:lnSpc>
+              <a:spcBef>
+                <a:spcPts val="4400"/>
+              </a:spcBef>
+              <a:spcAft>
+                <a:spcPts val="0"/>
+              </a:spcAft>
+              <a:buClr>
+                <a:schemeClr val="tx2"/>
+              </a:buClr>
+            </a:pPr>
+            <a:r>
+              <a:rPr lang="en-US" sz="1800" b="1" kern="0" dirty="0">
+                <a:solidFill>
+                  <a:schemeClr val="accent1"/>
+                </a:solidFill>
+                <a:latin typeface="Arial" panose="020B0604020202020204" pitchFamily="34" charset="0"/>
+                <a:cs typeface="Arial" panose="020B0604020202020204" pitchFamily="34" charset="0"/>
+              </a:rPr>
+              <a:t>Figure 5: </a:t>
+            </a:r>
+            <a:r>
+              <a:rPr lang="en-US" sz="1800" kern="0" dirty="0">
+                <a:solidFill>
+                  <a:schemeClr val="accent1"/>
+                </a:solidFill>
+                <a:latin typeface="Arial" panose="020B0604020202020204" pitchFamily="34" charset="0"/>
+                <a:cs typeface="Arial" panose="020B0604020202020204" pitchFamily="34" charset="0"/>
+              </a:rPr>
+              <a:t>Block diagram of the system</a:t>
+            </a:r>
+            <a:endParaRPr lang="en-GB" sz="1800" kern="0" dirty="0">
+              <a:solidFill>
+                <a:schemeClr val="accent1"/>
+              </a:solidFill>
+              <a:latin typeface="Arial" panose="020B0604020202020204" pitchFamily="34" charset="0"/>
+              <a:cs typeface="Arial" panose="020B0604020202020204" pitchFamily="34" charset="0"/>
+            </a:endParaRPr>
+          </a:p>
+        </p:txBody>
+      </p:sp>
+      <p:sp>
+        <p:nvSpPr>
+          <p:cNvPr id="28" name="TextBox 27">
+            <a:extLst>
+              <a:ext uri="{FF2B5EF4-FFF2-40B4-BE49-F238E27FC236}">
+                <a16:creationId xmlns:a16="http://schemas.microsoft.com/office/drawing/2014/main" id="{B93E9063-743C-28C7-C3D8-B3F0B34B14F9}"/>
+              </a:ext>
+            </a:extLst>
+          </p:cNvPr>
+          <p:cNvSpPr txBox="1"/>
+          <p:nvPr/>
+        </p:nvSpPr>
+        <p:spPr bwMode="auto">
+          <a:xfrm>
+            <a:off x="13946953" y="21966796"/>
+            <a:ext cx="3943227" cy="270715"/>
+          </a:xfrm>
+          <a:prstGeom prst="rect">
+            <a:avLst/>
+          </a:prstGeom>
+          <a:noFill/>
+          <a:ln w="9525">
+            <a:noFill/>
+            <a:miter lim="800000"/>
+            <a:headEnd/>
+            <a:tailEnd/>
+          </a:ln>
+          <a:effectLst/>
+        </p:spPr>
+        <p:txBody>
+          <a:bodyPr wrap="square" lIns="0" tIns="0" rIns="0" bIns="0" rtlCol="0">
+            <a:spAutoFit/>
+          </a:bodyPr>
+          <a:lstStyle/>
+          <a:p>
+            <a:pPr marL="455613" indent="-455613" algn="l" defTabSz="2952750" eaLnBrk="0" hangingPunct="0">
+              <a:lnSpc>
+                <a:spcPct val="105000"/>
+              </a:lnSpc>
+              <a:spcBef>
+                <a:spcPts val="4400"/>
+              </a:spcBef>
+              <a:spcAft>
+                <a:spcPts val="0"/>
+              </a:spcAft>
+              <a:buClr>
+                <a:schemeClr val="tx2"/>
+              </a:buClr>
+            </a:pPr>
+            <a:r>
+              <a:rPr lang="en-US" sz="1800" b="1" kern="0" dirty="0">
+                <a:solidFill>
+                  <a:schemeClr val="accent1"/>
+                </a:solidFill>
+                <a:latin typeface="Arial" panose="020B0604020202020204" pitchFamily="34" charset="0"/>
+                <a:cs typeface="Arial" panose="020B0604020202020204" pitchFamily="34" charset="0"/>
+              </a:rPr>
+              <a:t>Table 2: </a:t>
+            </a:r>
+            <a:r>
+              <a:rPr lang="en-US" sz="1800" kern="0" dirty="0">
+                <a:solidFill>
+                  <a:schemeClr val="accent1"/>
+                </a:solidFill>
+                <a:latin typeface="Arial" panose="020B0604020202020204" pitchFamily="34" charset="0"/>
+                <a:cs typeface="Arial" panose="020B0604020202020204" pitchFamily="34" charset="0"/>
+              </a:rPr>
+              <a:t>Block diagram of the system</a:t>
+            </a:r>
+            <a:endParaRPr lang="en-GB" sz="1800" kern="0" dirty="0">
+              <a:solidFill>
+                <a:schemeClr val="accent1"/>
+              </a:solidFill>
+              <a:latin typeface="Arial" panose="020B0604020202020204" pitchFamily="34" charset="0"/>
+              <a:cs typeface="Arial" panose="020B0604020202020204" pitchFamily="34" charset="0"/>
+            </a:endParaRPr>
+          </a:p>
+        </p:txBody>
+      </p:sp>
+      <p:sp>
+        <p:nvSpPr>
+          <p:cNvPr id="2071" name="Rectangle: Rounded Corners 2070">
+            <a:extLst>
+              <a:ext uri="{FF2B5EF4-FFF2-40B4-BE49-F238E27FC236}">
+                <a16:creationId xmlns:a16="http://schemas.microsoft.com/office/drawing/2014/main" id="{25B2263C-15BF-D7F5-4072-BC439515AA37}"/>
+              </a:ext>
+            </a:extLst>
+          </p:cNvPr>
+          <p:cNvSpPr/>
+          <p:nvPr/>
+        </p:nvSpPr>
+        <p:spPr bwMode="auto">
+          <a:xfrm>
+            <a:off x="469915" y="4869855"/>
+            <a:ext cx="9560792" cy="3378843"/>
           </a:xfrm>
           <a:prstGeom prst="roundRect">
             <a:avLst/>
           </a:prstGeom>
           <a:solidFill>
             <a:schemeClr val="accent1">
-              <a:lumMod val="50000"/>
+              <a:lumMod val="20000"/>
+              <a:lumOff val="80000"/>
+            </a:schemeClr>
+          </a:solidFill>
+          <a:ln>
+            <a:headEnd type="none" w="med" len="med"/>
+            <a:tailEnd type="none" w="med" len="med"/>
+          </a:ln>
+        </p:spPr>
+        <p:style>
+          <a:lnRef idx="1">
+            <a:schemeClr val="accent2"/>
+          </a:lnRef>
+          <a:fillRef idx="2">
+            <a:schemeClr val="accent2"/>
+          </a:fillRef>
+          <a:effectRef idx="1">
+            <a:schemeClr val="accent2"/>
+          </a:effectRef>
+          <a:fontRef idx="minor">
+            <a:schemeClr val="dk1"/>
+          </a:fontRef>
+        </p:style>
+        <p:txBody>
+          <a:bodyPr vert="horz" wrap="none" lIns="91440" tIns="45720" rIns="91440" bIns="45720" numCol="1" rtlCol="0" anchor="ctr" anchorCtr="0" compatLnSpc="1">
+            <a:prstTxWarp prst="textNoShape">
+              <a:avLst/>
+            </a:prstTxWarp>
+          </a:bodyPr>
+          <a:lstStyle/>
+          <a:p>
+            <a:pPr marL="0" marR="0" indent="0" algn="l" defTabSz="2952750" rtl="0" eaLnBrk="1" fontAlgn="base" latinLnBrk="0" hangingPunct="1">
+              <a:lnSpc>
+                <a:spcPct val="100000"/>
+              </a:lnSpc>
+              <a:spcBef>
+                <a:spcPct val="0"/>
+              </a:spcBef>
+              <a:spcAft>
+                <a:spcPct val="0"/>
+              </a:spcAft>
+              <a:buClrTx/>
+              <a:buSzTx/>
+              <a:buFontTx/>
+              <a:buNone/>
+              <a:tabLst/>
+            </a:pPr>
+            <a:endParaRPr kumimoji="0" lang="en-GB" sz="1300" b="0" i="0" u="none" strike="noStrike" cap="none" normalizeH="0" baseline="0">
+              <a:ln>
+                <a:noFill/>
+              </a:ln>
+              <a:solidFill>
+                <a:schemeClr val="tx1"/>
+              </a:solidFill>
+              <a:effectLst/>
+              <a:latin typeface="Rdg Vesta" pitchFamily="2" charset="0"/>
+            </a:endParaRPr>
+          </a:p>
+        </p:txBody>
+      </p:sp>
+      <p:sp>
+        <p:nvSpPr>
+          <p:cNvPr id="8" name="Rectangle: Rounded Corners 7">
+            <a:extLst>
+              <a:ext uri="{FF2B5EF4-FFF2-40B4-BE49-F238E27FC236}">
+                <a16:creationId xmlns:a16="http://schemas.microsoft.com/office/drawing/2014/main" id="{852D986B-25EA-5CC7-082D-4BA66D6B293D}"/>
+              </a:ext>
+            </a:extLst>
+          </p:cNvPr>
+          <p:cNvSpPr/>
+          <p:nvPr/>
+        </p:nvSpPr>
+        <p:spPr bwMode="auto">
+          <a:xfrm>
+            <a:off x="360000" y="4686625"/>
+            <a:ext cx="9598478" cy="3378843"/>
+          </a:xfrm>
+          <a:prstGeom prst="roundRect">
+            <a:avLst/>
+          </a:prstGeom>
+          <a:solidFill>
+            <a:schemeClr val="bg1"/>
+          </a:solidFill>
+          <a:ln>
+            <a:solidFill>
+              <a:schemeClr val="bg1"/>
+            </a:solidFill>
+            <a:headEnd type="none" w="med" len="med"/>
+            <a:tailEnd type="none" w="med" len="med"/>
+          </a:ln>
+        </p:spPr>
+        <p:style>
+          <a:lnRef idx="0">
+            <a:schemeClr val="accent2"/>
+          </a:lnRef>
+          <a:fillRef idx="3">
+            <a:schemeClr val="accent2"/>
+          </a:fillRef>
+          <a:effectRef idx="3">
+            <a:schemeClr val="accent2"/>
+          </a:effectRef>
+          <a:fontRef idx="minor">
+            <a:schemeClr val="lt1"/>
+          </a:fontRef>
+        </p:style>
+        <p:txBody>
+          <a:bodyPr vert="horz" wrap="none" lIns="91440" tIns="45720" rIns="91440" bIns="45720" numCol="1" rtlCol="0" anchor="ctr" anchorCtr="0" compatLnSpc="1">
+            <a:prstTxWarp prst="textNoShape">
+              <a:avLst/>
+            </a:prstTxWarp>
+          </a:bodyPr>
+          <a:lstStyle/>
+          <a:p>
+            <a:pPr marL="0" marR="0" indent="0" algn="l" defTabSz="2952750" rtl="0" eaLnBrk="1" fontAlgn="base" latinLnBrk="0" hangingPunct="1">
+              <a:lnSpc>
+                <a:spcPct val="100000"/>
+              </a:lnSpc>
+              <a:spcBef>
+                <a:spcPct val="0"/>
+              </a:spcBef>
+              <a:spcAft>
+                <a:spcPct val="0"/>
+              </a:spcAft>
+              <a:buClrTx/>
+              <a:buSzTx/>
+              <a:buFontTx/>
+              <a:buNone/>
+              <a:tabLst/>
+            </a:pPr>
+            <a:endParaRPr kumimoji="0" lang="en-GB" sz="1300" b="0" i="0" u="none" strike="noStrike" cap="none" normalizeH="0" baseline="0" dirty="0">
+              <a:ln>
+                <a:noFill/>
+              </a:ln>
+              <a:solidFill>
+                <a:schemeClr val="tx1"/>
+              </a:solidFill>
+              <a:effectLst/>
+              <a:latin typeface="Rdg Vesta" pitchFamily="2" charset="0"/>
+            </a:endParaRPr>
+          </a:p>
+        </p:txBody>
+      </p:sp>
+      <p:sp>
+        <p:nvSpPr>
+          <p:cNvPr id="14" name="Rectangle 3">
+            <a:extLst>
+              <a:ext uri="{FF2B5EF4-FFF2-40B4-BE49-F238E27FC236}">
+                <a16:creationId xmlns:a16="http://schemas.microsoft.com/office/drawing/2014/main" id="{16280F50-CCF4-8D92-96A6-C1EE5AC24CFE}"/>
+              </a:ext>
+            </a:extLst>
+          </p:cNvPr>
+          <p:cNvSpPr>
+            <a:spLocks noChangeArrowheads="1"/>
+          </p:cNvSpPr>
+          <p:nvPr/>
+        </p:nvSpPr>
+        <p:spPr bwMode="auto">
+          <a:xfrm>
+            <a:off x="460137" y="5054388"/>
+            <a:ext cx="9498341" cy="2185214"/>
+          </a:xfrm>
+          <a:prstGeom prst="rect">
+            <a:avLst/>
+          </a:prstGeom>
+          <a:noFill/>
+          <a:ln>
+            <a:noFill/>
+          </a:ln>
+          <a:effectLst/>
+          <a:extLst>
+            <a:ext uri="{909E8E84-426E-40DD-AFC4-6F175D3DCCD1}">
+              <a14:hiddenFill xmlns:a14="http://schemas.microsoft.com/office/drawing/2010/main">
+                <a:solidFill>
+                  <a:schemeClr val="accent1"/>
+                </a:solidFill>
+              </a14:hiddenFill>
+            </a:ext>
+            <a:ext uri="{91240B29-F687-4F45-9708-019B960494DF}">
+              <a14:hiddenLine xmlns:a14="http://schemas.microsoft.com/office/drawing/2010/main" w="9525">
+                <a:solidFill>
+                  <a:schemeClr val="tx1"/>
+                </a:solidFill>
+                <a:miter lim="800000"/>
+                <a:headEnd/>
+                <a:tailEnd/>
+              </a14:hiddenLine>
+            </a:ext>
+            <a:ext uri="{AF507438-7753-43E0-B8FC-AC1667EBCBE1}">
+              <a14:hiddenEffects xmlns:a14="http://schemas.microsoft.com/office/drawing/2010/main">
+                <a:effectLst>
+                  <a:outerShdw dist="35921" dir="2700000" algn="ctr" rotWithShape="0">
+                    <a:schemeClr val="bg2"/>
+                  </a:outerShdw>
+                </a:effectLst>
+              </a14:hiddenEffects>
+            </a:ext>
+          </a:extLst>
+        </p:spPr>
+        <p:txBody>
+          <a:bodyPr vert="horz" wrap="square" lIns="91440" tIns="45720" rIns="91440" bIns="45720" numCol="1" anchor="ctr" anchorCtr="0" compatLnSpc="1">
+            <a:prstTxWarp prst="textNoShape">
+              <a:avLst/>
+            </a:prstTxWarp>
+            <a:spAutoFit/>
+          </a:bodyPr>
+          <a:lstStyle/>
+          <a:p>
+            <a:pPr marL="0" marR="0" lvl="0" indent="0" algn="just" defTabSz="914400" rtl="0" eaLnBrk="0" fontAlgn="base" latinLnBrk="0" hangingPunct="0">
+              <a:lnSpc>
+                <a:spcPct val="100000"/>
+              </a:lnSpc>
+              <a:spcBef>
+                <a:spcPct val="0"/>
+              </a:spcBef>
+              <a:spcAft>
+                <a:spcPct val="0"/>
+              </a:spcAft>
+              <a:buClrTx/>
+              <a:buSzTx/>
+              <a:buFontTx/>
+              <a:buNone/>
+              <a:tabLst/>
+            </a:pPr>
+            <a:r>
+              <a:rPr kumimoji="0" lang="en-US" altLang="en-US" sz="1700" b="0" i="0" u="none" strike="noStrike" cap="none" normalizeH="0" baseline="0" dirty="0">
+                <a:ln>
+                  <a:noFill/>
+                </a:ln>
+                <a:solidFill>
+                  <a:schemeClr val="tx1"/>
+                </a:solidFill>
+                <a:effectLst/>
+                <a:latin typeface="Arial" panose="020B0604020202020204" pitchFamily="34" charset="0"/>
+              </a:rPr>
+              <a:t>Trajectory generation is critical to robotic motion planning, yet conventional kinematic methods often ignore robot dynamics, actuator limits, and controller effects, leading to trajectories that are infeasible in practice. </a:t>
+            </a:r>
+          </a:p>
+          <a:p>
+            <a:pPr marL="0" marR="0" lvl="0" indent="0" algn="just" defTabSz="914400" rtl="0" eaLnBrk="0" fontAlgn="base" latinLnBrk="0" hangingPunct="0">
+              <a:lnSpc>
+                <a:spcPct val="100000"/>
+              </a:lnSpc>
+              <a:spcBef>
+                <a:spcPct val="0"/>
+              </a:spcBef>
+              <a:spcAft>
+                <a:spcPct val="0"/>
+              </a:spcAft>
+              <a:buClrTx/>
+              <a:buSzTx/>
+              <a:buFontTx/>
+              <a:buNone/>
+              <a:tabLst/>
+            </a:pPr>
+            <a:endParaRPr kumimoji="0" lang="en-US" altLang="en-US" sz="1700" b="0" i="0" u="none" strike="noStrike" cap="none" normalizeH="0" baseline="0" dirty="0">
+              <a:ln>
+                <a:noFill/>
+              </a:ln>
+              <a:solidFill>
+                <a:schemeClr val="tx1"/>
+              </a:solidFill>
+              <a:effectLst/>
+              <a:latin typeface="Arial" panose="020B0604020202020204" pitchFamily="34" charset="0"/>
+            </a:endParaRPr>
+          </a:p>
+          <a:p>
+            <a:pPr marL="0" marR="0" lvl="0" indent="0" algn="just" defTabSz="914400" rtl="0" eaLnBrk="0" fontAlgn="base" latinLnBrk="0" hangingPunct="0">
+              <a:lnSpc>
+                <a:spcPct val="100000"/>
+              </a:lnSpc>
+              <a:spcBef>
+                <a:spcPct val="0"/>
+              </a:spcBef>
+              <a:spcAft>
+                <a:spcPct val="0"/>
+              </a:spcAft>
+              <a:buClrTx/>
+              <a:buSzTx/>
+              <a:buFontTx/>
+              <a:buNone/>
+              <a:tabLst/>
+            </a:pPr>
+            <a:r>
+              <a:rPr kumimoji="0" lang="en-US" altLang="en-US" sz="1700" b="0" i="0" u="none" strike="noStrike" cap="none" normalizeH="0" baseline="0" dirty="0">
+                <a:ln>
+                  <a:noFill/>
+                </a:ln>
+                <a:solidFill>
+                  <a:schemeClr val="tx1"/>
+                </a:solidFill>
+                <a:effectLst/>
+                <a:latin typeface="Arial" panose="020B0604020202020204" pitchFamily="34" charset="0"/>
+              </a:rPr>
+              <a:t>This work proposes a </a:t>
+            </a:r>
+            <a:r>
+              <a:rPr kumimoji="0" lang="en-US" altLang="en-US" sz="1700" b="1" i="0" u="none" strike="noStrike" cap="none" normalizeH="0" baseline="0" dirty="0">
+                <a:ln>
+                  <a:noFill/>
+                </a:ln>
+                <a:solidFill>
+                  <a:schemeClr val="tx1"/>
+                </a:solidFill>
+                <a:effectLst/>
+                <a:latin typeface="Arial" panose="020B0604020202020204" pitchFamily="34" charset="0"/>
+              </a:rPr>
+              <a:t>dynamics-aware relaxed trajectory</a:t>
+            </a:r>
+            <a:r>
+              <a:rPr kumimoji="0" lang="en-US" altLang="en-US" sz="1700" b="0" i="0" u="none" strike="noStrike" cap="none" normalizeH="0" baseline="0" dirty="0">
+                <a:ln>
+                  <a:noFill/>
+                </a:ln>
+                <a:solidFill>
+                  <a:schemeClr val="tx1"/>
+                </a:solidFill>
+                <a:effectLst/>
+                <a:latin typeface="Arial" panose="020B0604020202020204" pitchFamily="34" charset="0"/>
+              </a:rPr>
+              <a:t> optimization framework that explicitly incorporates robot dynamics, actuator constraints, prefilter, and PD control into trajectory generation. The method simultaneously optimizes and deforms trajectories to ensure dynamic feasibility while enabling controlled trajectory speed-up.</a:t>
+            </a:r>
+          </a:p>
+        </p:txBody>
+      </p:sp>
+      <p:sp>
+        <p:nvSpPr>
+          <p:cNvPr id="11" name="Rectangle: Rounded Corners 10">
+            <a:extLst>
+              <a:ext uri="{FF2B5EF4-FFF2-40B4-BE49-F238E27FC236}">
+                <a16:creationId xmlns:a16="http://schemas.microsoft.com/office/drawing/2014/main" id="{B9B3C23A-9D39-DEB5-CD2D-6045FDB68768}"/>
+              </a:ext>
+            </a:extLst>
+          </p:cNvPr>
+          <p:cNvSpPr/>
+          <p:nvPr/>
+        </p:nvSpPr>
+        <p:spPr bwMode="auto">
+          <a:xfrm>
+            <a:off x="3526222" y="4153753"/>
+            <a:ext cx="3408006" cy="713870"/>
+          </a:xfrm>
+          <a:prstGeom prst="roundRect">
+            <a:avLst/>
+          </a:prstGeom>
+          <a:solidFill>
+            <a:schemeClr val="tx2">
+              <a:lumMod val="75000"/>
             </a:schemeClr>
           </a:solidFill>
           <a:ln>
@@ -16771,8 +17265,8 @@
                 <a:solidFill>
                   <a:srgbClr val="FF0000"/>
                 </a:solidFill>
-                <a:latin typeface="Arial" panose="020B0604020202020204" pitchFamily="34" charset="0"/>
-                <a:cs typeface="Arial" panose="020B0604020202020204" pitchFamily="34" charset="0"/>
+                <a:latin typeface="Arial"/>
+                <a:cs typeface="Arial"/>
               </a:rPr>
               <a:t>  </a:t>
             </a:r>
@@ -16781,10 +17275,10 @@
                 <a:solidFill>
                   <a:schemeClr val="bg1"/>
                 </a:solidFill>
-                <a:latin typeface="Arial" panose="020B0604020202020204" pitchFamily="34" charset="0"/>
-                <a:cs typeface="Arial" panose="020B0604020202020204" pitchFamily="34" charset="0"/>
+                <a:latin typeface="Arial"/>
+                <a:cs typeface="Arial"/>
               </a:rPr>
-              <a:t>Materials and Methods</a:t>
+              <a:t>Introduction</a:t>
             </a:r>
             <a:endParaRPr kumimoji="0" lang="en-GB" sz="3500" b="0" i="0" u="none" strike="noStrike" cap="none" normalizeH="0" baseline="0" dirty="0">
               <a:ln>
@@ -16794,17 +17288,18 @@
                 <a:schemeClr val="bg1"/>
               </a:solidFill>
               <a:effectLst/>
-              <a:latin typeface="Rdg Vesta" pitchFamily="2" charset="0"/>
+              <a:latin typeface="Arial"/>
+              <a:cs typeface="Arial"/>
             </a:endParaRPr>
           </a:p>
         </p:txBody>
       </p:sp>
       <p:sp>
         <p:nvSpPr>
-          <p:cNvPr id="2089" name="Rectangle 2088">
+          <p:cNvPr id="2073" name="Rectangle: Rounded Corners 2072">
             <a:extLst>
               <a:ext uri="{FF2B5EF4-FFF2-40B4-BE49-F238E27FC236}">
-                <a16:creationId xmlns:a16="http://schemas.microsoft.com/office/drawing/2014/main" id="{F88B21A5-261F-C2DA-7003-E16E1FE80A5A}"/>
+                <a16:creationId xmlns:a16="http://schemas.microsoft.com/office/drawing/2014/main" id="{516F6D98-168B-8D45-FAF1-031061D99010}"/>
               </a:ext>
             </a:extLst>
           </p:cNvPr>
@@ -16813,24 +17308,37 @@
         </p:nvSpPr>
         <p:spPr bwMode="auto">
           <a:xfrm>
-            <a:off x="610538" y="1356852"/>
-            <a:ext cx="7501075" cy="884903"/>
+            <a:off x="10799999" y="4811466"/>
+            <a:ext cx="10080000" cy="3437232"/>
           </a:xfrm>
-          <a:prstGeom prst="rect">
+          <a:prstGeom prst="roundRect">
             <a:avLst/>
           </a:prstGeom>
           <a:solidFill>
-            <a:schemeClr val="tx2"/>
-          </a:solidFill>
-          <a:ln w="9525" cap="flat" cmpd="sng" algn="ctr">
-            <a:noFill/>
-            <a:prstDash val="solid"/>
-            <a:round/>
+            <a:schemeClr val="accent1">
+              <a:lumMod val="20000"/>
+              <a:lumOff val="80000"/>
+            </a:schemeClr>
+          </a:solidFill>
+          <a:ln>
             <a:headEnd type="none" w="med" len="med"/>
             <a:tailEnd type="none" w="med" len="med"/>
           </a:ln>
-          <a:effectLst/>
         </p:spPr>
+        <p:style>
+          <a:lnRef idx="1">
+            <a:schemeClr val="accent2"/>
+          </a:lnRef>
+          <a:fillRef idx="2">
+            <a:schemeClr val="accent2"/>
+          </a:fillRef>
+          <a:effectRef idx="1">
+            <a:schemeClr val="accent2"/>
+          </a:effectRef>
+          <a:fontRef idx="minor">
+            <a:schemeClr val="dk1"/>
+          </a:fontRef>
+        </p:style>
         <p:txBody>
           <a:bodyPr vert="horz" wrap="none" lIns="91440" tIns="45720" rIns="91440" bIns="45720" numCol="1" rtlCol="0" anchor="ctr" anchorCtr="0" compatLnSpc="1">
             <a:prstTxWarp prst="textNoShape">
@@ -16855,7 +17363,7 @@
               <a:buNone/>
               <a:tabLst/>
             </a:pPr>
-            <a:endParaRPr kumimoji="0" lang="en-GB" sz="1300" b="0" i="0" u="none" strike="noStrike" cap="none" normalizeH="0" baseline="0">
+            <a:endParaRPr kumimoji="0" lang="en-GB" sz="1300" b="0" i="0" u="none" strike="noStrike" cap="none" normalizeH="0" baseline="0" dirty="0">
               <a:ln>
                 <a:noFill/>
               </a:ln>
@@ -16870,98 +17378,411 @@
       </p:sp>
       <p:sp>
         <p:nvSpPr>
-          <p:cNvPr id="2053" name="TextBox 2052">
+          <p:cNvPr id="2069" name="Rectangle: Rounded Corners 2068">
             <a:extLst>
               <a:ext uri="{FF2B5EF4-FFF2-40B4-BE49-F238E27FC236}">
-                <a16:creationId xmlns:a16="http://schemas.microsoft.com/office/drawing/2014/main" id="{93FC513B-DC34-8FED-6316-E0CE4A7A620A}"/>
+                <a16:creationId xmlns:a16="http://schemas.microsoft.com/office/drawing/2014/main" id="{3FA35535-70CF-A41F-2B9B-FE75FAD3CCE8}"/>
               </a:ext>
             </a:extLst>
           </p:cNvPr>
-          <p:cNvSpPr txBox="1"/>
+          <p:cNvSpPr/>
           <p:nvPr/>
         </p:nvSpPr>
         <p:spPr bwMode="auto">
           <a:xfrm>
-            <a:off x="3271314" y="1101283"/>
-            <a:ext cx="13781032" cy="2186432"/>
+            <a:off x="10588389" y="4604632"/>
+            <a:ext cx="10080000" cy="3437232"/>
           </a:xfrm>
-          <a:prstGeom prst="rect">
+          <a:prstGeom prst="roundRect">
             <a:avLst/>
           </a:prstGeom>
-          <a:noFill/>
-          <a:ln w="9525">
-            <a:noFill/>
-            <a:miter lim="800000"/>
-            <a:headEnd/>
-            <a:tailEnd/>
+          <a:solidFill>
+            <a:schemeClr val="bg1"/>
+          </a:solidFill>
+          <a:ln>
+            <a:solidFill>
+              <a:schemeClr val="bg1"/>
+            </a:solidFill>
+            <a:headEnd type="none" w="med" len="med"/>
+            <a:tailEnd type="none" w="med" len="med"/>
           </a:ln>
-          <a:effectLst/>
         </p:spPr>
+        <p:style>
+          <a:lnRef idx="0">
+            <a:schemeClr val="accent2"/>
+          </a:lnRef>
+          <a:fillRef idx="3">
+            <a:schemeClr val="accent2"/>
+          </a:fillRef>
+          <a:effectRef idx="3">
+            <a:schemeClr val="accent2"/>
+          </a:effectRef>
+          <a:fontRef idx="minor">
+            <a:schemeClr val="lt1"/>
+          </a:fontRef>
+        </p:style>
         <p:txBody>
-          <a:bodyPr wrap="square" lIns="0" tIns="0" rIns="0" bIns="0" rtlCol="0">
-            <a:spAutoFit/>
+          <a:bodyPr vert="horz" wrap="none" lIns="91440" tIns="45720" rIns="91440" bIns="45720" numCol="1" rtlCol="0" anchor="ctr" anchorCtr="0" compatLnSpc="1">
+            <a:prstTxWarp prst="textNoShape">
+              <a:avLst/>
+            </a:prstTxWarp>
           </a:bodyPr>
           <a:lstStyle/>
           <a:p>
-            <a:pPr marL="455613" indent="-455613" algn="ctr" defTabSz="2952750" eaLnBrk="0" hangingPunct="0">
+            <a:pPr defTabSz="2952750"/>
+            <a:r>
+              <a:rPr lang="en-US" dirty="0"/>
+              <a:t>The proposed </a:t>
+            </a:r>
+            <a:r>
+              <a:rPr lang="en-US" b="1" dirty="0"/>
+              <a:t>relaxed trajectory</a:t>
+            </a:r>
+            <a:r>
+              <a:rPr lang="en-US" dirty="0"/>
+              <a:t> method embeds the robot’s full closed-loop dynamics directly into the trajectory generation process.</a:t>
+            </a:r>
+            <a:endParaRPr kumimoji="0" lang="en-GB" sz="1300" b="0" i="0" u="none" strike="noStrike" cap="none" normalizeH="0" baseline="0" dirty="0">
+              <a:ln>
+                <a:noFill/>
+              </a:ln>
+              <a:solidFill>
+                <a:schemeClr val="tx1"/>
+              </a:solidFill>
+              <a:effectLst/>
+              <a:latin typeface="Rdg Vesta" pitchFamily="2" charset="0"/>
+            </a:endParaRPr>
+          </a:p>
+        </p:txBody>
+      </p:sp>
+      <p:sp>
+        <p:nvSpPr>
+          <p:cNvPr id="15" name="Rectangle: Rounded Corners 14">
+            <a:extLst>
+              <a:ext uri="{FF2B5EF4-FFF2-40B4-BE49-F238E27FC236}">
+                <a16:creationId xmlns:a16="http://schemas.microsoft.com/office/drawing/2014/main" id="{17411C70-E478-4D4C-BB3B-F38F5FC330C5}"/>
+              </a:ext>
+            </a:extLst>
+          </p:cNvPr>
+          <p:cNvSpPr/>
+          <p:nvPr/>
+        </p:nvSpPr>
+        <p:spPr bwMode="auto">
+          <a:xfrm>
+            <a:off x="13152305" y="4086586"/>
+            <a:ext cx="5586319" cy="713870"/>
+          </a:xfrm>
+          <a:prstGeom prst="roundRect">
+            <a:avLst/>
+          </a:prstGeom>
+          <a:solidFill>
+            <a:schemeClr val="accent1">
+              <a:lumMod val="50000"/>
+            </a:schemeClr>
+          </a:solidFill>
+          <a:ln>
+            <a:headEnd type="none" w="med" len="med"/>
+            <a:tailEnd type="none" w="med" len="med"/>
+          </a:ln>
+        </p:spPr>
+        <p:style>
+          <a:lnRef idx="0">
+            <a:schemeClr val="accent1"/>
+          </a:lnRef>
+          <a:fillRef idx="3">
+            <a:schemeClr val="accent1"/>
+          </a:fillRef>
+          <a:effectRef idx="3">
+            <a:schemeClr val="accent1"/>
+          </a:effectRef>
+          <a:fontRef idx="minor">
+            <a:schemeClr val="lt1"/>
+          </a:fontRef>
+        </p:style>
+        <p:txBody>
+          <a:bodyPr vert="horz" wrap="none" lIns="91440" tIns="45720" rIns="91440" bIns="45720" numCol="1" rtlCol="0" anchor="ctr" anchorCtr="0" compatLnSpc="1">
+            <a:prstTxWarp prst="textNoShape">
+              <a:avLst/>
+            </a:prstTxWarp>
+          </a:bodyPr>
+          <a:lstStyle/>
+          <a:p>
+            <a:pPr marL="0" marR="0" indent="0" algn="l" defTabSz="2952750" rtl="0" eaLnBrk="1" fontAlgn="base" latinLnBrk="0" hangingPunct="1">
               <a:lnSpc>
-                <a:spcPct val="105000"/>
+                <a:spcPct val="100000"/>
               </a:lnSpc>
               <a:spcBef>
-                <a:spcPts val="4400"/>
+                <a:spcPct val="0"/>
               </a:spcBef>
               <a:spcAft>
-                <a:spcPts val="0"/>
+                <a:spcPct val="0"/>
               </a:spcAft>
-              <a:buClr>
-                <a:schemeClr val="tx2"/>
-              </a:buClr>
+              <a:buClrTx/>
+              <a:buSzTx/>
+              <a:buFontTx/>
+              <a:buNone/>
+              <a:tabLst/>
             </a:pPr>
             <a:r>
-              <a:rPr lang="en-GB" sz="5200" b="1" kern="0" dirty="0">
+              <a:rPr lang="en-GB" sz="3500" b="1" kern="0" dirty="0">
                 <a:solidFill>
                   <a:schemeClr val="bg1"/>
                 </a:solidFill>
                 <a:latin typeface="Arial" panose="020B0604020202020204" pitchFamily="34" charset="0"/>
                 <a:cs typeface="Arial" panose="020B0604020202020204" pitchFamily="34" charset="0"/>
               </a:rPr>
-              <a:t>Dynamically Aware Robot Trajectory </a:t>
-            </a:r>
-          </a:p>
-          <a:p>
-            <a:pPr marL="455613" indent="-455613" algn="ctr" defTabSz="2952750" eaLnBrk="0" hangingPunct="0">
+              <a:t>Methods and Advantages</a:t>
+            </a:r>
+            <a:endParaRPr kumimoji="0" lang="en-GB" sz="3500" b="0" i="0" u="none" strike="noStrike" cap="none" normalizeH="0" baseline="0" dirty="0">
+              <a:ln>
+                <a:noFill/>
+              </a:ln>
+              <a:solidFill>
+                <a:schemeClr val="bg1"/>
+              </a:solidFill>
+              <a:effectLst/>
+              <a:latin typeface="Rdg Vesta" pitchFamily="2" charset="0"/>
+            </a:endParaRPr>
+          </a:p>
+        </p:txBody>
+      </p:sp>
+      <p:sp>
+        <p:nvSpPr>
+          <p:cNvPr id="19" name="Rectangle 3">
+            <a:extLst>
+              <a:ext uri="{FF2B5EF4-FFF2-40B4-BE49-F238E27FC236}">
+                <a16:creationId xmlns:a16="http://schemas.microsoft.com/office/drawing/2014/main" id="{D21339E6-82EE-9332-6939-1968A1C26E35}"/>
+              </a:ext>
+            </a:extLst>
+          </p:cNvPr>
+          <p:cNvSpPr>
+            <a:spLocks noChangeArrowheads="1"/>
+          </p:cNvSpPr>
+          <p:nvPr/>
+        </p:nvSpPr>
+        <p:spPr bwMode="auto">
+          <a:xfrm>
+            <a:off x="10940329" y="4987646"/>
+            <a:ext cx="9498341" cy="2970044"/>
+          </a:xfrm>
+          <a:prstGeom prst="rect">
+            <a:avLst/>
+          </a:prstGeom>
+          <a:noFill/>
+          <a:ln>
+            <a:noFill/>
+          </a:ln>
+          <a:effectLst/>
+          <a:extLst>
+            <a:ext uri="{909E8E84-426E-40DD-AFC4-6F175D3DCCD1}">
+              <a14:hiddenFill xmlns:a14="http://schemas.microsoft.com/office/drawing/2010/main">
+                <a:solidFill>
+                  <a:schemeClr val="accent1"/>
+                </a:solidFill>
+              </a14:hiddenFill>
+            </a:ext>
+            <a:ext uri="{91240B29-F687-4F45-9708-019B960494DF}">
+              <a14:hiddenLine xmlns:a14="http://schemas.microsoft.com/office/drawing/2010/main" w="9525">
+                <a:solidFill>
+                  <a:schemeClr val="tx1"/>
+                </a:solidFill>
+                <a:miter lim="800000"/>
+                <a:headEnd/>
+                <a:tailEnd/>
+              </a14:hiddenLine>
+            </a:ext>
+            <a:ext uri="{AF507438-7753-43E0-B8FC-AC1667EBCBE1}">
+              <a14:hiddenEffects xmlns:a14="http://schemas.microsoft.com/office/drawing/2010/main">
+                <a:effectLst>
+                  <a:outerShdw dist="35921" dir="2700000" algn="ctr" rotWithShape="0">
+                    <a:schemeClr val="bg2"/>
+                  </a:outerShdw>
+                </a:effectLst>
+              </a14:hiddenEffects>
+            </a:ext>
+          </a:extLst>
+        </p:spPr>
+        <p:txBody>
+          <a:bodyPr vert="horz" wrap="square" lIns="91440" tIns="45720" rIns="91440" bIns="45720" numCol="1" anchor="ctr" anchorCtr="0" compatLnSpc="1">
+            <a:prstTxWarp prst="textNoShape">
+              <a:avLst/>
+            </a:prstTxWarp>
+            <a:spAutoFit/>
+          </a:bodyPr>
+          <a:lstStyle/>
+          <a:p>
+            <a:pPr lvl="0" algn="just" eaLnBrk="0" hangingPunct="0"/>
+            <a:r>
+              <a:rPr lang="en-US" sz="1700" dirty="0">
+                <a:latin typeface="+mj-lt"/>
+              </a:rPr>
+              <a:t>The proposed </a:t>
+            </a:r>
+            <a:r>
+              <a:rPr lang="en-US" sz="1700" b="1" dirty="0">
+                <a:latin typeface="+mj-lt"/>
+              </a:rPr>
+              <a:t>relaxed trajectory</a:t>
+            </a:r>
+            <a:r>
+              <a:rPr lang="en-US" sz="1700" dirty="0">
+                <a:latin typeface="+mj-lt"/>
+              </a:rPr>
+              <a:t> method embeds the robot’s full closed-loop dynamics directly into the trajectory generation process.</a:t>
+            </a:r>
+          </a:p>
+          <a:p>
+            <a:pPr lvl="0" algn="just" eaLnBrk="0" hangingPunct="0"/>
+            <a:r>
+              <a:rPr lang="en-US" sz="1700" dirty="0">
+                <a:latin typeface="+mj-lt"/>
+              </a:rPr>
+              <a:t>Trajectory generation is performed using either </a:t>
+            </a:r>
+            <a:r>
+              <a:rPr lang="en-US" sz="1700" b="1" dirty="0">
+                <a:latin typeface="+mj-lt"/>
+              </a:rPr>
+              <a:t>hypersphere state switching</a:t>
+            </a:r>
+            <a:r>
+              <a:rPr lang="en-US" sz="1700" dirty="0">
+                <a:latin typeface="+mj-lt"/>
+              </a:rPr>
+              <a:t> or </a:t>
+            </a:r>
+            <a:r>
+              <a:rPr lang="en-US" sz="1700" b="1" dirty="0">
+                <a:latin typeface="+mj-lt"/>
+              </a:rPr>
+              <a:t>maximum-velocity switching</a:t>
+            </a:r>
+            <a:r>
+              <a:rPr lang="en-US" sz="1700" dirty="0">
+                <a:latin typeface="+mj-lt"/>
+              </a:rPr>
+              <a:t>, which regulate state transitions in joint space while preserving Cartesian path constraints</a:t>
+            </a:r>
+            <a:endParaRPr kumimoji="0" lang="en-US" altLang="en-US" sz="1700" b="0" i="0" u="none" strike="noStrike" cap="none" normalizeH="0" baseline="0" dirty="0">
+              <a:ln>
+                <a:noFill/>
+              </a:ln>
+              <a:solidFill>
+                <a:schemeClr val="tx1"/>
+              </a:solidFill>
+              <a:effectLst/>
+              <a:latin typeface="+mj-lt"/>
+            </a:endParaRPr>
+          </a:p>
+          <a:p>
+            <a:pPr marL="0" marR="0" lvl="0" indent="0" algn="just" defTabSz="914400" rtl="0" eaLnBrk="0" fontAlgn="base" latinLnBrk="0" hangingPunct="0">
               <a:lnSpc>
-                <a:spcPct val="105000"/>
+                <a:spcPct val="100000"/>
               </a:lnSpc>
               <a:spcBef>
-                <a:spcPts val="4400"/>
+                <a:spcPct val="0"/>
               </a:spcBef>
               <a:spcAft>
-                <a:spcPts val="0"/>
+                <a:spcPct val="0"/>
               </a:spcAft>
-              <a:buClr>
-                <a:schemeClr val="tx2"/>
-              </a:buClr>
+              <a:buClrTx/>
+              <a:buSzTx/>
+              <a:buFontTx/>
+              <a:buNone/>
+              <a:tabLst/>
             </a:pPr>
             <a:r>
-              <a:rPr lang="en-GB" sz="5200" b="1" kern="0" dirty="0">
+              <a:rPr kumimoji="0" lang="en-US" altLang="en-US" sz="1700" b="0" i="0" u="none" strike="noStrike" cap="none" normalizeH="0" baseline="0" dirty="0">
+                <a:ln>
+                  <a:noFill/>
+                </a:ln>
                 <a:solidFill>
-                  <a:schemeClr val="bg1"/>
+                  <a:schemeClr val="tx1"/>
                 </a:solidFill>
-                <a:latin typeface="Arial" panose="020B0604020202020204" pitchFamily="34" charset="0"/>
-                <a:cs typeface="Arial" panose="020B0604020202020204" pitchFamily="34" charset="0"/>
+                <a:effectLst/>
+                <a:latin typeface="+mj-lt"/>
               </a:rPr>
-              <a:t>Generation and Optimisation</a:t>
-            </a:r>
+              <a:t>The advantages:</a:t>
+            </a:r>
+          </a:p>
+          <a:p>
+            <a:pPr marL="742950" lvl="1" indent="-285750" algn="just" eaLnBrk="0" hangingPunct="0">
+              <a:buFont typeface="Arial" panose="020B0604020202020204" pitchFamily="34" charset="0"/>
+              <a:buChar char="•"/>
+            </a:pPr>
+            <a:r>
+              <a:rPr lang="en-US" altLang="en-US" sz="1700" b="1" dirty="0">
+                <a:latin typeface="+mj-lt"/>
+              </a:rPr>
+              <a:t>fewer control points,</a:t>
+            </a:r>
+          </a:p>
+          <a:p>
+            <a:pPr marL="742950" lvl="1" indent="-285750" algn="just" eaLnBrk="0" hangingPunct="0">
+              <a:buFont typeface="Arial" panose="020B0604020202020204" pitchFamily="34" charset="0"/>
+              <a:buChar char="•"/>
+            </a:pPr>
+            <a:r>
+              <a:rPr lang="en-US" altLang="en-US" sz="1700" b="1" dirty="0">
+                <a:latin typeface="+mj-lt"/>
+              </a:rPr>
+              <a:t>efficient computation,</a:t>
+            </a:r>
+          </a:p>
+          <a:p>
+            <a:pPr marL="742950" lvl="1" indent="-285750" algn="just" eaLnBrk="0" hangingPunct="0">
+              <a:buFont typeface="Arial" panose="020B0604020202020204" pitchFamily="34" charset="0"/>
+              <a:buChar char="•"/>
+            </a:pPr>
+            <a:r>
+              <a:rPr lang="en-US" altLang="en-US" sz="1700" b="1" dirty="0">
+                <a:latin typeface="+mj-lt"/>
+              </a:rPr>
+              <a:t>continuity of position and velocity,</a:t>
+            </a:r>
+          </a:p>
+          <a:p>
+            <a:pPr marL="742950" lvl="1" indent="-285750" algn="just" eaLnBrk="0" hangingPunct="0">
+              <a:buFont typeface="Arial" panose="020B0604020202020204" pitchFamily="34" charset="0"/>
+              <a:buChar char="•"/>
+            </a:pPr>
+            <a:r>
+              <a:rPr lang="en-US" altLang="en-US" sz="1700" b="1" dirty="0">
+                <a:latin typeface="+mj-lt"/>
+              </a:rPr>
+              <a:t>simple speed adaption while preserving nominal path shape,</a:t>
+            </a:r>
+          </a:p>
+          <a:p>
+            <a:pPr marL="742950" lvl="1" indent="-285750" algn="just" eaLnBrk="0" hangingPunct="0">
+              <a:buFont typeface="Arial" panose="020B0604020202020204" pitchFamily="34" charset="0"/>
+              <a:buChar char="•"/>
+            </a:pPr>
+            <a:r>
+              <a:rPr lang="en-US" altLang="en-US" sz="1700" b="1" dirty="0">
+                <a:latin typeface="+mj-lt"/>
+              </a:rPr>
+              <a:t>explicit robot dynamics.</a:t>
+            </a:r>
+            <a:endParaRPr kumimoji="0" lang="en-US" altLang="en-US" sz="1700" b="1" i="0" u="none" strike="noStrike" cap="none" normalizeH="0" baseline="0" dirty="0">
+              <a:ln>
+                <a:noFill/>
+              </a:ln>
+              <a:solidFill>
+                <a:schemeClr val="tx1"/>
+              </a:solidFill>
+              <a:effectLst/>
+              <a:latin typeface="+mj-lt"/>
+            </a:endParaRPr>
           </a:p>
         </p:txBody>
       </p:sp>
       <p:pic>
         <p:nvPicPr>
-          <p:cNvPr id="2093" name="Picture 2092" descr="A group of white squares&#10;&#10;AI-generated content may be incorrect.">
+          <p:cNvPr id="34" name="Picture 33" descr="A screenshot of a graph&#10;&#10;AI-generated content may be incorrect.">
             <a:extLst>
               <a:ext uri="{FF2B5EF4-FFF2-40B4-BE49-F238E27FC236}">
-                <a16:creationId xmlns:a16="http://schemas.microsoft.com/office/drawing/2014/main" id="{390FB7F0-B299-D567-F714-B82771C4C85D}"/>
+                <a16:creationId xmlns:a16="http://schemas.microsoft.com/office/drawing/2014/main" id="{EDB5CE29-BA8E-2825-4F49-580F3BA6F4A5}"/>
               </a:ext>
             </a:extLst>
           </p:cNvPr>
@@ -16971,7 +17792,7 @@
           <p:nvPr/>
         </p:nvPicPr>
         <p:blipFill>
-          <a:blip r:embed="rId79" cstate="print">
+          <a:blip r:embed="rId4" cstate="print">
             <a:extLst>
               <a:ext uri="{28A0092B-C50C-407E-A947-70E740481C1C}">
                 <a14:useLocalDpi xmlns:a14="http://schemas.microsoft.com/office/drawing/2010/main" val="0"/>
@@ -16984,30 +17805,30 @@
         </p:blipFill>
         <p:spPr>
           <a:xfrm>
-            <a:off x="1587860" y="9521002"/>
-            <a:ext cx="18212667" cy="4215392"/>
+            <a:off x="727345" y="22760971"/>
+            <a:ext cx="9311509" cy="4809470"/>
           </a:xfrm>
-          <a:prstGeom prst="rect">
+          <a:prstGeom prst="roundRect">
             <a:avLst/>
           </a:prstGeom>
         </p:spPr>
       </p:pic>
       <p:pic>
         <p:nvPicPr>
-          <p:cNvPr id="2108" name="Picture 2107" descr="A graph of a function&#10;&#10;AI-generated content may be incorrect.">
+          <p:cNvPr id="36" name="Picture 35" descr="A diagram of a space&#10;&#10;AI-generated content may be incorrect.">
             <a:extLst>
               <a:ext uri="{FF2B5EF4-FFF2-40B4-BE49-F238E27FC236}">
-                <a16:creationId xmlns:a16="http://schemas.microsoft.com/office/drawing/2014/main" id="{1F2A9599-1AB7-5CBB-3922-55CE1782BC92}"/>
+                <a16:creationId xmlns:a16="http://schemas.microsoft.com/office/drawing/2014/main" id="{BDF60643-300F-75B0-26C5-2F31BE3379C1}"/>
               </a:ext>
             </a:extLst>
           </p:cNvPr>
           <p:cNvPicPr>
-            <a:picLocks/>
+            <a:picLocks noChangeAspect="1"/>
           </p:cNvPicPr>
           <p:nvPr/>
         </p:nvPicPr>
         <p:blipFill>
-          <a:blip r:embed="rId80" cstate="print">
+          <a:blip r:embed="rId5" cstate="print">
             <a:extLst>
               <a:ext uri="{28A0092B-C50C-407E-A947-70E740481C1C}">
                 <a14:useLocalDpi xmlns:a14="http://schemas.microsoft.com/office/drawing/2010/main" val="0"/>
@@ -17020,20 +17841,20 @@
         </p:blipFill>
         <p:spPr>
           <a:xfrm>
-            <a:off x="1003515" y="22384834"/>
-            <a:ext cx="9000000" cy="5400000"/>
+            <a:off x="1090133" y="14402299"/>
+            <a:ext cx="8799302" cy="5896594"/>
           </a:xfrm>
-          <a:prstGeom prst="rect">
+          <a:prstGeom prst="roundRect">
             <a:avLst/>
           </a:prstGeom>
         </p:spPr>
       </p:pic>
       <p:pic>
         <p:nvPicPr>
-          <p:cNvPr id="2118" name="Picture 2117" descr="A diagram of a graph&#10;&#10;AI-generated content may be incorrect.">
+          <p:cNvPr id="38" name="Picture 37" descr="A graph of a graph&#10;&#10;AI-generated content may be incorrect.">
             <a:extLst>
               <a:ext uri="{FF2B5EF4-FFF2-40B4-BE49-F238E27FC236}">
-                <a16:creationId xmlns:a16="http://schemas.microsoft.com/office/drawing/2014/main" id="{5C7494D8-922C-E1B1-12D1-B5BEA4990209}"/>
+                <a16:creationId xmlns:a16="http://schemas.microsoft.com/office/drawing/2014/main" id="{D74B8C85-A556-D5BB-A436-C413AB05B9F1}"/>
               </a:ext>
             </a:extLst>
           </p:cNvPr>
@@ -17043,7 +17864,7 @@
           <p:nvPr/>
         </p:nvPicPr>
         <p:blipFill>
-          <a:blip r:embed="rId81" cstate="print">
+          <a:blip r:embed="rId6" cstate="print">
             <a:extLst>
               <a:ext uri="{28A0092B-C50C-407E-A947-70E740481C1C}">
                 <a14:useLocalDpi xmlns:a14="http://schemas.microsoft.com/office/drawing/2010/main" val="0"/>
@@ -17056,20 +17877,20 @@
         </p:blipFill>
         <p:spPr>
           <a:xfrm>
-            <a:off x="1044696" y="15387274"/>
-            <a:ext cx="8883173" cy="6722979"/>
+            <a:off x="11671026" y="14452801"/>
+            <a:ext cx="8767644" cy="5218959"/>
           </a:xfrm>
-          <a:prstGeom prst="rect">
+          <a:prstGeom prst="roundRect">
             <a:avLst/>
           </a:prstGeom>
         </p:spPr>
       </p:pic>
       <p:pic>
         <p:nvPicPr>
-          <p:cNvPr id="2122" name="Picture 2121" descr="A graph of a function&#10;&#10;AI-generated content may be incorrect.">
+          <p:cNvPr id="41" name="Picture 40" descr="A screenshot of a graph&#10;&#10;AI-generated content may be incorrect.">
             <a:extLst>
               <a:ext uri="{FF2B5EF4-FFF2-40B4-BE49-F238E27FC236}">
-                <a16:creationId xmlns:a16="http://schemas.microsoft.com/office/drawing/2014/main" id="{D89DB049-2880-F551-DC4F-6B355D3B30EF}"/>
+                <a16:creationId xmlns:a16="http://schemas.microsoft.com/office/drawing/2014/main" id="{3871F032-6AC3-D5E2-3E93-50EF8F47621E}"/>
               </a:ext>
             </a:extLst>
           </p:cNvPr>
@@ -17079,7 +17900,7 @@
           <p:nvPr/>
         </p:nvPicPr>
         <p:blipFill>
-          <a:blip r:embed="rId82" cstate="print">
+          <a:blip r:embed="rId7" cstate="print">
             <a:extLst>
               <a:ext uri="{28A0092B-C50C-407E-A947-70E740481C1C}">
                 <a14:useLocalDpi xmlns:a14="http://schemas.microsoft.com/office/drawing/2010/main" val="0"/>
@@ -17092,46 +17913,10 @@
         </p:blipFill>
         <p:spPr>
           <a:xfrm>
-            <a:off x="11782341" y="23083847"/>
-            <a:ext cx="4460959" cy="3965298"/>
+            <a:off x="11304354" y="22717108"/>
+            <a:ext cx="9134316" cy="4754627"/>
           </a:xfrm>
-          <a:prstGeom prst="rect">
-            <a:avLst/>
-          </a:prstGeom>
-        </p:spPr>
-      </p:pic>
-      <p:pic>
-        <p:nvPicPr>
-          <p:cNvPr id="2124" name="Picture 2123" descr="A graph of a graph&#10;&#10;AI-generated content may be incorrect.">
-            <a:extLst>
-              <a:ext uri="{FF2B5EF4-FFF2-40B4-BE49-F238E27FC236}">
-                <a16:creationId xmlns:a16="http://schemas.microsoft.com/office/drawing/2014/main" id="{F630973E-F11E-103C-91DA-9F24D7E80C07}"/>
-              </a:ext>
-            </a:extLst>
-          </p:cNvPr>
-          <p:cNvPicPr>
-            <a:picLocks noChangeAspect="1"/>
-          </p:cNvPicPr>
-          <p:nvPr/>
-        </p:nvPicPr>
-        <p:blipFill>
-          <a:blip r:embed="rId83" cstate="print">
-            <a:extLst>
-              <a:ext uri="{28A0092B-C50C-407E-A947-70E740481C1C}">
-                <a14:useLocalDpi xmlns:a14="http://schemas.microsoft.com/office/drawing/2010/main" val="0"/>
-              </a:ext>
-            </a:extLst>
-          </a:blip>
-          <a:stretch>
-            <a:fillRect/>
-          </a:stretch>
-        </p:blipFill>
-        <p:spPr>
-          <a:xfrm>
-            <a:off x="11654268" y="15399204"/>
-            <a:ext cx="8277853" cy="5518569"/>
-          </a:xfrm>
-          <a:prstGeom prst="rect">
+          <a:prstGeom prst="roundRect">
             <a:avLst/>
           </a:prstGeom>
         </p:spPr>
